--- a/figures.pptx
+++ b/figures.pptx
@@ -105,6 +105,11 @@
       </a:defRPr>
     </a:lvl9pPr>
   </p:defaultTextStyle>
+  <p:extLst>
+    <p:ext uri="{EFAFB233-063F-42B5-8137-9DF3F51BA10A}">
+      <p15:sldGuideLst xmlns:p15="http://schemas.microsoft.com/office/powerpoint/2012/main"/>
+    </p:ext>
+  </p:extLst>
 </p:presentation>
 </file>
 
@@ -6625,8 +6630,8 @@
           </a:p>
         </p:txBody>
       </p:sp>
-      <mc:AlternateContent xmlns:mc="http://schemas.openxmlformats.org/markup-compatibility/2006">
-        <mc:Choice xmlns:pslz="http://schemas.microsoft.com/office/powerpoint/2016/slidezoom" Requires="pslz">
+      <mc:AlternateContent xmlns:mc="http://schemas.openxmlformats.org/markup-compatibility/2006" xmlns:pslz="http://schemas.microsoft.com/office/powerpoint/2016/slidezoom">
+        <mc:Choice Requires="pslz">
           <p:graphicFrame>
             <p:nvGraphicFramePr>
               <p:cNvPr id="39" name="Slide Zoom 38">
@@ -6683,7 +6688,7 @@
             </a:graphic>
           </p:graphicFrame>
         </mc:Choice>
-        <mc:Fallback>
+        <mc:Fallback xmlns="">
           <p:pic>
             <p:nvPicPr>
               <p:cNvPr id="39" name="Slide Zoom 38">
@@ -6700,7 +6705,7 @@
               <p:nvPr/>
             </p:nvPicPr>
             <p:blipFill>
-              <a:blip r:embed="rId2"/>
+              <a:blip r:embed="rId4"/>
               <a:stretch>
                 <a:fillRect/>
               </a:stretch>
@@ -7900,24 +7905,32 @@
           <a:p>
             <a:pPr algn="ctr"/>
             <a:r>
-              <a:rPr lang="en-US" sz="1400" dirty="0">
-                <a:solidFill>
-                  <a:srgbClr val="009681"/>
+              <a:rPr lang="en-US" sz="1400" dirty="0" err="1">
+                <a:solidFill>
+                  <a:schemeClr val="tx1">
+                    <a:lumMod val="95000"/>
+                  </a:schemeClr>
                 </a:solidFill>
               </a:rPr>
-              <a:t>Inventory</a:t>
-            </a:r>
-          </a:p>
-          <a:p>
-            <a:pPr algn="ctr"/>
-            <a:r>
-              <a:rPr lang="en-US" sz="1400" dirty="0">
-                <a:solidFill>
-                  <a:srgbClr val="009681"/>
+              <a:t>Invenstory</a:t>
+            </a:r>
+            <a:r>
+              <a:rPr lang="en-US" sz="1400">
+                <a:solidFill>
+                  <a:schemeClr val="tx1">
+                    <a:lumMod val="95000"/>
+                  </a:schemeClr>
                 </a:solidFill>
               </a:rPr>
-              <a:t>System</a:t>
-            </a:r>
+              <a:t> </a:t>
+            </a:r>
+            <a:endParaRPr lang="en-US" sz="1400" dirty="0">
+              <a:solidFill>
+                <a:schemeClr val="tx1">
+                  <a:lumMod val="95000"/>
+                </a:schemeClr>
+              </a:solidFill>
+            </a:endParaRPr>
           </a:p>
         </p:txBody>
       </p:sp>

--- a/figures.pptx
+++ b/figures.pptx
@@ -7,6 +7,7 @@
   <p:sldIdLst>
     <p:sldId id="256" r:id="rId2"/>
     <p:sldId id="257" r:id="rId3"/>
+    <p:sldId id="258" r:id="rId4"/>
   </p:sldIdLst>
   <p:sldSz cx="12192000" cy="6858000"/>
   <p:notesSz cx="6858000" cy="9144000"/>
@@ -326,7 +327,7 @@
           <a:p>
             <a:fld id="{A41D76B7-B90D-465A-81BB-26E3A1C0CEFD}" type="datetimeFigureOut">
               <a:rPr lang="en-US" smtClean="0"/>
-              <a:t>7/13/2020</a:t>
+              <a:t>7/19/2020</a:t>
             </a:fld>
             <a:endParaRPr lang="en-US"/>
           </a:p>
@@ -617,7 +618,7 @@
           <a:p>
             <a:fld id="{A41D76B7-B90D-465A-81BB-26E3A1C0CEFD}" type="datetimeFigureOut">
               <a:rPr lang="en-US" smtClean="0"/>
-              <a:t>7/13/2020</a:t>
+              <a:t>7/19/2020</a:t>
             </a:fld>
             <a:endParaRPr lang="en-US"/>
           </a:p>
@@ -876,7 +877,7 @@
           <a:p>
             <a:fld id="{A41D76B7-B90D-465A-81BB-26E3A1C0CEFD}" type="datetimeFigureOut">
               <a:rPr lang="en-US" smtClean="0"/>
-              <a:t>7/13/2020</a:t>
+              <a:t>7/19/2020</a:t>
             </a:fld>
             <a:endParaRPr lang="en-US"/>
           </a:p>
@@ -1345,7 +1346,7 @@
           <a:p>
             <a:fld id="{A41D76B7-B90D-465A-81BB-26E3A1C0CEFD}" type="datetimeFigureOut">
               <a:rPr lang="en-US" smtClean="0"/>
-              <a:t>7/13/2020</a:t>
+              <a:t>7/19/2020</a:t>
             </a:fld>
             <a:endParaRPr lang="en-US"/>
           </a:p>
@@ -1525,7 +1526,7 @@
           <a:p>
             <a:fld id="{A41D76B7-B90D-465A-81BB-26E3A1C0CEFD}" type="datetimeFigureOut">
               <a:rPr lang="en-US" smtClean="0"/>
-              <a:t>7/13/2020</a:t>
+              <a:t>7/19/2020</a:t>
             </a:fld>
             <a:endParaRPr lang="en-US"/>
           </a:p>
@@ -2101,7 +2102,7 @@
           <a:p>
             <a:fld id="{A41D76B7-B90D-465A-81BB-26E3A1C0CEFD}" type="datetimeFigureOut">
               <a:rPr lang="en-US" smtClean="0"/>
-              <a:t>7/13/2020</a:t>
+              <a:t>7/19/2020</a:t>
             </a:fld>
             <a:endParaRPr lang="en-US"/>
           </a:p>
@@ -2433,7 +2434,7 @@
           <a:p>
             <a:fld id="{A41D76B7-B90D-465A-81BB-26E3A1C0CEFD}" type="datetimeFigureOut">
               <a:rPr lang="en-US" smtClean="0"/>
-              <a:t>7/13/2020</a:t>
+              <a:t>7/19/2020</a:t>
             </a:fld>
             <a:endParaRPr lang="en-US"/>
           </a:p>
@@ -2608,7 +2609,7 @@
           <a:p>
             <a:fld id="{A41D76B7-B90D-465A-81BB-26E3A1C0CEFD}" type="datetimeFigureOut">
               <a:rPr lang="en-US" smtClean="0"/>
-              <a:t>7/13/2020</a:t>
+              <a:t>7/19/2020</a:t>
             </a:fld>
             <a:endParaRPr lang="en-US"/>
           </a:p>
@@ -2788,7 +2789,7 @@
           <a:p>
             <a:fld id="{A41D76B7-B90D-465A-81BB-26E3A1C0CEFD}" type="datetimeFigureOut">
               <a:rPr lang="en-US" smtClean="0"/>
-              <a:t>7/13/2020</a:t>
+              <a:t>7/19/2020</a:t>
             </a:fld>
             <a:endParaRPr lang="en-US"/>
           </a:p>
@@ -2958,7 +2959,7 @@
           <a:p>
             <a:fld id="{A41D76B7-B90D-465A-81BB-26E3A1C0CEFD}" type="datetimeFigureOut">
               <a:rPr lang="en-US" smtClean="0"/>
-              <a:t>7/13/2020</a:t>
+              <a:t>7/19/2020</a:t>
             </a:fld>
             <a:endParaRPr lang="en-US"/>
           </a:p>
@@ -3215,7 +3216,7 @@
           <a:p>
             <a:fld id="{A41D76B7-B90D-465A-81BB-26E3A1C0CEFD}" type="datetimeFigureOut">
               <a:rPr lang="en-US" smtClean="0"/>
-              <a:t>7/13/2020</a:t>
+              <a:t>7/19/2020</a:t>
             </a:fld>
             <a:endParaRPr lang="en-US"/>
           </a:p>
@@ -3507,7 +3508,7 @@
           <a:p>
             <a:fld id="{A41D76B7-B90D-465A-81BB-26E3A1C0CEFD}" type="datetimeFigureOut">
               <a:rPr lang="en-US" smtClean="0"/>
-              <a:t>7/13/2020</a:t>
+              <a:t>7/19/2020</a:t>
             </a:fld>
             <a:endParaRPr lang="en-US"/>
           </a:p>
@@ -3937,7 +3938,7 @@
           <a:p>
             <a:fld id="{A41D76B7-B90D-465A-81BB-26E3A1C0CEFD}" type="datetimeFigureOut">
               <a:rPr lang="en-US" smtClean="0"/>
-              <a:t>7/13/2020</a:t>
+              <a:t>7/19/2020</a:t>
             </a:fld>
             <a:endParaRPr lang="en-US"/>
           </a:p>
@@ -4055,7 +4056,7 @@
           <a:p>
             <a:fld id="{A41D76B7-B90D-465A-81BB-26E3A1C0CEFD}" type="datetimeFigureOut">
               <a:rPr lang="en-US" smtClean="0"/>
-              <a:t>7/13/2020</a:t>
+              <a:t>7/19/2020</a:t>
             </a:fld>
             <a:endParaRPr lang="en-US"/>
           </a:p>
@@ -4150,7 +4151,7 @@
           <a:p>
             <a:fld id="{A41D76B7-B90D-465A-81BB-26E3A1C0CEFD}" type="datetimeFigureOut">
               <a:rPr lang="en-US" smtClean="0"/>
-              <a:t>7/13/2020</a:t>
+              <a:t>7/19/2020</a:t>
             </a:fld>
             <a:endParaRPr lang="en-US"/>
           </a:p>
@@ -4433,7 +4434,7 @@
           <a:p>
             <a:fld id="{A41D76B7-B90D-465A-81BB-26E3A1C0CEFD}" type="datetimeFigureOut">
               <a:rPr lang="en-US" smtClean="0"/>
-              <a:t>7/13/2020</a:t>
+              <a:t>7/19/2020</a:t>
             </a:fld>
             <a:endParaRPr lang="en-US"/>
           </a:p>
@@ -4724,7 +4725,7 @@
           <a:p>
             <a:fld id="{A41D76B7-B90D-465A-81BB-26E3A1C0CEFD}" type="datetimeFigureOut">
               <a:rPr lang="en-US" smtClean="0"/>
-              <a:t>7/13/2020</a:t>
+              <a:t>7/19/2020</a:t>
             </a:fld>
             <a:endParaRPr lang="en-US"/>
           </a:p>
@@ -4955,7 +4956,7 @@
           <a:p>
             <a:fld id="{A41D76B7-B90D-465A-81BB-26E3A1C0CEFD}" type="datetimeFigureOut">
               <a:rPr lang="en-US" smtClean="0"/>
-              <a:t>7/13/2020</a:t>
+              <a:t>7/19/2020</a:t>
             </a:fld>
             <a:endParaRPr lang="en-US"/>
           </a:p>
@@ -5845,8 +5846,8 @@
         </p:nvSpPr>
         <p:spPr>
           <a:xfrm>
-            <a:off x="11299514" y="699100"/>
-            <a:ext cx="832279" cy="369332"/>
+            <a:off x="11170764" y="699100"/>
+            <a:ext cx="961030" cy="369332"/>
           </a:xfrm>
           <a:prstGeom prst="rect">
             <a:avLst/>
@@ -6266,8 +6267,8 @@
         </p:nvSpPr>
         <p:spPr>
           <a:xfrm>
-            <a:off x="10189276" y="701489"/>
-            <a:ext cx="1050031" cy="369332"/>
+            <a:off x="9756742" y="699100"/>
+            <a:ext cx="1213901" cy="369332"/>
           </a:xfrm>
           <a:prstGeom prst="rect">
             <a:avLst/>
@@ -6315,7 +6316,7 @@
         <p:spPr>
           <a:xfrm>
             <a:off x="143203" y="706859"/>
-            <a:ext cx="750526" cy="369332"/>
+            <a:ext cx="917312" cy="369332"/>
           </a:xfrm>
           <a:prstGeom prst="rect">
             <a:avLst/>
@@ -8163,6 +8164,489 @@
     <p:extLst>
       <p:ext uri="{BB962C8B-B14F-4D97-AF65-F5344CB8AC3E}">
         <p14:creationId xmlns:p14="http://schemas.microsoft.com/office/powerpoint/2010/main" val="1558702334"/>
+      </p:ext>
+    </p:extLst>
+  </p:cSld>
+  <p:clrMapOvr>
+    <a:masterClrMapping/>
+  </p:clrMapOvr>
+</p:sld>
+</file>
+
+<file path=ppt/slides/slide3.xml><?xml version="1.0" encoding="utf-8"?>
+<p:sld xmlns:a="http://schemas.openxmlformats.org/drawingml/2006/main" xmlns:r="http://schemas.openxmlformats.org/officeDocument/2006/relationships" xmlns:p="http://schemas.openxmlformats.org/presentationml/2006/main">
+  <p:cSld>
+    <p:spTree>
+      <p:nvGrpSpPr>
+        <p:cNvPr id="1" name=""/>
+        <p:cNvGrpSpPr/>
+        <p:nvPr/>
+      </p:nvGrpSpPr>
+      <p:grpSpPr>
+        <a:xfrm>
+          <a:off x="0" y="0"/>
+          <a:ext cx="0" cy="0"/>
+          <a:chOff x="0" y="0"/>
+          <a:chExt cx="0" cy="0"/>
+        </a:xfrm>
+      </p:grpSpPr>
+      <p:sp>
+        <p:nvSpPr>
+          <p:cNvPr id="5" name="Rectangle 4">
+            <a:extLst>
+              <a:ext uri="{FF2B5EF4-FFF2-40B4-BE49-F238E27FC236}">
+                <a16:creationId xmlns:a16="http://schemas.microsoft.com/office/drawing/2014/main" id="{0072D64B-F4A8-4F27-9504-541F042A916C}"/>
+              </a:ext>
+            </a:extLst>
+          </p:cNvPr>
+          <p:cNvSpPr/>
+          <p:nvPr/>
+        </p:nvSpPr>
+        <p:spPr>
+          <a:xfrm>
+            <a:off x="0" y="0"/>
+            <a:ext cx="12192000" cy="1677165"/>
+          </a:xfrm>
+          <a:prstGeom prst="rect">
+            <a:avLst/>
+          </a:prstGeom>
+          <a:solidFill>
+            <a:srgbClr val="009681"/>
+          </a:solidFill>
+          <a:ln>
+            <a:noFill/>
+          </a:ln>
+          <a:effectLst/>
+        </p:spPr>
+        <p:style>
+          <a:lnRef idx="2">
+            <a:schemeClr val="accent1"/>
+          </a:lnRef>
+          <a:fillRef idx="1">
+            <a:schemeClr val="lt1"/>
+          </a:fillRef>
+          <a:effectRef idx="0">
+            <a:schemeClr val="accent1"/>
+          </a:effectRef>
+          <a:fontRef idx="minor">
+            <a:schemeClr val="dk1"/>
+          </a:fontRef>
+        </p:style>
+        <p:txBody>
+          <a:bodyPr rtlCol="0" anchor="ctr"/>
+          <a:lstStyle/>
+          <a:p>
+            <a:pPr algn="ctr"/>
+            <a:r>
+              <a:rPr lang="en-US" sz="1400" dirty="0">
+                <a:solidFill>
+                  <a:schemeClr val="tx1">
+                    <a:lumMod val="95000"/>
+                  </a:schemeClr>
+                </a:solidFill>
+              </a:rPr>
+              <a:t>100%</a:t>
+            </a:r>
+          </a:p>
+        </p:txBody>
+      </p:sp>
+      <p:sp>
+        <p:nvSpPr>
+          <p:cNvPr id="9" name="Rectangle 8">
+            <a:extLst>
+              <a:ext uri="{FF2B5EF4-FFF2-40B4-BE49-F238E27FC236}">
+                <a16:creationId xmlns:a16="http://schemas.microsoft.com/office/drawing/2014/main" id="{E81F086A-E604-4CC8-88F7-31F7604A6F3B}"/>
+              </a:ext>
+            </a:extLst>
+          </p:cNvPr>
+          <p:cNvSpPr/>
+          <p:nvPr/>
+        </p:nvSpPr>
+        <p:spPr>
+          <a:xfrm>
+            <a:off x="0" y="1677165"/>
+            <a:ext cx="8275550" cy="1677165"/>
+          </a:xfrm>
+          <a:prstGeom prst="rect">
+            <a:avLst/>
+          </a:prstGeom>
+          <a:ln/>
+        </p:spPr>
+        <p:style>
+          <a:lnRef idx="2">
+            <a:schemeClr val="accent6">
+              <a:shade val="50000"/>
+            </a:schemeClr>
+          </a:lnRef>
+          <a:fillRef idx="1">
+            <a:schemeClr val="accent6"/>
+          </a:fillRef>
+          <a:effectRef idx="0">
+            <a:schemeClr val="accent6"/>
+          </a:effectRef>
+          <a:fontRef idx="minor">
+            <a:schemeClr val="lt1"/>
+          </a:fontRef>
+        </p:style>
+        <p:txBody>
+          <a:bodyPr rtlCol="0" anchor="ctr"/>
+          <a:lstStyle/>
+          <a:p>
+            <a:pPr algn="ctr"/>
+            <a:r>
+              <a:rPr lang="en-US" sz="1400" dirty="0">
+                <a:solidFill>
+                  <a:schemeClr val="tx1">
+                    <a:lumMod val="95000"/>
+                  </a:schemeClr>
+                </a:solidFill>
+              </a:rPr>
+              <a:t>70%</a:t>
+            </a:r>
+          </a:p>
+        </p:txBody>
+      </p:sp>
+      <p:sp>
+        <p:nvSpPr>
+          <p:cNvPr id="11" name="Rectangle 10">
+            <a:extLst>
+              <a:ext uri="{FF2B5EF4-FFF2-40B4-BE49-F238E27FC236}">
+                <a16:creationId xmlns:a16="http://schemas.microsoft.com/office/drawing/2014/main" id="{ECC99521-69B7-4998-BDCB-3DD72524F28F}"/>
+              </a:ext>
+            </a:extLst>
+          </p:cNvPr>
+          <p:cNvSpPr/>
+          <p:nvPr/>
+        </p:nvSpPr>
+        <p:spPr>
+          <a:xfrm>
+            <a:off x="0" y="3354330"/>
+            <a:ext cx="2242348" cy="1677165"/>
+          </a:xfrm>
+          <a:prstGeom prst="rect">
+            <a:avLst/>
+          </a:prstGeom>
+          <a:solidFill>
+            <a:srgbClr val="009681"/>
+          </a:solidFill>
+          <a:ln>
+            <a:noFill/>
+          </a:ln>
+          <a:effectLst/>
+        </p:spPr>
+        <p:style>
+          <a:lnRef idx="2">
+            <a:schemeClr val="accent1"/>
+          </a:lnRef>
+          <a:fillRef idx="1">
+            <a:schemeClr val="lt1"/>
+          </a:fillRef>
+          <a:effectRef idx="0">
+            <a:schemeClr val="accent1"/>
+          </a:effectRef>
+          <a:fontRef idx="minor">
+            <a:schemeClr val="dk1"/>
+          </a:fontRef>
+        </p:style>
+        <p:txBody>
+          <a:bodyPr rtlCol="0" anchor="ctr"/>
+          <a:lstStyle/>
+          <a:p>
+            <a:pPr algn="ctr"/>
+            <a:r>
+              <a:rPr lang="en-US" sz="1400" dirty="0">
+                <a:solidFill>
+                  <a:schemeClr val="tx1">
+                    <a:lumMod val="95000"/>
+                  </a:schemeClr>
+                </a:solidFill>
+              </a:rPr>
+              <a:t>15%</a:t>
+            </a:r>
+          </a:p>
+        </p:txBody>
+      </p:sp>
+      <p:sp>
+        <p:nvSpPr>
+          <p:cNvPr id="13" name="Rectangle 12">
+            <a:extLst>
+              <a:ext uri="{FF2B5EF4-FFF2-40B4-BE49-F238E27FC236}">
+                <a16:creationId xmlns:a16="http://schemas.microsoft.com/office/drawing/2014/main" id="{E9607194-8465-4C86-B692-15FF58E0962D}"/>
+              </a:ext>
+            </a:extLst>
+          </p:cNvPr>
+          <p:cNvSpPr/>
+          <p:nvPr/>
+        </p:nvSpPr>
+        <p:spPr>
+          <a:xfrm>
+            <a:off x="8275550" y="1677164"/>
+            <a:ext cx="3916450" cy="1677165"/>
+          </a:xfrm>
+          <a:prstGeom prst="rect">
+            <a:avLst/>
+          </a:prstGeom>
+          <a:ln/>
+        </p:spPr>
+        <p:style>
+          <a:lnRef idx="2">
+            <a:schemeClr val="accent5">
+              <a:shade val="50000"/>
+            </a:schemeClr>
+          </a:lnRef>
+          <a:fillRef idx="1">
+            <a:schemeClr val="accent5"/>
+          </a:fillRef>
+          <a:effectRef idx="0">
+            <a:schemeClr val="accent5"/>
+          </a:effectRef>
+          <a:fontRef idx="minor">
+            <a:schemeClr val="lt1"/>
+          </a:fontRef>
+        </p:style>
+        <p:txBody>
+          <a:bodyPr rtlCol="0" anchor="ctr"/>
+          <a:lstStyle/>
+          <a:p>
+            <a:pPr algn="ctr"/>
+            <a:r>
+              <a:rPr lang="en-US" sz="1400" dirty="0">
+                <a:solidFill>
+                  <a:schemeClr val="tx1">
+                    <a:lumMod val="95000"/>
+                  </a:schemeClr>
+                </a:solidFill>
+              </a:rPr>
+              <a:t>30%</a:t>
+            </a:r>
+          </a:p>
+        </p:txBody>
+      </p:sp>
+      <p:sp>
+        <p:nvSpPr>
+          <p:cNvPr id="15" name="Rectangle 14">
+            <a:extLst>
+              <a:ext uri="{FF2B5EF4-FFF2-40B4-BE49-F238E27FC236}">
+                <a16:creationId xmlns:a16="http://schemas.microsoft.com/office/drawing/2014/main" id="{575E414C-2BF7-42E6-B195-22F4AC758BF8}"/>
+              </a:ext>
+            </a:extLst>
+          </p:cNvPr>
+          <p:cNvSpPr/>
+          <p:nvPr/>
+        </p:nvSpPr>
+        <p:spPr>
+          <a:xfrm>
+            <a:off x="2242347" y="3354329"/>
+            <a:ext cx="4709849" cy="1677165"/>
+          </a:xfrm>
+          <a:prstGeom prst="rect">
+            <a:avLst/>
+          </a:prstGeom>
+          <a:ln/>
+        </p:spPr>
+        <p:style>
+          <a:lnRef idx="0">
+            <a:schemeClr val="accent2"/>
+          </a:lnRef>
+          <a:fillRef idx="3">
+            <a:schemeClr val="accent2"/>
+          </a:fillRef>
+          <a:effectRef idx="3">
+            <a:schemeClr val="accent2"/>
+          </a:effectRef>
+          <a:fontRef idx="minor">
+            <a:schemeClr val="lt1"/>
+          </a:fontRef>
+        </p:style>
+        <p:txBody>
+          <a:bodyPr rtlCol="0" anchor="ctr"/>
+          <a:lstStyle/>
+          <a:p>
+            <a:pPr algn="ctr"/>
+            <a:r>
+              <a:rPr lang="en-US" sz="1400" dirty="0">
+                <a:solidFill>
+                  <a:schemeClr val="tx1">
+                    <a:lumMod val="95000"/>
+                  </a:schemeClr>
+                </a:solidFill>
+              </a:rPr>
+              <a:t>35%</a:t>
+            </a:r>
+          </a:p>
+        </p:txBody>
+      </p:sp>
+      <p:sp>
+        <p:nvSpPr>
+          <p:cNvPr id="17" name="Rectangle 16">
+            <a:extLst>
+              <a:ext uri="{FF2B5EF4-FFF2-40B4-BE49-F238E27FC236}">
+                <a16:creationId xmlns:a16="http://schemas.microsoft.com/office/drawing/2014/main" id="{B3663BA2-B726-4313-B11B-6D6C47F23C21}"/>
+              </a:ext>
+            </a:extLst>
+          </p:cNvPr>
+          <p:cNvSpPr/>
+          <p:nvPr/>
+        </p:nvSpPr>
+        <p:spPr>
+          <a:xfrm>
+            <a:off x="6952196" y="3354328"/>
+            <a:ext cx="5279627" cy="1677165"/>
+          </a:xfrm>
+          <a:prstGeom prst="rect">
+            <a:avLst/>
+          </a:prstGeom>
+          <a:ln/>
+        </p:spPr>
+        <p:style>
+          <a:lnRef idx="0">
+            <a:schemeClr val="accent4"/>
+          </a:lnRef>
+          <a:fillRef idx="3">
+            <a:schemeClr val="accent4"/>
+          </a:fillRef>
+          <a:effectRef idx="3">
+            <a:schemeClr val="accent4"/>
+          </a:effectRef>
+          <a:fontRef idx="minor">
+            <a:schemeClr val="lt1"/>
+          </a:fontRef>
+        </p:style>
+        <p:txBody>
+          <a:bodyPr rtlCol="0" anchor="ctr"/>
+          <a:lstStyle/>
+          <a:p>
+            <a:pPr algn="ctr"/>
+            <a:r>
+              <a:rPr lang="en-US" sz="1400" dirty="0">
+                <a:solidFill>
+                  <a:schemeClr val="tx1">
+                    <a:lumMod val="95000"/>
+                  </a:schemeClr>
+                </a:solidFill>
+              </a:rPr>
+              <a:t>60^</a:t>
+            </a:r>
+          </a:p>
+        </p:txBody>
+      </p:sp>
+      <p:sp>
+        <p:nvSpPr>
+          <p:cNvPr id="19" name="Rectangle 18">
+            <a:extLst>
+              <a:ext uri="{FF2B5EF4-FFF2-40B4-BE49-F238E27FC236}">
+                <a16:creationId xmlns:a16="http://schemas.microsoft.com/office/drawing/2014/main" id="{E73ECEC4-9888-4FC3-96E0-BC995390F50C}"/>
+              </a:ext>
+            </a:extLst>
+          </p:cNvPr>
+          <p:cNvSpPr/>
+          <p:nvPr/>
+        </p:nvSpPr>
+        <p:spPr>
+          <a:xfrm>
+            <a:off x="-39823" y="5031492"/>
+            <a:ext cx="12231823" cy="854671"/>
+          </a:xfrm>
+          <a:prstGeom prst="rect">
+            <a:avLst/>
+          </a:prstGeom>
+          <a:solidFill>
+            <a:schemeClr val="bg1">
+              <a:lumMod val="95000"/>
+              <a:lumOff val="5000"/>
+            </a:schemeClr>
+          </a:solidFill>
+          <a:ln/>
+        </p:spPr>
+        <p:style>
+          <a:lnRef idx="1">
+            <a:schemeClr val="accent2"/>
+          </a:lnRef>
+          <a:fillRef idx="2">
+            <a:schemeClr val="accent2"/>
+          </a:fillRef>
+          <a:effectRef idx="1">
+            <a:schemeClr val="accent2"/>
+          </a:effectRef>
+          <a:fontRef idx="minor">
+            <a:schemeClr val="dk1"/>
+          </a:fontRef>
+        </p:style>
+        <p:txBody>
+          <a:bodyPr rtlCol="0" anchor="ctr"/>
+          <a:lstStyle/>
+          <a:p>
+            <a:pPr algn="ctr"/>
+            <a:endParaRPr lang="en-US" sz="1400" dirty="0">
+              <a:solidFill>
+                <a:schemeClr val="tx1">
+                  <a:lumMod val="95000"/>
+                </a:schemeClr>
+              </a:solidFill>
+            </a:endParaRPr>
+          </a:p>
+        </p:txBody>
+      </p:sp>
+      <p:sp>
+        <p:nvSpPr>
+          <p:cNvPr id="21" name="Rectangle 20">
+            <a:extLst>
+              <a:ext uri="{FF2B5EF4-FFF2-40B4-BE49-F238E27FC236}">
+                <a16:creationId xmlns:a16="http://schemas.microsoft.com/office/drawing/2014/main" id="{68C74895-639E-4827-94FC-45E524A98935}"/>
+              </a:ext>
+            </a:extLst>
+          </p:cNvPr>
+          <p:cNvSpPr/>
+          <p:nvPr/>
+        </p:nvSpPr>
+        <p:spPr>
+          <a:xfrm>
+            <a:off x="0" y="5886163"/>
+            <a:ext cx="12231823" cy="971837"/>
+          </a:xfrm>
+          <a:prstGeom prst="rect">
+            <a:avLst/>
+          </a:prstGeom>
+          <a:solidFill>
+            <a:schemeClr val="tx2">
+              <a:lumMod val="50000"/>
+            </a:schemeClr>
+          </a:solidFill>
+          <a:ln/>
+        </p:spPr>
+        <p:style>
+          <a:lnRef idx="1">
+            <a:schemeClr val="accent2"/>
+          </a:lnRef>
+          <a:fillRef idx="2">
+            <a:schemeClr val="accent2"/>
+          </a:fillRef>
+          <a:effectRef idx="1">
+            <a:schemeClr val="accent2"/>
+          </a:effectRef>
+          <a:fontRef idx="minor">
+            <a:schemeClr val="dk1"/>
+          </a:fontRef>
+        </p:style>
+        <p:txBody>
+          <a:bodyPr rtlCol="0" anchor="ctr"/>
+          <a:lstStyle/>
+          <a:p>
+            <a:pPr algn="ctr"/>
+            <a:endParaRPr lang="en-US" sz="1400" dirty="0">
+              <a:solidFill>
+                <a:schemeClr val="tx1">
+                  <a:lumMod val="95000"/>
+                </a:schemeClr>
+              </a:solidFill>
+            </a:endParaRPr>
+          </a:p>
+        </p:txBody>
+      </p:sp>
+    </p:spTree>
+    <p:extLst>
+      <p:ext uri="{BB962C8B-B14F-4D97-AF65-F5344CB8AC3E}">
+        <p14:creationId xmlns:p14="http://schemas.microsoft.com/office/powerpoint/2010/main" val="1267108909"/>
       </p:ext>
     </p:extLst>
   </p:cSld>

--- a/figures.pptx
+++ b/figures.pptx
@@ -2,12 +2,13 @@
 <file path=ppt/presentation.xml><?xml version="1.0" encoding="utf-8"?>
 <p:presentation xmlns:a="http://schemas.openxmlformats.org/drawingml/2006/main" xmlns:r="http://schemas.openxmlformats.org/officeDocument/2006/relationships" xmlns:p="http://schemas.openxmlformats.org/presentationml/2006/main" saveSubsetFonts="1">
   <p:sldMasterIdLst>
-    <p:sldMasterId id="2147483660" r:id="rId1"/>
+    <p:sldMasterId id="2147483678" r:id="rId1"/>
   </p:sldMasterIdLst>
   <p:sldIdLst>
     <p:sldId id="256" r:id="rId2"/>
     <p:sldId id="257" r:id="rId3"/>
     <p:sldId id="258" r:id="rId4"/>
+    <p:sldId id="259" r:id="rId5"/>
   </p:sldIdLst>
   <p:sldSz cx="12192000" cy="6858000"/>
   <p:notesSz cx="6858000" cy="9144000"/>
@@ -15,7 +16,7 @@
     <a:defPPr>
       <a:defRPr lang="en-US"/>
     </a:defPPr>
-    <a:lvl1pPr marL="0" algn="l" defTabSz="457200" rtl="0" eaLnBrk="1" latinLnBrk="0" hangingPunct="1">
+    <a:lvl1pPr marL="0" algn="l" defTabSz="914400" rtl="0" eaLnBrk="1" latinLnBrk="0" hangingPunct="1">
       <a:defRPr sz="1800" kern="1200">
         <a:solidFill>
           <a:schemeClr val="tx1"/>
@@ -25,7 +26,7 @@
         <a:cs typeface="+mn-cs"/>
       </a:defRPr>
     </a:lvl1pPr>
-    <a:lvl2pPr marL="457200" algn="l" defTabSz="457200" rtl="0" eaLnBrk="1" latinLnBrk="0" hangingPunct="1">
+    <a:lvl2pPr marL="457200" algn="l" defTabSz="914400" rtl="0" eaLnBrk="1" latinLnBrk="0" hangingPunct="1">
       <a:defRPr sz="1800" kern="1200">
         <a:solidFill>
           <a:schemeClr val="tx1"/>
@@ -35,7 +36,7 @@
         <a:cs typeface="+mn-cs"/>
       </a:defRPr>
     </a:lvl2pPr>
-    <a:lvl3pPr marL="914400" algn="l" defTabSz="457200" rtl="0" eaLnBrk="1" latinLnBrk="0" hangingPunct="1">
+    <a:lvl3pPr marL="914400" algn="l" defTabSz="914400" rtl="0" eaLnBrk="1" latinLnBrk="0" hangingPunct="1">
       <a:defRPr sz="1800" kern="1200">
         <a:solidFill>
           <a:schemeClr val="tx1"/>
@@ -45,7 +46,7 @@
         <a:cs typeface="+mn-cs"/>
       </a:defRPr>
     </a:lvl3pPr>
-    <a:lvl4pPr marL="1371600" algn="l" defTabSz="457200" rtl="0" eaLnBrk="1" latinLnBrk="0" hangingPunct="1">
+    <a:lvl4pPr marL="1371600" algn="l" defTabSz="914400" rtl="0" eaLnBrk="1" latinLnBrk="0" hangingPunct="1">
       <a:defRPr sz="1800" kern="1200">
         <a:solidFill>
           <a:schemeClr val="tx1"/>
@@ -55,7 +56,7 @@
         <a:cs typeface="+mn-cs"/>
       </a:defRPr>
     </a:lvl4pPr>
-    <a:lvl5pPr marL="1828800" algn="l" defTabSz="457200" rtl="0" eaLnBrk="1" latinLnBrk="0" hangingPunct="1">
+    <a:lvl5pPr marL="1828800" algn="l" defTabSz="914400" rtl="0" eaLnBrk="1" latinLnBrk="0" hangingPunct="1">
       <a:defRPr sz="1800" kern="1200">
         <a:solidFill>
           <a:schemeClr val="tx1"/>
@@ -65,7 +66,7 @@
         <a:cs typeface="+mn-cs"/>
       </a:defRPr>
     </a:lvl5pPr>
-    <a:lvl6pPr marL="2286000" algn="l" defTabSz="457200" rtl="0" eaLnBrk="1" latinLnBrk="0" hangingPunct="1">
+    <a:lvl6pPr marL="2286000" algn="l" defTabSz="914400" rtl="0" eaLnBrk="1" latinLnBrk="0" hangingPunct="1">
       <a:defRPr sz="1800" kern="1200">
         <a:solidFill>
           <a:schemeClr val="tx1"/>
@@ -75,7 +76,7 @@
         <a:cs typeface="+mn-cs"/>
       </a:defRPr>
     </a:lvl6pPr>
-    <a:lvl7pPr marL="2743200" algn="l" defTabSz="457200" rtl="0" eaLnBrk="1" latinLnBrk="0" hangingPunct="1">
+    <a:lvl7pPr marL="2743200" algn="l" defTabSz="914400" rtl="0" eaLnBrk="1" latinLnBrk="0" hangingPunct="1">
       <a:defRPr sz="1800" kern="1200">
         <a:solidFill>
           <a:schemeClr val="tx1"/>
@@ -85,7 +86,7 @@
         <a:cs typeface="+mn-cs"/>
       </a:defRPr>
     </a:lvl7pPr>
-    <a:lvl8pPr marL="3200400" algn="l" defTabSz="457200" rtl="0" eaLnBrk="1" latinLnBrk="0" hangingPunct="1">
+    <a:lvl8pPr marL="3200400" algn="l" defTabSz="914400" rtl="0" eaLnBrk="1" latinLnBrk="0" hangingPunct="1">
       <a:defRPr sz="1800" kern="1200">
         <a:solidFill>
           <a:schemeClr val="tx1"/>
@@ -95,7 +96,7 @@
         <a:cs typeface="+mn-cs"/>
       </a:defRPr>
     </a:lvl8pPr>
-    <a:lvl9pPr marL="3657600" algn="l" defTabSz="457200" rtl="0" eaLnBrk="1" latinLnBrk="0" hangingPunct="1">
+    <a:lvl9pPr marL="3657600" algn="l" defTabSz="914400" rtl="0" eaLnBrk="1" latinLnBrk="0" hangingPunct="1">
       <a:defRPr sz="1800" kern="1200">
         <a:solidFill>
           <a:schemeClr val="tx1"/>
@@ -133,7 +134,13 @@
       </p:grpSpPr>
       <p:sp>
         <p:nvSpPr>
-          <p:cNvPr id="2" name="Title 1"/>
+          <p:cNvPr id="2" name="Title 1">
+            <a:extLst>
+              <a:ext uri="{FF2B5EF4-FFF2-40B4-BE49-F238E27FC236}">
+                <a16:creationId xmlns:a16="http://schemas.microsoft.com/office/drawing/2014/main" id="{854A8515-90BF-4475-A751-D3F492DAE11F}"/>
+              </a:ext>
+            </a:extLst>
+          </p:cNvPr>
           <p:cNvSpPr>
             <a:spLocks noGrp="1"/>
           </p:cNvSpPr>
@@ -143,32 +150,15 @@
         </p:nvSpPr>
         <p:spPr>
           <a:xfrm>
-            <a:off x="1751012" y="609601"/>
-            <a:ext cx="8676222" cy="3200400"/>
-          </a:xfrm>
-        </p:spPr>
-        <p:txBody>
-          <a:bodyPr anchor="b">
-            <a:normAutofit/>
-          </a:bodyPr>
+            <a:off x="1524000" y="1122363"/>
+            <a:ext cx="9144000" cy="2387600"/>
+          </a:xfrm>
+        </p:spPr>
+        <p:txBody>
+          <a:bodyPr anchor="b"/>
           <a:lstStyle>
             <a:lvl1pPr algn="ctr">
-              <a:defRPr sz="4800">
-                <a:effectLst>
-                  <a:glow rad="38100">
-                    <a:schemeClr val="bg1">
-                      <a:lumMod val="65000"/>
-                      <a:lumOff val="35000"/>
-                      <a:alpha val="50000"/>
-                    </a:schemeClr>
-                  </a:glow>
-                  <a:outerShdw blurRad="28575" dist="31750" dir="13200000" algn="tl" rotWithShape="0">
-                    <a:srgbClr val="000000">
-                      <a:alpha val="25000"/>
-                    </a:srgbClr>
-                  </a:outerShdw>
-                </a:effectLst>
-              </a:defRPr>
+              <a:defRPr sz="6000"/>
             </a:lvl1pPr>
           </a:lstStyle>
           <a:p>
@@ -176,13 +166,18 @@
               <a:rPr lang="en-US"/>
               <a:t>Click to edit Master title style</a:t>
             </a:r>
-            <a:endParaRPr lang="en-US" dirty="0"/>
-          </a:p>
-        </p:txBody>
-      </p:sp>
-      <p:sp>
-        <p:nvSpPr>
-          <p:cNvPr id="3" name="Subtitle 2"/>
+          </a:p>
+        </p:txBody>
+      </p:sp>
+      <p:sp>
+        <p:nvSpPr>
+          <p:cNvPr id="3" name="Subtitle 2">
+            <a:extLst>
+              <a:ext uri="{FF2B5EF4-FFF2-40B4-BE49-F238E27FC236}">
+                <a16:creationId xmlns:a16="http://schemas.microsoft.com/office/drawing/2014/main" id="{409713E7-4274-4C8F-B282-A141C4C6075B}"/>
+              </a:ext>
+            </a:extLst>
+          </p:cNvPr>
           <p:cNvSpPr>
             <a:spLocks noGrp="1"/>
           </p:cNvSpPr>
@@ -192,113 +187,48 @@
         </p:nvSpPr>
         <p:spPr>
           <a:xfrm>
-            <a:off x="1751012" y="3886200"/>
-            <a:ext cx="8676222" cy="1905000"/>
-          </a:xfrm>
-        </p:spPr>
-        <p:txBody>
-          <a:bodyPr anchor="t">
-            <a:normAutofit/>
-          </a:bodyPr>
+            <a:off x="1524000" y="3602038"/>
+            <a:ext cx="9144000" cy="1655762"/>
+          </a:xfrm>
+        </p:spPr>
+        <p:txBody>
+          <a:bodyPr/>
           <a:lstStyle>
             <a:lvl1pPr marL="0" indent="0" algn="ctr">
               <a:buNone/>
-              <a:defRPr sz="2100">
-                <a:gradFill flip="none" rotWithShape="1">
-                  <a:gsLst>
-                    <a:gs pos="0">
-                      <a:schemeClr val="tx1"/>
-                    </a:gs>
-                    <a:gs pos="100000">
-                      <a:schemeClr val="tx1">
-                        <a:lumMod val="75000"/>
-                      </a:schemeClr>
-                    </a:gs>
-                  </a:gsLst>
-                  <a:lin ang="5400000" scaled="0"/>
-                  <a:tileRect/>
-                </a:gradFill>
-              </a:defRPr>
+              <a:defRPr sz="2400"/>
             </a:lvl1pPr>
             <a:lvl2pPr marL="457200" indent="0" algn="ctr">
               <a:buNone/>
-              <a:defRPr>
-                <a:solidFill>
-                  <a:schemeClr val="tx1">
-                    <a:tint val="75000"/>
-                  </a:schemeClr>
-                </a:solidFill>
-              </a:defRPr>
+              <a:defRPr sz="2000"/>
             </a:lvl2pPr>
             <a:lvl3pPr marL="914400" indent="0" algn="ctr">
               <a:buNone/>
-              <a:defRPr>
-                <a:solidFill>
-                  <a:schemeClr val="tx1">
-                    <a:tint val="75000"/>
-                  </a:schemeClr>
-                </a:solidFill>
-              </a:defRPr>
+              <a:defRPr sz="1800"/>
             </a:lvl3pPr>
             <a:lvl4pPr marL="1371600" indent="0" algn="ctr">
               <a:buNone/>
-              <a:defRPr>
-                <a:solidFill>
-                  <a:schemeClr val="tx1">
-                    <a:tint val="75000"/>
-                  </a:schemeClr>
-                </a:solidFill>
-              </a:defRPr>
+              <a:defRPr sz="1600"/>
             </a:lvl4pPr>
             <a:lvl5pPr marL="1828800" indent="0" algn="ctr">
               <a:buNone/>
-              <a:defRPr>
-                <a:solidFill>
-                  <a:schemeClr val="tx1">
-                    <a:tint val="75000"/>
-                  </a:schemeClr>
-                </a:solidFill>
-              </a:defRPr>
+              <a:defRPr sz="1600"/>
             </a:lvl5pPr>
             <a:lvl6pPr marL="2286000" indent="0" algn="ctr">
               <a:buNone/>
-              <a:defRPr>
-                <a:solidFill>
-                  <a:schemeClr val="tx1">
-                    <a:tint val="75000"/>
-                  </a:schemeClr>
-                </a:solidFill>
-              </a:defRPr>
+              <a:defRPr sz="1600"/>
             </a:lvl6pPr>
             <a:lvl7pPr marL="2743200" indent="0" algn="ctr">
               <a:buNone/>
-              <a:defRPr>
-                <a:solidFill>
-                  <a:schemeClr val="tx1">
-                    <a:tint val="75000"/>
-                  </a:schemeClr>
-                </a:solidFill>
-              </a:defRPr>
+              <a:defRPr sz="1600"/>
             </a:lvl7pPr>
             <a:lvl8pPr marL="3200400" indent="0" algn="ctr">
               <a:buNone/>
-              <a:defRPr>
-                <a:solidFill>
-                  <a:schemeClr val="tx1">
-                    <a:tint val="75000"/>
-                  </a:schemeClr>
-                </a:solidFill>
-              </a:defRPr>
+              <a:defRPr sz="1600"/>
             </a:lvl8pPr>
             <a:lvl9pPr marL="3657600" indent="0" algn="ctr">
               <a:buNone/>
-              <a:defRPr>
-                <a:solidFill>
-                  <a:schemeClr val="tx1">
-                    <a:tint val="75000"/>
-                  </a:schemeClr>
-                </a:solidFill>
-              </a:defRPr>
+              <a:defRPr sz="1600"/>
             </a:lvl9pPr>
           </a:lstStyle>
           <a:p>
@@ -306,13 +236,18 @@
               <a:rPr lang="en-US"/>
               <a:t>Click to edit Master subtitle style</a:t>
             </a:r>
-            <a:endParaRPr lang="en-US" dirty="0"/>
-          </a:p>
-        </p:txBody>
-      </p:sp>
-      <p:sp>
-        <p:nvSpPr>
-          <p:cNvPr id="4" name="Date Placeholder 3"/>
+          </a:p>
+        </p:txBody>
+      </p:sp>
+      <p:sp>
+        <p:nvSpPr>
+          <p:cNvPr id="4" name="Date Placeholder 3">
+            <a:extLst>
+              <a:ext uri="{FF2B5EF4-FFF2-40B4-BE49-F238E27FC236}">
+                <a16:creationId xmlns:a16="http://schemas.microsoft.com/office/drawing/2014/main" id="{7EB88A17-CBA3-450B-A37D-1521499302A6}"/>
+              </a:ext>
+            </a:extLst>
+          </p:cNvPr>
           <p:cNvSpPr>
             <a:spLocks noGrp="1"/>
           </p:cNvSpPr>
@@ -327,7 +262,7 @@
           <a:p>
             <a:fld id="{A41D76B7-B90D-465A-81BB-26E3A1C0CEFD}" type="datetimeFigureOut">
               <a:rPr lang="en-US" smtClean="0"/>
-              <a:t>7/19/2020</a:t>
+              <a:t>7/20/2020</a:t>
             </a:fld>
             <a:endParaRPr lang="en-US"/>
           </a:p>
@@ -335,7 +270,13 @@
       </p:sp>
       <p:sp>
         <p:nvSpPr>
-          <p:cNvPr id="5" name="Footer Placeholder 4"/>
+          <p:cNvPr id="5" name="Footer Placeholder 4">
+            <a:extLst>
+              <a:ext uri="{FF2B5EF4-FFF2-40B4-BE49-F238E27FC236}">
+                <a16:creationId xmlns:a16="http://schemas.microsoft.com/office/drawing/2014/main" id="{9F5E9C1B-891E-4CAC-9807-2957D90E52BA}"/>
+              </a:ext>
+            </a:extLst>
+          </p:cNvPr>
           <p:cNvSpPr>
             <a:spLocks noGrp="1"/>
           </p:cNvSpPr>
@@ -354,7 +295,13 @@
       </p:sp>
       <p:sp>
         <p:nvSpPr>
-          <p:cNvPr id="6" name="Slide Number Placeholder 5"/>
+          <p:cNvPr id="6" name="Slide Number Placeholder 5">
+            <a:extLst>
+              <a:ext uri="{FF2B5EF4-FFF2-40B4-BE49-F238E27FC236}">
+                <a16:creationId xmlns:a16="http://schemas.microsoft.com/office/drawing/2014/main" id="{14952E59-6595-421B-9FBB-0BE14E35C3DD}"/>
+              </a:ext>
+            </a:extLst>
+          </p:cNvPr>
           <p:cNvSpPr>
             <a:spLocks noGrp="1"/>
           </p:cNvSpPr>
@@ -378,7 +325,7 @@
     </p:spTree>
     <p:extLst>
       <p:ext uri="{BB962C8B-B14F-4D97-AF65-F5344CB8AC3E}">
-        <p14:creationId xmlns:p14="http://schemas.microsoft.com/office/powerpoint/2010/main" val="4219492074"/>
+        <p14:creationId xmlns:p14="http://schemas.microsoft.com/office/powerpoint/2010/main" val="1338069799"/>
       </p:ext>
     </p:extLst>
   </p:cSld>
@@ -389,2113 +336,6 @@
 </file>
 
 <file path=ppt/slideLayouts/slideLayout10.xml><?xml version="1.0" encoding="utf-8"?>
-<p:sldLayout xmlns:a="http://schemas.openxmlformats.org/drawingml/2006/main" xmlns:r="http://schemas.openxmlformats.org/officeDocument/2006/relationships" xmlns:p="http://schemas.openxmlformats.org/presentationml/2006/main" preserve="1">
-  <p:cSld name="Panoramic Picture with Caption">
-    <p:spTree>
-      <p:nvGrpSpPr>
-        <p:cNvPr id="1" name=""/>
-        <p:cNvGrpSpPr/>
-        <p:nvPr/>
-      </p:nvGrpSpPr>
-      <p:grpSpPr>
-        <a:xfrm>
-          <a:off x="0" y="0"/>
-          <a:ext cx="0" cy="0"/>
-          <a:chOff x="0" y="0"/>
-          <a:chExt cx="0" cy="0"/>
-        </a:xfrm>
-      </p:grpSpPr>
-      <p:sp>
-        <p:nvSpPr>
-          <p:cNvPr id="2" name="Title 1"/>
-          <p:cNvSpPr>
-            <a:spLocks noGrp="1"/>
-          </p:cNvSpPr>
-          <p:nvPr>
-            <p:ph type="title"/>
-          </p:nvPr>
-        </p:nvSpPr>
-        <p:spPr>
-          <a:xfrm>
-            <a:off x="1141413" y="4732865"/>
-            <a:ext cx="9906000" cy="566738"/>
-          </a:xfrm>
-        </p:spPr>
-        <p:txBody>
-          <a:bodyPr anchor="b">
-            <a:normAutofit/>
-          </a:bodyPr>
-          <a:lstStyle>
-            <a:lvl1pPr algn="l">
-              <a:defRPr sz="2400" b="0"/>
-            </a:lvl1pPr>
-          </a:lstStyle>
-          <a:p>
-            <a:r>
-              <a:rPr lang="en-US"/>
-              <a:t>Click to edit Master title style</a:t>
-            </a:r>
-            <a:endParaRPr lang="en-US" dirty="0"/>
-          </a:p>
-        </p:txBody>
-      </p:sp>
-      <p:sp>
-        <p:nvSpPr>
-          <p:cNvPr id="3" name="Picture Placeholder 2"/>
-          <p:cNvSpPr>
-            <a:spLocks noGrp="1" noChangeAspect="1"/>
-          </p:cNvSpPr>
-          <p:nvPr>
-            <p:ph type="pic" idx="1"/>
-          </p:nvPr>
-        </p:nvSpPr>
-        <p:spPr>
-          <a:xfrm>
-            <a:off x="1979612" y="932112"/>
-            <a:ext cx="8225944" cy="3164976"/>
-          </a:xfrm>
-          <a:prstGeom prst="roundRect">
-            <a:avLst>
-              <a:gd name="adj" fmla="val 4380"/>
-            </a:avLst>
-          </a:prstGeom>
-          <a:ln w="38100">
-            <a:gradFill flip="none" rotWithShape="1">
-              <a:gsLst>
-                <a:gs pos="0">
-                  <a:schemeClr val="bg2"/>
-                </a:gs>
-                <a:gs pos="100000">
-                  <a:schemeClr val="bg2">
-                    <a:lumMod val="75000"/>
-                  </a:schemeClr>
-                </a:gs>
-              </a:gsLst>
-              <a:lin ang="5400000" scaled="0"/>
-              <a:tileRect/>
-            </a:gradFill>
-          </a:ln>
-          <a:effectLst>
-            <a:innerShdw blurRad="57150" dist="38100" dir="14460000">
-              <a:srgbClr val="000000">
-                <a:alpha val="70000"/>
-              </a:srgbClr>
-            </a:innerShdw>
-          </a:effectLst>
-        </p:spPr>
-        <p:txBody>
-          <a:bodyPr anchor="t">
-            <a:normAutofit/>
-          </a:bodyPr>
-          <a:lstStyle>
-            <a:lvl1pPr marL="0" indent="0" algn="ctr">
-              <a:buNone/>
-              <a:defRPr sz="1600"/>
-            </a:lvl1pPr>
-            <a:lvl2pPr marL="457200" indent="0">
-              <a:buNone/>
-              <a:defRPr sz="1600"/>
-            </a:lvl2pPr>
-            <a:lvl3pPr marL="914400" indent="0">
-              <a:buNone/>
-              <a:defRPr sz="1600"/>
-            </a:lvl3pPr>
-            <a:lvl4pPr marL="1371600" indent="0">
-              <a:buNone/>
-              <a:defRPr sz="1600"/>
-            </a:lvl4pPr>
-            <a:lvl5pPr marL="1828800" indent="0">
-              <a:buNone/>
-              <a:defRPr sz="1600"/>
-            </a:lvl5pPr>
-            <a:lvl6pPr marL="2286000" indent="0">
-              <a:buNone/>
-              <a:defRPr sz="1600"/>
-            </a:lvl6pPr>
-            <a:lvl7pPr marL="2743200" indent="0">
-              <a:buNone/>
-              <a:defRPr sz="1600"/>
-            </a:lvl7pPr>
-            <a:lvl8pPr marL="3200400" indent="0">
-              <a:buNone/>
-              <a:defRPr sz="1600"/>
-            </a:lvl8pPr>
-            <a:lvl9pPr marL="3657600" indent="0">
-              <a:buNone/>
-              <a:defRPr sz="1600"/>
-            </a:lvl9pPr>
-          </a:lstStyle>
-          <a:p>
-            <a:r>
-              <a:rPr lang="en-US"/>
-              <a:t>Click icon to add picture</a:t>
-            </a:r>
-            <a:endParaRPr lang="en-US" dirty="0"/>
-          </a:p>
-        </p:txBody>
-      </p:sp>
-      <p:sp>
-        <p:nvSpPr>
-          <p:cNvPr id="4" name="Text Placeholder 3"/>
-          <p:cNvSpPr>
-            <a:spLocks noGrp="1"/>
-          </p:cNvSpPr>
-          <p:nvPr>
-            <p:ph type="body" sz="half" idx="2"/>
-          </p:nvPr>
-        </p:nvSpPr>
-        <p:spPr>
-          <a:xfrm>
-            <a:off x="1141413" y="5299603"/>
-            <a:ext cx="9906000" cy="493712"/>
-          </a:xfrm>
-        </p:spPr>
-        <p:txBody>
-          <a:bodyPr>
-            <a:normAutofit/>
-          </a:bodyPr>
-          <a:lstStyle>
-            <a:lvl1pPr marL="0" indent="0">
-              <a:buNone/>
-              <a:defRPr sz="1400"/>
-            </a:lvl1pPr>
-            <a:lvl2pPr marL="457200" indent="0">
-              <a:buNone/>
-              <a:defRPr sz="1200"/>
-            </a:lvl2pPr>
-            <a:lvl3pPr marL="914400" indent="0">
-              <a:buNone/>
-              <a:defRPr sz="1000"/>
-            </a:lvl3pPr>
-            <a:lvl4pPr marL="1371600" indent="0">
-              <a:buNone/>
-              <a:defRPr sz="900"/>
-            </a:lvl4pPr>
-            <a:lvl5pPr marL="1828800" indent="0">
-              <a:buNone/>
-              <a:defRPr sz="900"/>
-            </a:lvl5pPr>
-            <a:lvl6pPr marL="2286000" indent="0">
-              <a:buNone/>
-              <a:defRPr sz="900"/>
-            </a:lvl6pPr>
-            <a:lvl7pPr marL="2743200" indent="0">
-              <a:buNone/>
-              <a:defRPr sz="900"/>
-            </a:lvl7pPr>
-            <a:lvl8pPr marL="3200400" indent="0">
-              <a:buNone/>
-              <a:defRPr sz="900"/>
-            </a:lvl8pPr>
-            <a:lvl9pPr marL="3657600" indent="0">
-              <a:buNone/>
-              <a:defRPr sz="900"/>
-            </a:lvl9pPr>
-          </a:lstStyle>
-          <a:p>
-            <a:pPr lvl="0"/>
-            <a:r>
-              <a:rPr lang="en-US"/>
-              <a:t>Click to edit Master text styles</a:t>
-            </a:r>
-          </a:p>
-        </p:txBody>
-      </p:sp>
-      <p:sp>
-        <p:nvSpPr>
-          <p:cNvPr id="5" name="Date Placeholder 4"/>
-          <p:cNvSpPr>
-            <a:spLocks noGrp="1"/>
-          </p:cNvSpPr>
-          <p:nvPr>
-            <p:ph type="dt" sz="half" idx="10"/>
-          </p:nvPr>
-        </p:nvSpPr>
-        <p:spPr/>
-        <p:txBody>
-          <a:bodyPr/>
-          <a:lstStyle/>
-          <a:p>
-            <a:fld id="{A41D76B7-B90D-465A-81BB-26E3A1C0CEFD}" type="datetimeFigureOut">
-              <a:rPr lang="en-US" smtClean="0"/>
-              <a:t>7/19/2020</a:t>
-            </a:fld>
-            <a:endParaRPr lang="en-US"/>
-          </a:p>
-        </p:txBody>
-      </p:sp>
-      <p:sp>
-        <p:nvSpPr>
-          <p:cNvPr id="6" name="Footer Placeholder 5"/>
-          <p:cNvSpPr>
-            <a:spLocks noGrp="1"/>
-          </p:cNvSpPr>
-          <p:nvPr>
-            <p:ph type="ftr" sz="quarter" idx="11"/>
-          </p:nvPr>
-        </p:nvSpPr>
-        <p:spPr/>
-        <p:txBody>
-          <a:bodyPr/>
-          <a:lstStyle/>
-          <a:p>
-            <a:endParaRPr lang="en-US"/>
-          </a:p>
-        </p:txBody>
-      </p:sp>
-      <p:sp>
-        <p:nvSpPr>
-          <p:cNvPr id="7" name="Slide Number Placeholder 6"/>
-          <p:cNvSpPr>
-            <a:spLocks noGrp="1"/>
-          </p:cNvSpPr>
-          <p:nvPr>
-            <p:ph type="sldNum" sz="quarter" idx="12"/>
-          </p:nvPr>
-        </p:nvSpPr>
-        <p:spPr/>
-        <p:txBody>
-          <a:bodyPr/>
-          <a:lstStyle/>
-          <a:p>
-            <a:fld id="{5DEBA80B-578A-4600-86AE-31797DBD0142}" type="slidenum">
-              <a:rPr lang="en-US" smtClean="0"/>
-              <a:t>‹#›</a:t>
-            </a:fld>
-            <a:endParaRPr lang="en-US"/>
-          </a:p>
-        </p:txBody>
-      </p:sp>
-    </p:spTree>
-    <p:extLst>
-      <p:ext uri="{BB962C8B-B14F-4D97-AF65-F5344CB8AC3E}">
-        <p14:creationId xmlns:p14="http://schemas.microsoft.com/office/powerpoint/2010/main" val="2016414377"/>
-      </p:ext>
-    </p:extLst>
-  </p:cSld>
-  <p:clrMapOvr>
-    <a:masterClrMapping/>
-  </p:clrMapOvr>
-</p:sldLayout>
-</file>
-
-<file path=ppt/slideLayouts/slideLayout11.xml><?xml version="1.0" encoding="utf-8"?>
-<p:sldLayout xmlns:a="http://schemas.openxmlformats.org/drawingml/2006/main" xmlns:r="http://schemas.openxmlformats.org/officeDocument/2006/relationships" xmlns:p="http://schemas.openxmlformats.org/presentationml/2006/main" preserve="1">
-  <p:cSld name="Title and Caption">
-    <p:spTree>
-      <p:nvGrpSpPr>
-        <p:cNvPr id="1" name=""/>
-        <p:cNvGrpSpPr/>
-        <p:nvPr/>
-      </p:nvGrpSpPr>
-      <p:grpSpPr>
-        <a:xfrm>
-          <a:off x="0" y="0"/>
-          <a:ext cx="0" cy="0"/>
-          <a:chOff x="0" y="0"/>
-          <a:chExt cx="0" cy="0"/>
-        </a:xfrm>
-      </p:grpSpPr>
-      <p:sp>
-        <p:nvSpPr>
-          <p:cNvPr id="2" name="Title 1"/>
-          <p:cNvSpPr>
-            <a:spLocks noGrp="1"/>
-          </p:cNvSpPr>
-          <p:nvPr>
-            <p:ph type="title"/>
-          </p:nvPr>
-        </p:nvSpPr>
-        <p:spPr>
-          <a:xfrm>
-            <a:off x="1141412" y="609601"/>
-            <a:ext cx="9905999" cy="3124199"/>
-          </a:xfrm>
-        </p:spPr>
-        <p:txBody>
-          <a:bodyPr anchor="ctr">
-            <a:normAutofit/>
-          </a:bodyPr>
-          <a:lstStyle>
-            <a:lvl1pPr algn="l">
-              <a:defRPr sz="3200" b="0" cap="all"/>
-            </a:lvl1pPr>
-          </a:lstStyle>
-          <a:p>
-            <a:r>
-              <a:rPr lang="en-US"/>
-              <a:t>Click to edit Master title style</a:t>
-            </a:r>
-            <a:endParaRPr lang="en-US" dirty="0"/>
-          </a:p>
-        </p:txBody>
-      </p:sp>
-      <p:sp>
-        <p:nvSpPr>
-          <p:cNvPr id="3" name="Text Placeholder 2"/>
-          <p:cNvSpPr>
-            <a:spLocks noGrp="1"/>
-          </p:cNvSpPr>
-          <p:nvPr>
-            <p:ph type="body" idx="1"/>
-          </p:nvPr>
-        </p:nvSpPr>
-        <p:spPr>
-          <a:xfrm>
-            <a:off x="1141411" y="4343400"/>
-            <a:ext cx="9906000" cy="1447800"/>
-          </a:xfrm>
-        </p:spPr>
-        <p:txBody>
-          <a:bodyPr anchor="ctr">
-            <a:normAutofit/>
-          </a:bodyPr>
-          <a:lstStyle>
-            <a:lvl1pPr marL="0" indent="0" algn="l">
-              <a:buNone/>
-              <a:defRPr sz="2000">
-                <a:gradFill flip="none" rotWithShape="1">
-                  <a:gsLst>
-                    <a:gs pos="0">
-                      <a:schemeClr val="tx1"/>
-                    </a:gs>
-                    <a:gs pos="100000">
-                      <a:schemeClr val="tx1">
-                        <a:lumMod val="75000"/>
-                      </a:schemeClr>
-                    </a:gs>
-                  </a:gsLst>
-                  <a:lin ang="5400000" scaled="0"/>
-                  <a:tileRect/>
-                </a:gradFill>
-              </a:defRPr>
-            </a:lvl1pPr>
-            <a:lvl2pPr marL="457200" indent="0">
-              <a:buNone/>
-              <a:defRPr sz="1800">
-                <a:solidFill>
-                  <a:schemeClr val="tx1">
-                    <a:tint val="75000"/>
-                  </a:schemeClr>
-                </a:solidFill>
-              </a:defRPr>
-            </a:lvl2pPr>
-            <a:lvl3pPr marL="914400" indent="0">
-              <a:buNone/>
-              <a:defRPr sz="1600">
-                <a:solidFill>
-                  <a:schemeClr val="tx1">
-                    <a:tint val="75000"/>
-                  </a:schemeClr>
-                </a:solidFill>
-              </a:defRPr>
-            </a:lvl3pPr>
-            <a:lvl4pPr marL="1371600" indent="0">
-              <a:buNone/>
-              <a:defRPr sz="1400">
-                <a:solidFill>
-                  <a:schemeClr val="tx1">
-                    <a:tint val="75000"/>
-                  </a:schemeClr>
-                </a:solidFill>
-              </a:defRPr>
-            </a:lvl4pPr>
-            <a:lvl5pPr marL="1828800" indent="0">
-              <a:buNone/>
-              <a:defRPr sz="1400">
-                <a:solidFill>
-                  <a:schemeClr val="tx1">
-                    <a:tint val="75000"/>
-                  </a:schemeClr>
-                </a:solidFill>
-              </a:defRPr>
-            </a:lvl5pPr>
-            <a:lvl6pPr marL="2286000" indent="0">
-              <a:buNone/>
-              <a:defRPr sz="1400">
-                <a:solidFill>
-                  <a:schemeClr val="tx1">
-                    <a:tint val="75000"/>
-                  </a:schemeClr>
-                </a:solidFill>
-              </a:defRPr>
-            </a:lvl6pPr>
-            <a:lvl7pPr marL="2743200" indent="0">
-              <a:buNone/>
-              <a:defRPr sz="1400">
-                <a:solidFill>
-                  <a:schemeClr val="tx1">
-                    <a:tint val="75000"/>
-                  </a:schemeClr>
-                </a:solidFill>
-              </a:defRPr>
-            </a:lvl7pPr>
-            <a:lvl8pPr marL="3200400" indent="0">
-              <a:buNone/>
-              <a:defRPr sz="1400">
-                <a:solidFill>
-                  <a:schemeClr val="tx1">
-                    <a:tint val="75000"/>
-                  </a:schemeClr>
-                </a:solidFill>
-              </a:defRPr>
-            </a:lvl8pPr>
-            <a:lvl9pPr marL="3657600" indent="0">
-              <a:buNone/>
-              <a:defRPr sz="1400">
-                <a:solidFill>
-                  <a:schemeClr val="tx1">
-                    <a:tint val="75000"/>
-                  </a:schemeClr>
-                </a:solidFill>
-              </a:defRPr>
-            </a:lvl9pPr>
-          </a:lstStyle>
-          <a:p>
-            <a:pPr lvl="0"/>
-            <a:r>
-              <a:rPr lang="en-US"/>
-              <a:t>Click to edit Master text styles</a:t>
-            </a:r>
-          </a:p>
-        </p:txBody>
-      </p:sp>
-      <p:sp>
-        <p:nvSpPr>
-          <p:cNvPr id="4" name="Date Placeholder 3"/>
-          <p:cNvSpPr>
-            <a:spLocks noGrp="1"/>
-          </p:cNvSpPr>
-          <p:nvPr>
-            <p:ph type="dt" sz="half" idx="10"/>
-          </p:nvPr>
-        </p:nvSpPr>
-        <p:spPr/>
-        <p:txBody>
-          <a:bodyPr/>
-          <a:lstStyle/>
-          <a:p>
-            <a:fld id="{A41D76B7-B90D-465A-81BB-26E3A1C0CEFD}" type="datetimeFigureOut">
-              <a:rPr lang="en-US" smtClean="0"/>
-              <a:t>7/19/2020</a:t>
-            </a:fld>
-            <a:endParaRPr lang="en-US"/>
-          </a:p>
-        </p:txBody>
-      </p:sp>
-      <p:sp>
-        <p:nvSpPr>
-          <p:cNvPr id="5" name="Footer Placeholder 4"/>
-          <p:cNvSpPr>
-            <a:spLocks noGrp="1"/>
-          </p:cNvSpPr>
-          <p:nvPr>
-            <p:ph type="ftr" sz="quarter" idx="11"/>
-          </p:nvPr>
-        </p:nvSpPr>
-        <p:spPr/>
-        <p:txBody>
-          <a:bodyPr/>
-          <a:lstStyle/>
-          <a:p>
-            <a:endParaRPr lang="en-US"/>
-          </a:p>
-        </p:txBody>
-      </p:sp>
-      <p:sp>
-        <p:nvSpPr>
-          <p:cNvPr id="6" name="Slide Number Placeholder 5"/>
-          <p:cNvSpPr>
-            <a:spLocks noGrp="1"/>
-          </p:cNvSpPr>
-          <p:nvPr>
-            <p:ph type="sldNum" sz="quarter" idx="12"/>
-          </p:nvPr>
-        </p:nvSpPr>
-        <p:spPr/>
-        <p:txBody>
-          <a:bodyPr/>
-          <a:lstStyle/>
-          <a:p>
-            <a:fld id="{5DEBA80B-578A-4600-86AE-31797DBD0142}" type="slidenum">
-              <a:rPr lang="en-US" smtClean="0"/>
-              <a:t>‹#›</a:t>
-            </a:fld>
-            <a:endParaRPr lang="en-US"/>
-          </a:p>
-        </p:txBody>
-      </p:sp>
-    </p:spTree>
-    <p:extLst>
-      <p:ext uri="{BB962C8B-B14F-4D97-AF65-F5344CB8AC3E}">
-        <p14:creationId xmlns:p14="http://schemas.microsoft.com/office/powerpoint/2010/main" val="3382261452"/>
-      </p:ext>
-    </p:extLst>
-  </p:cSld>
-  <p:clrMapOvr>
-    <a:masterClrMapping/>
-  </p:clrMapOvr>
-</p:sldLayout>
-</file>
-
-<file path=ppt/slideLayouts/slideLayout12.xml><?xml version="1.0" encoding="utf-8"?>
-<p:sldLayout xmlns:a="http://schemas.openxmlformats.org/drawingml/2006/main" xmlns:r="http://schemas.openxmlformats.org/officeDocument/2006/relationships" xmlns:p="http://schemas.openxmlformats.org/presentationml/2006/main" preserve="1">
-  <p:cSld name="Quote with Caption">
-    <p:spTree>
-      <p:nvGrpSpPr>
-        <p:cNvPr id="1" name=""/>
-        <p:cNvGrpSpPr/>
-        <p:nvPr/>
-      </p:nvGrpSpPr>
-      <p:grpSpPr>
-        <a:xfrm>
-          <a:off x="0" y="0"/>
-          <a:ext cx="0" cy="0"/>
-          <a:chOff x="0" y="0"/>
-          <a:chExt cx="0" cy="0"/>
-        </a:xfrm>
-      </p:grpSpPr>
-      <p:sp>
-        <p:nvSpPr>
-          <p:cNvPr id="14" name="TextBox 13"/>
-          <p:cNvSpPr txBox="1"/>
-          <p:nvPr/>
-        </p:nvSpPr>
-        <p:spPr>
-          <a:xfrm>
-            <a:off x="836612" y="786824"/>
-            <a:ext cx="609600" cy="584776"/>
-          </a:xfrm>
-          <a:prstGeom prst="rect">
-            <a:avLst/>
-          </a:prstGeom>
-        </p:spPr>
-        <p:txBody>
-          <a:bodyPr vert="horz" lIns="91440" tIns="45720" rIns="91440" bIns="45720" rtlCol="0" anchor="ctr">
-            <a:noAutofit/>
-          </a:bodyPr>
-          <a:lstStyle>
-            <a:lvl1pPr>
-              <a:spcBef>
-                <a:spcPct val="0"/>
-              </a:spcBef>
-              <a:buNone/>
-              <a:defRPr sz="3200" b="0" cap="all">
-                <a:ln w="3175" cmpd="sng">
-                  <a:noFill/>
-                </a:ln>
-                <a:effectLst>
-                  <a:glow rad="38100">
-                    <a:schemeClr val="bg1">
-                      <a:lumMod val="65000"/>
-                      <a:lumOff val="35000"/>
-                      <a:alpha val="40000"/>
-                    </a:schemeClr>
-                  </a:glow>
-                  <a:outerShdw blurRad="28575" dist="38100" dir="14040000" algn="tl" rotWithShape="0">
-                    <a:srgbClr val="000000">
-                      <a:alpha val="25000"/>
-                    </a:srgbClr>
-                  </a:outerShdw>
-                </a:effectLst>
-              </a:defRPr>
-            </a:lvl1pPr>
-            <a:lvl2pPr>
-              <a:defRPr>
-                <a:solidFill>
-                  <a:schemeClr val="tx2"/>
-                </a:solidFill>
-              </a:defRPr>
-            </a:lvl2pPr>
-            <a:lvl3pPr>
-              <a:defRPr>
-                <a:solidFill>
-                  <a:schemeClr val="tx2"/>
-                </a:solidFill>
-              </a:defRPr>
-            </a:lvl3pPr>
-            <a:lvl4pPr>
-              <a:defRPr>
-                <a:solidFill>
-                  <a:schemeClr val="tx2"/>
-                </a:solidFill>
-              </a:defRPr>
-            </a:lvl4pPr>
-            <a:lvl5pPr>
-              <a:defRPr>
-                <a:solidFill>
-                  <a:schemeClr val="tx2"/>
-                </a:solidFill>
-              </a:defRPr>
-            </a:lvl5pPr>
-            <a:lvl6pPr>
-              <a:defRPr>
-                <a:solidFill>
-                  <a:schemeClr val="tx2"/>
-                </a:solidFill>
-              </a:defRPr>
-            </a:lvl6pPr>
-            <a:lvl7pPr>
-              <a:defRPr>
-                <a:solidFill>
-                  <a:schemeClr val="tx2"/>
-                </a:solidFill>
-              </a:defRPr>
-            </a:lvl7pPr>
-            <a:lvl8pPr>
-              <a:defRPr>
-                <a:solidFill>
-                  <a:schemeClr val="tx2"/>
-                </a:solidFill>
-              </a:defRPr>
-            </a:lvl8pPr>
-            <a:lvl9pPr>
-              <a:defRPr>
-                <a:solidFill>
-                  <a:schemeClr val="tx2"/>
-                </a:solidFill>
-              </a:defRPr>
-            </a:lvl9pPr>
-          </a:lstStyle>
-          <a:p>
-            <a:pPr lvl="0"/>
-            <a:r>
-              <a:rPr lang="en-US" sz="8000" dirty="0">
-                <a:solidFill>
-                  <a:schemeClr val="accent1"/>
-                </a:solidFill>
-              </a:rPr>
-              <a:t>“</a:t>
-            </a:r>
-          </a:p>
-        </p:txBody>
-      </p:sp>
-      <p:sp>
-        <p:nvSpPr>
-          <p:cNvPr id="15" name="TextBox 14"/>
-          <p:cNvSpPr txBox="1"/>
-          <p:nvPr/>
-        </p:nvSpPr>
-        <p:spPr>
-          <a:xfrm>
-            <a:off x="10437812" y="2743200"/>
-            <a:ext cx="609600" cy="584776"/>
-          </a:xfrm>
-          <a:prstGeom prst="rect">
-            <a:avLst/>
-          </a:prstGeom>
-        </p:spPr>
-        <p:txBody>
-          <a:bodyPr vert="horz" lIns="91440" tIns="45720" rIns="91440" bIns="45720" rtlCol="0" anchor="ctr">
-            <a:noAutofit/>
-          </a:bodyPr>
-          <a:lstStyle>
-            <a:lvl1pPr>
-              <a:spcBef>
-                <a:spcPct val="0"/>
-              </a:spcBef>
-              <a:buNone/>
-              <a:defRPr sz="3200" b="0" cap="all">
-                <a:ln w="3175" cmpd="sng">
-                  <a:noFill/>
-                </a:ln>
-                <a:effectLst>
-                  <a:glow rad="38100">
-                    <a:schemeClr val="bg1">
-                      <a:lumMod val="65000"/>
-                      <a:lumOff val="35000"/>
-                      <a:alpha val="40000"/>
-                    </a:schemeClr>
-                  </a:glow>
-                  <a:outerShdw blurRad="28575" dist="38100" dir="14040000" algn="tl" rotWithShape="0">
-                    <a:srgbClr val="000000">
-                      <a:alpha val="25000"/>
-                    </a:srgbClr>
-                  </a:outerShdw>
-                </a:effectLst>
-              </a:defRPr>
-            </a:lvl1pPr>
-            <a:lvl2pPr>
-              <a:defRPr>
-                <a:solidFill>
-                  <a:schemeClr val="tx2"/>
-                </a:solidFill>
-              </a:defRPr>
-            </a:lvl2pPr>
-            <a:lvl3pPr>
-              <a:defRPr>
-                <a:solidFill>
-                  <a:schemeClr val="tx2"/>
-                </a:solidFill>
-              </a:defRPr>
-            </a:lvl3pPr>
-            <a:lvl4pPr>
-              <a:defRPr>
-                <a:solidFill>
-                  <a:schemeClr val="tx2"/>
-                </a:solidFill>
-              </a:defRPr>
-            </a:lvl4pPr>
-            <a:lvl5pPr>
-              <a:defRPr>
-                <a:solidFill>
-                  <a:schemeClr val="tx2"/>
-                </a:solidFill>
-              </a:defRPr>
-            </a:lvl5pPr>
-            <a:lvl6pPr>
-              <a:defRPr>
-                <a:solidFill>
-                  <a:schemeClr val="tx2"/>
-                </a:solidFill>
-              </a:defRPr>
-            </a:lvl6pPr>
-            <a:lvl7pPr>
-              <a:defRPr>
-                <a:solidFill>
-                  <a:schemeClr val="tx2"/>
-                </a:solidFill>
-              </a:defRPr>
-            </a:lvl7pPr>
-            <a:lvl8pPr>
-              <a:defRPr>
-                <a:solidFill>
-                  <a:schemeClr val="tx2"/>
-                </a:solidFill>
-              </a:defRPr>
-            </a:lvl8pPr>
-            <a:lvl9pPr>
-              <a:defRPr>
-                <a:solidFill>
-                  <a:schemeClr val="tx2"/>
-                </a:solidFill>
-              </a:defRPr>
-            </a:lvl9pPr>
-          </a:lstStyle>
-          <a:p>
-            <a:pPr lvl="0" algn="r"/>
-            <a:r>
-              <a:rPr lang="en-US" sz="8000" dirty="0">
-                <a:solidFill>
-                  <a:schemeClr val="accent1"/>
-                </a:solidFill>
-              </a:rPr>
-              <a:t>”</a:t>
-            </a:r>
-          </a:p>
-        </p:txBody>
-      </p:sp>
-      <p:sp>
-        <p:nvSpPr>
-          <p:cNvPr id="2" name="Title 1"/>
-          <p:cNvSpPr>
-            <a:spLocks noGrp="1"/>
-          </p:cNvSpPr>
-          <p:nvPr>
-            <p:ph type="title"/>
-          </p:nvPr>
-        </p:nvSpPr>
-        <p:spPr>
-          <a:xfrm>
-            <a:off x="1446213" y="609601"/>
-            <a:ext cx="9296398" cy="2743199"/>
-          </a:xfrm>
-        </p:spPr>
-        <p:txBody>
-          <a:bodyPr anchor="ctr">
-            <a:normAutofit/>
-          </a:bodyPr>
-          <a:lstStyle>
-            <a:lvl1pPr algn="l">
-              <a:defRPr sz="3200" b="0" cap="all">
-                <a:solidFill>
-                  <a:schemeClr val="tx1"/>
-                </a:solidFill>
-              </a:defRPr>
-            </a:lvl1pPr>
-          </a:lstStyle>
-          <a:p>
-            <a:r>
-              <a:rPr lang="en-US"/>
-              <a:t>Click to edit Master title style</a:t>
-            </a:r>
-            <a:endParaRPr lang="en-US" dirty="0"/>
-          </a:p>
-        </p:txBody>
-      </p:sp>
-      <p:sp>
-        <p:nvSpPr>
-          <p:cNvPr id="10" name="Text Placeholder 9"/>
-          <p:cNvSpPr>
-            <a:spLocks noGrp="1"/>
-          </p:cNvSpPr>
-          <p:nvPr>
-            <p:ph type="body" sz="quarter" idx="13"/>
-          </p:nvPr>
-        </p:nvSpPr>
-        <p:spPr>
-          <a:xfrm>
-            <a:off x="1674812" y="3352800"/>
-            <a:ext cx="8839202" cy="381000"/>
-          </a:xfrm>
-        </p:spPr>
-        <p:txBody>
-          <a:bodyPr anchor="ctr"/>
-          <a:lstStyle>
-            <a:lvl1pPr marL="0" indent="0">
-              <a:buFontTx/>
-              <a:buNone/>
-              <a:defRPr/>
-            </a:lvl1pPr>
-            <a:lvl2pPr marL="457200" indent="0">
-              <a:buFontTx/>
-              <a:buNone/>
-              <a:defRPr/>
-            </a:lvl2pPr>
-            <a:lvl3pPr marL="914400" indent="0">
-              <a:buFontTx/>
-              <a:buNone/>
-              <a:defRPr/>
-            </a:lvl3pPr>
-            <a:lvl4pPr marL="1371600" indent="0">
-              <a:buFontTx/>
-              <a:buNone/>
-              <a:defRPr/>
-            </a:lvl4pPr>
-            <a:lvl5pPr marL="1828800" indent="0">
-              <a:buFontTx/>
-              <a:buNone/>
-              <a:defRPr/>
-            </a:lvl5pPr>
-          </a:lstStyle>
-          <a:p>
-            <a:pPr lvl="0"/>
-            <a:r>
-              <a:rPr lang="en-US"/>
-              <a:t>Click to edit Master text styles</a:t>
-            </a:r>
-          </a:p>
-        </p:txBody>
-      </p:sp>
-      <p:sp>
-        <p:nvSpPr>
-          <p:cNvPr id="3" name="Text Placeholder 2"/>
-          <p:cNvSpPr>
-            <a:spLocks noGrp="1"/>
-          </p:cNvSpPr>
-          <p:nvPr>
-            <p:ph type="body" idx="1"/>
-          </p:nvPr>
-        </p:nvSpPr>
-        <p:spPr>
-          <a:xfrm>
-            <a:off x="1141411" y="4343400"/>
-            <a:ext cx="9906000" cy="1447800"/>
-          </a:xfrm>
-        </p:spPr>
-        <p:txBody>
-          <a:bodyPr vert="horz" lIns="91440" tIns="45720" rIns="91440" bIns="45720" rtlCol="0" anchor="ctr">
-            <a:normAutofit/>
-          </a:bodyPr>
-          <a:lstStyle>
-            <a:lvl1pPr>
-              <a:buNone/>
-              <a:defRPr lang="en-US" sz="2000">
-                <a:gradFill flip="none" rotWithShape="1">
-                  <a:gsLst>
-                    <a:gs pos="0">
-                      <a:schemeClr val="tx1"/>
-                    </a:gs>
-                    <a:gs pos="100000">
-                      <a:schemeClr val="tx1">
-                        <a:lumMod val="75000"/>
-                      </a:schemeClr>
-                    </a:gs>
-                  </a:gsLst>
-                  <a:lin ang="5400000" scaled="0"/>
-                  <a:tileRect/>
-                </a:gradFill>
-              </a:defRPr>
-            </a:lvl1pPr>
-          </a:lstStyle>
-          <a:p>
-            <a:pPr marL="0" lvl="0" indent="0">
-              <a:buNone/>
-            </a:pPr>
-            <a:r>
-              <a:rPr lang="en-US"/>
-              <a:t>Click to edit Master text styles</a:t>
-            </a:r>
-          </a:p>
-        </p:txBody>
-      </p:sp>
-      <p:sp>
-        <p:nvSpPr>
-          <p:cNvPr id="4" name="Date Placeholder 3"/>
-          <p:cNvSpPr>
-            <a:spLocks noGrp="1"/>
-          </p:cNvSpPr>
-          <p:nvPr>
-            <p:ph type="dt" sz="half" idx="10"/>
-          </p:nvPr>
-        </p:nvSpPr>
-        <p:spPr/>
-        <p:txBody>
-          <a:bodyPr/>
-          <a:lstStyle/>
-          <a:p>
-            <a:fld id="{A41D76B7-B90D-465A-81BB-26E3A1C0CEFD}" type="datetimeFigureOut">
-              <a:rPr lang="en-US" smtClean="0"/>
-              <a:t>7/19/2020</a:t>
-            </a:fld>
-            <a:endParaRPr lang="en-US"/>
-          </a:p>
-        </p:txBody>
-      </p:sp>
-      <p:sp>
-        <p:nvSpPr>
-          <p:cNvPr id="5" name="Footer Placeholder 4"/>
-          <p:cNvSpPr>
-            <a:spLocks noGrp="1"/>
-          </p:cNvSpPr>
-          <p:nvPr>
-            <p:ph type="ftr" sz="quarter" idx="11"/>
-          </p:nvPr>
-        </p:nvSpPr>
-        <p:spPr/>
-        <p:txBody>
-          <a:bodyPr/>
-          <a:lstStyle/>
-          <a:p>
-            <a:endParaRPr lang="en-US"/>
-          </a:p>
-        </p:txBody>
-      </p:sp>
-      <p:sp>
-        <p:nvSpPr>
-          <p:cNvPr id="6" name="Slide Number Placeholder 5"/>
-          <p:cNvSpPr>
-            <a:spLocks noGrp="1"/>
-          </p:cNvSpPr>
-          <p:nvPr>
-            <p:ph type="sldNum" sz="quarter" idx="12"/>
-          </p:nvPr>
-        </p:nvSpPr>
-        <p:spPr/>
-        <p:txBody>
-          <a:bodyPr/>
-          <a:lstStyle/>
-          <a:p>
-            <a:fld id="{5DEBA80B-578A-4600-86AE-31797DBD0142}" type="slidenum">
-              <a:rPr lang="en-US" smtClean="0"/>
-              <a:t>‹#›</a:t>
-            </a:fld>
-            <a:endParaRPr lang="en-US"/>
-          </a:p>
-        </p:txBody>
-      </p:sp>
-    </p:spTree>
-    <p:extLst>
-      <p:ext uri="{BB962C8B-B14F-4D97-AF65-F5344CB8AC3E}">
-        <p14:creationId xmlns:p14="http://schemas.microsoft.com/office/powerpoint/2010/main" val="1042913503"/>
-      </p:ext>
-    </p:extLst>
-  </p:cSld>
-  <p:clrMapOvr>
-    <a:masterClrMapping/>
-  </p:clrMapOvr>
-</p:sldLayout>
-</file>
-
-<file path=ppt/slideLayouts/slideLayout13.xml><?xml version="1.0" encoding="utf-8"?>
-<p:sldLayout xmlns:a="http://schemas.openxmlformats.org/drawingml/2006/main" xmlns:r="http://schemas.openxmlformats.org/officeDocument/2006/relationships" xmlns:p="http://schemas.openxmlformats.org/presentationml/2006/main" preserve="1">
-  <p:cSld name="Name Card">
-    <p:spTree>
-      <p:nvGrpSpPr>
-        <p:cNvPr id="1" name=""/>
-        <p:cNvGrpSpPr/>
-        <p:nvPr/>
-      </p:nvGrpSpPr>
-      <p:grpSpPr>
-        <a:xfrm>
-          <a:off x="0" y="0"/>
-          <a:ext cx="0" cy="0"/>
-          <a:chOff x="0" y="0"/>
-          <a:chExt cx="0" cy="0"/>
-        </a:xfrm>
-      </p:grpSpPr>
-      <p:sp>
-        <p:nvSpPr>
-          <p:cNvPr id="2" name="Title 1"/>
-          <p:cNvSpPr>
-            <a:spLocks noGrp="1"/>
-          </p:cNvSpPr>
-          <p:nvPr>
-            <p:ph type="title"/>
-          </p:nvPr>
-        </p:nvSpPr>
-        <p:spPr>
-          <a:xfrm>
-            <a:off x="1141412" y="3308581"/>
-            <a:ext cx="9906000" cy="1468800"/>
-          </a:xfrm>
-        </p:spPr>
-        <p:txBody>
-          <a:bodyPr anchor="b">
-            <a:normAutofit/>
-          </a:bodyPr>
-          <a:lstStyle>
-            <a:lvl1pPr algn="l">
-              <a:defRPr sz="3200" b="0" cap="all"/>
-            </a:lvl1pPr>
-          </a:lstStyle>
-          <a:p>
-            <a:r>
-              <a:rPr lang="en-US"/>
-              <a:t>Click to edit Master title style</a:t>
-            </a:r>
-            <a:endParaRPr lang="en-US" dirty="0"/>
-          </a:p>
-        </p:txBody>
-      </p:sp>
-      <p:sp>
-        <p:nvSpPr>
-          <p:cNvPr id="3" name="Text Placeholder 2"/>
-          <p:cNvSpPr>
-            <a:spLocks noGrp="1"/>
-          </p:cNvSpPr>
-          <p:nvPr>
-            <p:ph type="body" idx="1"/>
-          </p:nvPr>
-        </p:nvSpPr>
-        <p:spPr>
-          <a:xfrm>
-            <a:off x="1141410" y="4777381"/>
-            <a:ext cx="9906001" cy="860400"/>
-          </a:xfrm>
-        </p:spPr>
-        <p:txBody>
-          <a:bodyPr vert="horz" lIns="91440" tIns="45720" rIns="91440" bIns="45720" rtlCol="0" anchor="t">
-            <a:normAutofit/>
-          </a:bodyPr>
-          <a:lstStyle>
-            <a:lvl1pPr>
-              <a:defRPr lang="en-US" sz="2000">
-                <a:gradFill flip="none" rotWithShape="1">
-                  <a:gsLst>
-                    <a:gs pos="0">
-                      <a:schemeClr val="tx1"/>
-                    </a:gs>
-                    <a:gs pos="100000">
-                      <a:schemeClr val="tx1">
-                        <a:lumMod val="75000"/>
-                      </a:schemeClr>
-                    </a:gs>
-                  </a:gsLst>
-                  <a:lin ang="5400000" scaled="0"/>
-                  <a:tileRect/>
-                </a:gradFill>
-              </a:defRPr>
-            </a:lvl1pPr>
-          </a:lstStyle>
-          <a:p>
-            <a:pPr marL="0" lvl="0" indent="0">
-              <a:buNone/>
-            </a:pPr>
-            <a:r>
-              <a:rPr lang="en-US"/>
-              <a:t>Click to edit Master text styles</a:t>
-            </a:r>
-          </a:p>
-        </p:txBody>
-      </p:sp>
-      <p:sp>
-        <p:nvSpPr>
-          <p:cNvPr id="4" name="Date Placeholder 3"/>
-          <p:cNvSpPr>
-            <a:spLocks noGrp="1"/>
-          </p:cNvSpPr>
-          <p:nvPr>
-            <p:ph type="dt" sz="half" idx="10"/>
-          </p:nvPr>
-        </p:nvSpPr>
-        <p:spPr/>
-        <p:txBody>
-          <a:bodyPr/>
-          <a:lstStyle/>
-          <a:p>
-            <a:fld id="{A41D76B7-B90D-465A-81BB-26E3A1C0CEFD}" type="datetimeFigureOut">
-              <a:rPr lang="en-US" smtClean="0"/>
-              <a:t>7/19/2020</a:t>
-            </a:fld>
-            <a:endParaRPr lang="en-US"/>
-          </a:p>
-        </p:txBody>
-      </p:sp>
-      <p:sp>
-        <p:nvSpPr>
-          <p:cNvPr id="5" name="Footer Placeholder 4"/>
-          <p:cNvSpPr>
-            <a:spLocks noGrp="1"/>
-          </p:cNvSpPr>
-          <p:nvPr>
-            <p:ph type="ftr" sz="quarter" idx="11"/>
-          </p:nvPr>
-        </p:nvSpPr>
-        <p:spPr/>
-        <p:txBody>
-          <a:bodyPr/>
-          <a:lstStyle/>
-          <a:p>
-            <a:endParaRPr lang="en-US"/>
-          </a:p>
-        </p:txBody>
-      </p:sp>
-      <p:sp>
-        <p:nvSpPr>
-          <p:cNvPr id="6" name="Slide Number Placeholder 5"/>
-          <p:cNvSpPr>
-            <a:spLocks noGrp="1"/>
-          </p:cNvSpPr>
-          <p:nvPr>
-            <p:ph type="sldNum" sz="quarter" idx="12"/>
-          </p:nvPr>
-        </p:nvSpPr>
-        <p:spPr/>
-        <p:txBody>
-          <a:bodyPr/>
-          <a:lstStyle/>
-          <a:p>
-            <a:fld id="{5DEBA80B-578A-4600-86AE-31797DBD0142}" type="slidenum">
-              <a:rPr lang="en-US" smtClean="0"/>
-              <a:t>‹#›</a:t>
-            </a:fld>
-            <a:endParaRPr lang="en-US"/>
-          </a:p>
-        </p:txBody>
-      </p:sp>
-    </p:spTree>
-    <p:extLst>
-      <p:ext uri="{BB962C8B-B14F-4D97-AF65-F5344CB8AC3E}">
-        <p14:creationId xmlns:p14="http://schemas.microsoft.com/office/powerpoint/2010/main" val="334677685"/>
-      </p:ext>
-    </p:extLst>
-  </p:cSld>
-  <p:clrMapOvr>
-    <a:masterClrMapping/>
-  </p:clrMapOvr>
-</p:sldLayout>
-</file>
-
-<file path=ppt/slideLayouts/slideLayout14.xml><?xml version="1.0" encoding="utf-8"?>
-<p:sldLayout xmlns:a="http://schemas.openxmlformats.org/drawingml/2006/main" xmlns:r="http://schemas.openxmlformats.org/officeDocument/2006/relationships" xmlns:p="http://schemas.openxmlformats.org/presentationml/2006/main" preserve="1">
-  <p:cSld name="Quote Name Card">
-    <p:spTree>
-      <p:nvGrpSpPr>
-        <p:cNvPr id="1" name=""/>
-        <p:cNvGrpSpPr/>
-        <p:nvPr/>
-      </p:nvGrpSpPr>
-      <p:grpSpPr>
-        <a:xfrm>
-          <a:off x="0" y="0"/>
-          <a:ext cx="0" cy="0"/>
-          <a:chOff x="0" y="0"/>
-          <a:chExt cx="0" cy="0"/>
-        </a:xfrm>
-      </p:grpSpPr>
-      <p:sp>
-        <p:nvSpPr>
-          <p:cNvPr id="14" name="TextBox 13"/>
-          <p:cNvSpPr txBox="1"/>
-          <p:nvPr/>
-        </p:nvSpPr>
-        <p:spPr>
-          <a:xfrm>
-            <a:off x="836612" y="786824"/>
-            <a:ext cx="609600" cy="584776"/>
-          </a:xfrm>
-          <a:prstGeom prst="rect">
-            <a:avLst/>
-          </a:prstGeom>
-        </p:spPr>
-        <p:txBody>
-          <a:bodyPr vert="horz" lIns="91440" tIns="45720" rIns="91440" bIns="45720" rtlCol="0" anchor="ctr">
-            <a:noAutofit/>
-          </a:bodyPr>
-          <a:lstStyle>
-            <a:lvl1pPr>
-              <a:spcBef>
-                <a:spcPct val="0"/>
-              </a:spcBef>
-              <a:buNone/>
-              <a:defRPr sz="3200" b="0" cap="all">
-                <a:ln w="3175" cmpd="sng">
-                  <a:noFill/>
-                </a:ln>
-                <a:effectLst>
-                  <a:glow rad="38100">
-                    <a:schemeClr val="bg1">
-                      <a:lumMod val="65000"/>
-                      <a:lumOff val="35000"/>
-                      <a:alpha val="40000"/>
-                    </a:schemeClr>
-                  </a:glow>
-                  <a:outerShdw blurRad="28575" dist="38100" dir="14040000" algn="tl" rotWithShape="0">
-                    <a:srgbClr val="000000">
-                      <a:alpha val="25000"/>
-                    </a:srgbClr>
-                  </a:outerShdw>
-                </a:effectLst>
-              </a:defRPr>
-            </a:lvl1pPr>
-            <a:lvl2pPr>
-              <a:defRPr>
-                <a:solidFill>
-                  <a:schemeClr val="tx2"/>
-                </a:solidFill>
-              </a:defRPr>
-            </a:lvl2pPr>
-            <a:lvl3pPr>
-              <a:defRPr>
-                <a:solidFill>
-                  <a:schemeClr val="tx2"/>
-                </a:solidFill>
-              </a:defRPr>
-            </a:lvl3pPr>
-            <a:lvl4pPr>
-              <a:defRPr>
-                <a:solidFill>
-                  <a:schemeClr val="tx2"/>
-                </a:solidFill>
-              </a:defRPr>
-            </a:lvl4pPr>
-            <a:lvl5pPr>
-              <a:defRPr>
-                <a:solidFill>
-                  <a:schemeClr val="tx2"/>
-                </a:solidFill>
-              </a:defRPr>
-            </a:lvl5pPr>
-            <a:lvl6pPr>
-              <a:defRPr>
-                <a:solidFill>
-                  <a:schemeClr val="tx2"/>
-                </a:solidFill>
-              </a:defRPr>
-            </a:lvl6pPr>
-            <a:lvl7pPr>
-              <a:defRPr>
-                <a:solidFill>
-                  <a:schemeClr val="tx2"/>
-                </a:solidFill>
-              </a:defRPr>
-            </a:lvl7pPr>
-            <a:lvl8pPr>
-              <a:defRPr>
-                <a:solidFill>
-                  <a:schemeClr val="tx2"/>
-                </a:solidFill>
-              </a:defRPr>
-            </a:lvl8pPr>
-            <a:lvl9pPr>
-              <a:defRPr>
-                <a:solidFill>
-                  <a:schemeClr val="tx2"/>
-                </a:solidFill>
-              </a:defRPr>
-            </a:lvl9pPr>
-          </a:lstStyle>
-          <a:p>
-            <a:pPr lvl="0"/>
-            <a:r>
-              <a:rPr lang="en-US" sz="8000" dirty="0">
-                <a:solidFill>
-                  <a:schemeClr val="accent1"/>
-                </a:solidFill>
-              </a:rPr>
-              <a:t>“</a:t>
-            </a:r>
-          </a:p>
-        </p:txBody>
-      </p:sp>
-      <p:sp>
-        <p:nvSpPr>
-          <p:cNvPr id="15" name="TextBox 14"/>
-          <p:cNvSpPr txBox="1"/>
-          <p:nvPr/>
-        </p:nvSpPr>
-        <p:spPr>
-          <a:xfrm>
-            <a:off x="10437812" y="2743200"/>
-            <a:ext cx="609600" cy="584776"/>
-          </a:xfrm>
-          <a:prstGeom prst="rect">
-            <a:avLst/>
-          </a:prstGeom>
-        </p:spPr>
-        <p:txBody>
-          <a:bodyPr vert="horz" lIns="91440" tIns="45720" rIns="91440" bIns="45720" rtlCol="0" anchor="ctr">
-            <a:noAutofit/>
-          </a:bodyPr>
-          <a:lstStyle>
-            <a:lvl1pPr>
-              <a:spcBef>
-                <a:spcPct val="0"/>
-              </a:spcBef>
-              <a:buNone/>
-              <a:defRPr sz="3200" b="0" cap="all">
-                <a:ln w="3175" cmpd="sng">
-                  <a:noFill/>
-                </a:ln>
-                <a:effectLst>
-                  <a:glow rad="38100">
-                    <a:schemeClr val="bg1">
-                      <a:lumMod val="65000"/>
-                      <a:lumOff val="35000"/>
-                      <a:alpha val="40000"/>
-                    </a:schemeClr>
-                  </a:glow>
-                  <a:outerShdw blurRad="28575" dist="38100" dir="14040000" algn="tl" rotWithShape="0">
-                    <a:srgbClr val="000000">
-                      <a:alpha val="25000"/>
-                    </a:srgbClr>
-                  </a:outerShdw>
-                </a:effectLst>
-              </a:defRPr>
-            </a:lvl1pPr>
-            <a:lvl2pPr>
-              <a:defRPr>
-                <a:solidFill>
-                  <a:schemeClr val="tx2"/>
-                </a:solidFill>
-              </a:defRPr>
-            </a:lvl2pPr>
-            <a:lvl3pPr>
-              <a:defRPr>
-                <a:solidFill>
-                  <a:schemeClr val="tx2"/>
-                </a:solidFill>
-              </a:defRPr>
-            </a:lvl3pPr>
-            <a:lvl4pPr>
-              <a:defRPr>
-                <a:solidFill>
-                  <a:schemeClr val="tx2"/>
-                </a:solidFill>
-              </a:defRPr>
-            </a:lvl4pPr>
-            <a:lvl5pPr>
-              <a:defRPr>
-                <a:solidFill>
-                  <a:schemeClr val="tx2"/>
-                </a:solidFill>
-              </a:defRPr>
-            </a:lvl5pPr>
-            <a:lvl6pPr>
-              <a:defRPr>
-                <a:solidFill>
-                  <a:schemeClr val="tx2"/>
-                </a:solidFill>
-              </a:defRPr>
-            </a:lvl6pPr>
-            <a:lvl7pPr>
-              <a:defRPr>
-                <a:solidFill>
-                  <a:schemeClr val="tx2"/>
-                </a:solidFill>
-              </a:defRPr>
-            </a:lvl7pPr>
-            <a:lvl8pPr>
-              <a:defRPr>
-                <a:solidFill>
-                  <a:schemeClr val="tx2"/>
-                </a:solidFill>
-              </a:defRPr>
-            </a:lvl8pPr>
-            <a:lvl9pPr>
-              <a:defRPr>
-                <a:solidFill>
-                  <a:schemeClr val="tx2"/>
-                </a:solidFill>
-              </a:defRPr>
-            </a:lvl9pPr>
-          </a:lstStyle>
-          <a:p>
-            <a:pPr lvl="0" algn="r"/>
-            <a:r>
-              <a:rPr lang="en-US" sz="8000" dirty="0">
-                <a:solidFill>
-                  <a:schemeClr val="accent1"/>
-                </a:solidFill>
-              </a:rPr>
-              <a:t>”</a:t>
-            </a:r>
-          </a:p>
-        </p:txBody>
-      </p:sp>
-      <p:sp>
-        <p:nvSpPr>
-          <p:cNvPr id="2" name="Title 1"/>
-          <p:cNvSpPr>
-            <a:spLocks noGrp="1"/>
-          </p:cNvSpPr>
-          <p:nvPr>
-            <p:ph type="title"/>
-          </p:nvPr>
-        </p:nvSpPr>
-        <p:spPr>
-          <a:xfrm>
-            <a:off x="1446213" y="609601"/>
-            <a:ext cx="9296398" cy="2743199"/>
-          </a:xfrm>
-        </p:spPr>
-        <p:txBody>
-          <a:bodyPr anchor="ctr">
-            <a:normAutofit/>
-          </a:bodyPr>
-          <a:lstStyle>
-            <a:lvl1pPr algn="l">
-              <a:defRPr sz="3200" b="0" cap="all">
-                <a:gradFill flip="none" rotWithShape="1">
-                  <a:gsLst>
-                    <a:gs pos="0">
-                      <a:schemeClr val="tx1"/>
-                    </a:gs>
-                    <a:gs pos="100000">
-                      <a:schemeClr val="tx1">
-                        <a:lumMod val="75000"/>
-                      </a:schemeClr>
-                    </a:gs>
-                  </a:gsLst>
-                  <a:lin ang="5400000" scaled="0"/>
-                  <a:tileRect/>
-                </a:gradFill>
-              </a:defRPr>
-            </a:lvl1pPr>
-          </a:lstStyle>
-          <a:p>
-            <a:r>
-              <a:rPr lang="en-US"/>
-              <a:t>Click to edit Master title style</a:t>
-            </a:r>
-            <a:endParaRPr lang="en-US" dirty="0"/>
-          </a:p>
-        </p:txBody>
-      </p:sp>
-      <p:sp>
-        <p:nvSpPr>
-          <p:cNvPr id="10" name="Text Placeholder 9"/>
-          <p:cNvSpPr>
-            <a:spLocks noGrp="1"/>
-          </p:cNvSpPr>
-          <p:nvPr>
-            <p:ph type="body" sz="quarter" idx="13"/>
-          </p:nvPr>
-        </p:nvSpPr>
-        <p:spPr>
-          <a:xfrm>
-            <a:off x="1141412" y="3886200"/>
-            <a:ext cx="9906000" cy="889000"/>
-          </a:xfrm>
-        </p:spPr>
-        <p:txBody>
-          <a:bodyPr vert="horz" lIns="91440" tIns="45720" rIns="91440" bIns="45720" rtlCol="0" anchor="b">
-            <a:normAutofit/>
-          </a:bodyPr>
-          <a:lstStyle>
-            <a:lvl1pPr>
-              <a:buNone/>
-              <a:defRPr lang="en-US" sz="2400" b="0" cap="all" dirty="0">
-                <a:ln w="3175" cmpd="sng">
-                  <a:noFill/>
-                </a:ln>
-                <a:gradFill flip="none" rotWithShape="1">
-                  <a:gsLst>
-                    <a:gs pos="0">
-                      <a:schemeClr val="tx1"/>
-                    </a:gs>
-                    <a:gs pos="100000">
-                      <a:schemeClr val="tx1">
-                        <a:lumMod val="75000"/>
-                      </a:schemeClr>
-                    </a:gs>
-                  </a:gsLst>
-                  <a:lin ang="5400000" scaled="0"/>
-                  <a:tileRect/>
-                </a:gradFill>
-                <a:effectLst>
-                  <a:glow rad="38100">
-                    <a:schemeClr val="bg1">
-                      <a:lumMod val="65000"/>
-                      <a:lumOff val="35000"/>
-                      <a:alpha val="40000"/>
-                    </a:schemeClr>
-                  </a:glow>
-                  <a:outerShdw blurRad="28575" dist="38100" dir="14040000" algn="tl" rotWithShape="0">
-                    <a:srgbClr val="000000">
-                      <a:alpha val="25000"/>
-                    </a:srgbClr>
-                  </a:outerShdw>
-                </a:effectLst>
-              </a:defRPr>
-            </a:lvl1pPr>
-          </a:lstStyle>
-          <a:p>
-            <a:pPr marL="0" lvl="0">
-              <a:spcBef>
-                <a:spcPct val="0"/>
-              </a:spcBef>
-              <a:buNone/>
-            </a:pPr>
-            <a:r>
-              <a:rPr lang="en-US"/>
-              <a:t>Click to edit Master text styles</a:t>
-            </a:r>
-          </a:p>
-        </p:txBody>
-      </p:sp>
-      <p:sp>
-        <p:nvSpPr>
-          <p:cNvPr id="3" name="Text Placeholder 2"/>
-          <p:cNvSpPr>
-            <a:spLocks noGrp="1"/>
-          </p:cNvSpPr>
-          <p:nvPr>
-            <p:ph type="body" idx="1"/>
-          </p:nvPr>
-        </p:nvSpPr>
-        <p:spPr>
-          <a:xfrm>
-            <a:off x="1141411" y="4775200"/>
-            <a:ext cx="9906000" cy="1016000"/>
-          </a:xfrm>
-        </p:spPr>
-        <p:txBody>
-          <a:bodyPr anchor="t">
-            <a:normAutofit/>
-          </a:bodyPr>
-          <a:lstStyle>
-            <a:lvl1pPr marL="0" indent="0" algn="l">
-              <a:buNone/>
-              <a:defRPr sz="1800">
-                <a:gradFill flip="none" rotWithShape="1">
-                  <a:gsLst>
-                    <a:gs pos="0">
-                      <a:schemeClr val="tx1"/>
-                    </a:gs>
-                    <a:gs pos="100000">
-                      <a:schemeClr val="tx1">
-                        <a:lumMod val="75000"/>
-                      </a:schemeClr>
-                    </a:gs>
-                  </a:gsLst>
-                  <a:lin ang="5400000" scaled="0"/>
-                  <a:tileRect/>
-                </a:gradFill>
-              </a:defRPr>
-            </a:lvl1pPr>
-            <a:lvl2pPr marL="457200" indent="0">
-              <a:buNone/>
-              <a:defRPr sz="1800">
-                <a:solidFill>
-                  <a:schemeClr val="tx1">
-                    <a:tint val="75000"/>
-                  </a:schemeClr>
-                </a:solidFill>
-              </a:defRPr>
-            </a:lvl2pPr>
-            <a:lvl3pPr marL="914400" indent="0">
-              <a:buNone/>
-              <a:defRPr sz="1600">
-                <a:solidFill>
-                  <a:schemeClr val="tx1">
-                    <a:tint val="75000"/>
-                  </a:schemeClr>
-                </a:solidFill>
-              </a:defRPr>
-            </a:lvl3pPr>
-            <a:lvl4pPr marL="1371600" indent="0">
-              <a:buNone/>
-              <a:defRPr sz="1400">
-                <a:solidFill>
-                  <a:schemeClr val="tx1">
-                    <a:tint val="75000"/>
-                  </a:schemeClr>
-                </a:solidFill>
-              </a:defRPr>
-            </a:lvl4pPr>
-            <a:lvl5pPr marL="1828800" indent="0">
-              <a:buNone/>
-              <a:defRPr sz="1400">
-                <a:solidFill>
-                  <a:schemeClr val="tx1">
-                    <a:tint val="75000"/>
-                  </a:schemeClr>
-                </a:solidFill>
-              </a:defRPr>
-            </a:lvl5pPr>
-            <a:lvl6pPr marL="2286000" indent="0">
-              <a:buNone/>
-              <a:defRPr sz="1400">
-                <a:solidFill>
-                  <a:schemeClr val="tx1">
-                    <a:tint val="75000"/>
-                  </a:schemeClr>
-                </a:solidFill>
-              </a:defRPr>
-            </a:lvl6pPr>
-            <a:lvl7pPr marL="2743200" indent="0">
-              <a:buNone/>
-              <a:defRPr sz="1400">
-                <a:solidFill>
-                  <a:schemeClr val="tx1">
-                    <a:tint val="75000"/>
-                  </a:schemeClr>
-                </a:solidFill>
-              </a:defRPr>
-            </a:lvl7pPr>
-            <a:lvl8pPr marL="3200400" indent="0">
-              <a:buNone/>
-              <a:defRPr sz="1400">
-                <a:solidFill>
-                  <a:schemeClr val="tx1">
-                    <a:tint val="75000"/>
-                  </a:schemeClr>
-                </a:solidFill>
-              </a:defRPr>
-            </a:lvl8pPr>
-            <a:lvl9pPr marL="3657600" indent="0">
-              <a:buNone/>
-              <a:defRPr sz="1400">
-                <a:solidFill>
-                  <a:schemeClr val="tx1">
-                    <a:tint val="75000"/>
-                  </a:schemeClr>
-                </a:solidFill>
-              </a:defRPr>
-            </a:lvl9pPr>
-          </a:lstStyle>
-          <a:p>
-            <a:pPr lvl="0"/>
-            <a:r>
-              <a:rPr lang="en-US"/>
-              <a:t>Click to edit Master text styles</a:t>
-            </a:r>
-          </a:p>
-        </p:txBody>
-      </p:sp>
-      <p:sp>
-        <p:nvSpPr>
-          <p:cNvPr id="4" name="Date Placeholder 3"/>
-          <p:cNvSpPr>
-            <a:spLocks noGrp="1"/>
-          </p:cNvSpPr>
-          <p:nvPr>
-            <p:ph type="dt" sz="half" idx="10"/>
-          </p:nvPr>
-        </p:nvSpPr>
-        <p:spPr/>
-        <p:txBody>
-          <a:bodyPr/>
-          <a:lstStyle/>
-          <a:p>
-            <a:fld id="{A41D76B7-B90D-465A-81BB-26E3A1C0CEFD}" type="datetimeFigureOut">
-              <a:rPr lang="en-US" smtClean="0"/>
-              <a:t>7/19/2020</a:t>
-            </a:fld>
-            <a:endParaRPr lang="en-US"/>
-          </a:p>
-        </p:txBody>
-      </p:sp>
-      <p:sp>
-        <p:nvSpPr>
-          <p:cNvPr id="5" name="Footer Placeholder 4"/>
-          <p:cNvSpPr>
-            <a:spLocks noGrp="1"/>
-          </p:cNvSpPr>
-          <p:nvPr>
-            <p:ph type="ftr" sz="quarter" idx="11"/>
-          </p:nvPr>
-        </p:nvSpPr>
-        <p:spPr/>
-        <p:txBody>
-          <a:bodyPr/>
-          <a:lstStyle/>
-          <a:p>
-            <a:endParaRPr lang="en-US"/>
-          </a:p>
-        </p:txBody>
-      </p:sp>
-      <p:sp>
-        <p:nvSpPr>
-          <p:cNvPr id="6" name="Slide Number Placeholder 5"/>
-          <p:cNvSpPr>
-            <a:spLocks noGrp="1"/>
-          </p:cNvSpPr>
-          <p:nvPr>
-            <p:ph type="sldNum" sz="quarter" idx="12"/>
-          </p:nvPr>
-        </p:nvSpPr>
-        <p:spPr/>
-        <p:txBody>
-          <a:bodyPr/>
-          <a:lstStyle/>
-          <a:p>
-            <a:fld id="{5DEBA80B-578A-4600-86AE-31797DBD0142}" type="slidenum">
-              <a:rPr lang="en-US" smtClean="0"/>
-              <a:t>‹#›</a:t>
-            </a:fld>
-            <a:endParaRPr lang="en-US"/>
-          </a:p>
-        </p:txBody>
-      </p:sp>
-    </p:spTree>
-    <p:extLst>
-      <p:ext uri="{BB962C8B-B14F-4D97-AF65-F5344CB8AC3E}">
-        <p14:creationId xmlns:p14="http://schemas.microsoft.com/office/powerpoint/2010/main" val="2075282548"/>
-      </p:ext>
-    </p:extLst>
-  </p:cSld>
-  <p:clrMapOvr>
-    <a:masterClrMapping/>
-  </p:clrMapOvr>
-</p:sldLayout>
-</file>
-
-<file path=ppt/slideLayouts/slideLayout15.xml><?xml version="1.0" encoding="utf-8"?>
-<p:sldLayout xmlns:a="http://schemas.openxmlformats.org/drawingml/2006/main" xmlns:r="http://schemas.openxmlformats.org/officeDocument/2006/relationships" xmlns:p="http://schemas.openxmlformats.org/presentationml/2006/main" preserve="1">
-  <p:cSld name="True or False">
-    <p:spTree>
-      <p:nvGrpSpPr>
-        <p:cNvPr id="1" name=""/>
-        <p:cNvGrpSpPr/>
-        <p:nvPr/>
-      </p:nvGrpSpPr>
-      <p:grpSpPr>
-        <a:xfrm>
-          <a:off x="0" y="0"/>
-          <a:ext cx="0" cy="0"/>
-          <a:chOff x="0" y="0"/>
-          <a:chExt cx="0" cy="0"/>
-        </a:xfrm>
-      </p:grpSpPr>
-      <p:sp>
-        <p:nvSpPr>
-          <p:cNvPr id="2" name="Title 1"/>
-          <p:cNvSpPr>
-            <a:spLocks noGrp="1"/>
-          </p:cNvSpPr>
-          <p:nvPr>
-            <p:ph type="title"/>
-          </p:nvPr>
-        </p:nvSpPr>
-        <p:spPr>
-          <a:xfrm>
-            <a:off x="1141412" y="609601"/>
-            <a:ext cx="9905999" cy="2743199"/>
-          </a:xfrm>
-        </p:spPr>
-        <p:txBody>
-          <a:bodyPr vert="horz" lIns="91440" tIns="45720" rIns="91440" bIns="45720" rtlCol="0" anchor="ctr">
-            <a:normAutofit/>
-          </a:bodyPr>
-          <a:lstStyle>
-            <a:lvl1pPr>
-              <a:defRPr lang="en-US" b="0" dirty="0"/>
-            </a:lvl1pPr>
-          </a:lstStyle>
-          <a:p>
-            <a:pPr marL="0" lvl="0"/>
-            <a:r>
-              <a:rPr lang="en-US"/>
-              <a:t>Click to edit Master title style</a:t>
-            </a:r>
-            <a:endParaRPr lang="en-US" dirty="0"/>
-          </a:p>
-        </p:txBody>
-      </p:sp>
-      <p:sp>
-        <p:nvSpPr>
-          <p:cNvPr id="10" name="Text Placeholder 9"/>
-          <p:cNvSpPr>
-            <a:spLocks noGrp="1"/>
-          </p:cNvSpPr>
-          <p:nvPr>
-            <p:ph type="body" sz="quarter" idx="13"/>
-          </p:nvPr>
-        </p:nvSpPr>
-        <p:spPr>
-          <a:xfrm>
-            <a:off x="1141412" y="3505200"/>
-            <a:ext cx="9906000" cy="838200"/>
-          </a:xfrm>
-        </p:spPr>
-        <p:txBody>
-          <a:bodyPr vert="horz" lIns="91440" tIns="45720" rIns="91440" bIns="45720" rtlCol="0" anchor="b">
-            <a:normAutofit/>
-          </a:bodyPr>
-          <a:lstStyle>
-            <a:lvl1pPr>
-              <a:buNone/>
-              <a:defRPr lang="en-US" sz="2800" b="0" cap="all" dirty="0">
-                <a:ln w="3175" cmpd="sng">
-                  <a:noFill/>
-                </a:ln>
-                <a:gradFill flip="none" rotWithShape="1">
-                  <a:gsLst>
-                    <a:gs pos="0">
-                      <a:schemeClr val="tx1"/>
-                    </a:gs>
-                    <a:gs pos="100000">
-                      <a:schemeClr val="tx1">
-                        <a:lumMod val="75000"/>
-                      </a:schemeClr>
-                    </a:gs>
-                  </a:gsLst>
-                  <a:lin ang="5400000" scaled="0"/>
-                  <a:tileRect/>
-                </a:gradFill>
-                <a:effectLst>
-                  <a:glow rad="38100">
-                    <a:schemeClr val="bg1">
-                      <a:lumMod val="65000"/>
-                      <a:lumOff val="35000"/>
-                      <a:alpha val="40000"/>
-                    </a:schemeClr>
-                  </a:glow>
-                  <a:outerShdw blurRad="28575" dist="38100" dir="14040000" algn="tl" rotWithShape="0">
-                    <a:srgbClr val="000000">
-                      <a:alpha val="25000"/>
-                    </a:srgbClr>
-                  </a:outerShdw>
-                </a:effectLst>
-              </a:defRPr>
-            </a:lvl1pPr>
-          </a:lstStyle>
-          <a:p>
-            <a:pPr marL="0" lvl="0">
-              <a:spcBef>
-                <a:spcPct val="0"/>
-              </a:spcBef>
-              <a:buNone/>
-            </a:pPr>
-            <a:r>
-              <a:rPr lang="en-US"/>
-              <a:t>Click to edit Master text styles</a:t>
-            </a:r>
-          </a:p>
-        </p:txBody>
-      </p:sp>
-      <p:sp>
-        <p:nvSpPr>
-          <p:cNvPr id="3" name="Text Placeholder 2"/>
-          <p:cNvSpPr>
-            <a:spLocks noGrp="1"/>
-          </p:cNvSpPr>
-          <p:nvPr>
-            <p:ph type="body" idx="1"/>
-          </p:nvPr>
-        </p:nvSpPr>
-        <p:spPr>
-          <a:xfrm>
-            <a:off x="1141411" y="4343400"/>
-            <a:ext cx="9906000" cy="1447800"/>
-          </a:xfrm>
-        </p:spPr>
-        <p:txBody>
-          <a:bodyPr anchor="t">
-            <a:normAutofit/>
-          </a:bodyPr>
-          <a:lstStyle>
-            <a:lvl1pPr marL="0" indent="0" algn="l">
-              <a:buNone/>
-              <a:defRPr sz="1800">
-                <a:gradFill flip="none" rotWithShape="1">
-                  <a:gsLst>
-                    <a:gs pos="0">
-                      <a:schemeClr val="tx1"/>
-                    </a:gs>
-                    <a:gs pos="100000">
-                      <a:schemeClr val="tx1">
-                        <a:lumMod val="75000"/>
-                      </a:schemeClr>
-                    </a:gs>
-                  </a:gsLst>
-                  <a:lin ang="5400000" scaled="0"/>
-                  <a:tileRect/>
-                </a:gradFill>
-              </a:defRPr>
-            </a:lvl1pPr>
-            <a:lvl2pPr marL="457200" indent="0">
-              <a:buNone/>
-              <a:defRPr sz="1800">
-                <a:solidFill>
-                  <a:schemeClr val="tx1">
-                    <a:tint val="75000"/>
-                  </a:schemeClr>
-                </a:solidFill>
-              </a:defRPr>
-            </a:lvl2pPr>
-            <a:lvl3pPr marL="914400" indent="0">
-              <a:buNone/>
-              <a:defRPr sz="1600">
-                <a:solidFill>
-                  <a:schemeClr val="tx1">
-                    <a:tint val="75000"/>
-                  </a:schemeClr>
-                </a:solidFill>
-              </a:defRPr>
-            </a:lvl3pPr>
-            <a:lvl4pPr marL="1371600" indent="0">
-              <a:buNone/>
-              <a:defRPr sz="1400">
-                <a:solidFill>
-                  <a:schemeClr val="tx1">
-                    <a:tint val="75000"/>
-                  </a:schemeClr>
-                </a:solidFill>
-              </a:defRPr>
-            </a:lvl4pPr>
-            <a:lvl5pPr marL="1828800" indent="0">
-              <a:buNone/>
-              <a:defRPr sz="1400">
-                <a:solidFill>
-                  <a:schemeClr val="tx1">
-                    <a:tint val="75000"/>
-                  </a:schemeClr>
-                </a:solidFill>
-              </a:defRPr>
-            </a:lvl5pPr>
-            <a:lvl6pPr marL="2286000" indent="0">
-              <a:buNone/>
-              <a:defRPr sz="1400">
-                <a:solidFill>
-                  <a:schemeClr val="tx1">
-                    <a:tint val="75000"/>
-                  </a:schemeClr>
-                </a:solidFill>
-              </a:defRPr>
-            </a:lvl6pPr>
-            <a:lvl7pPr marL="2743200" indent="0">
-              <a:buNone/>
-              <a:defRPr sz="1400">
-                <a:solidFill>
-                  <a:schemeClr val="tx1">
-                    <a:tint val="75000"/>
-                  </a:schemeClr>
-                </a:solidFill>
-              </a:defRPr>
-            </a:lvl7pPr>
-            <a:lvl8pPr marL="3200400" indent="0">
-              <a:buNone/>
-              <a:defRPr sz="1400">
-                <a:solidFill>
-                  <a:schemeClr val="tx1">
-                    <a:tint val="75000"/>
-                  </a:schemeClr>
-                </a:solidFill>
-              </a:defRPr>
-            </a:lvl8pPr>
-            <a:lvl9pPr marL="3657600" indent="0">
-              <a:buNone/>
-              <a:defRPr sz="1400">
-                <a:solidFill>
-                  <a:schemeClr val="tx1">
-                    <a:tint val="75000"/>
-                  </a:schemeClr>
-                </a:solidFill>
-              </a:defRPr>
-            </a:lvl9pPr>
-          </a:lstStyle>
-          <a:p>
-            <a:pPr lvl="0"/>
-            <a:r>
-              <a:rPr lang="en-US"/>
-              <a:t>Click to edit Master text styles</a:t>
-            </a:r>
-          </a:p>
-        </p:txBody>
-      </p:sp>
-      <p:sp>
-        <p:nvSpPr>
-          <p:cNvPr id="4" name="Date Placeholder 3"/>
-          <p:cNvSpPr>
-            <a:spLocks noGrp="1"/>
-          </p:cNvSpPr>
-          <p:nvPr>
-            <p:ph type="dt" sz="half" idx="10"/>
-          </p:nvPr>
-        </p:nvSpPr>
-        <p:spPr/>
-        <p:txBody>
-          <a:bodyPr/>
-          <a:lstStyle/>
-          <a:p>
-            <a:fld id="{A41D76B7-B90D-465A-81BB-26E3A1C0CEFD}" type="datetimeFigureOut">
-              <a:rPr lang="en-US" smtClean="0"/>
-              <a:t>7/19/2020</a:t>
-            </a:fld>
-            <a:endParaRPr lang="en-US"/>
-          </a:p>
-        </p:txBody>
-      </p:sp>
-      <p:sp>
-        <p:nvSpPr>
-          <p:cNvPr id="5" name="Footer Placeholder 4"/>
-          <p:cNvSpPr>
-            <a:spLocks noGrp="1"/>
-          </p:cNvSpPr>
-          <p:nvPr>
-            <p:ph type="ftr" sz="quarter" idx="11"/>
-          </p:nvPr>
-        </p:nvSpPr>
-        <p:spPr/>
-        <p:txBody>
-          <a:bodyPr/>
-          <a:lstStyle/>
-          <a:p>
-            <a:endParaRPr lang="en-US"/>
-          </a:p>
-        </p:txBody>
-      </p:sp>
-      <p:sp>
-        <p:nvSpPr>
-          <p:cNvPr id="6" name="Slide Number Placeholder 5"/>
-          <p:cNvSpPr>
-            <a:spLocks noGrp="1"/>
-          </p:cNvSpPr>
-          <p:nvPr>
-            <p:ph type="sldNum" sz="quarter" idx="12"/>
-          </p:nvPr>
-        </p:nvSpPr>
-        <p:spPr/>
-        <p:txBody>
-          <a:bodyPr/>
-          <a:lstStyle/>
-          <a:p>
-            <a:fld id="{5DEBA80B-578A-4600-86AE-31797DBD0142}" type="slidenum">
-              <a:rPr lang="en-US" smtClean="0"/>
-              <a:t>‹#›</a:t>
-            </a:fld>
-            <a:endParaRPr lang="en-US"/>
-          </a:p>
-        </p:txBody>
-      </p:sp>
-    </p:spTree>
-    <p:extLst>
-      <p:ext uri="{BB962C8B-B14F-4D97-AF65-F5344CB8AC3E}">
-        <p14:creationId xmlns:p14="http://schemas.microsoft.com/office/powerpoint/2010/main" val="855969211"/>
-      </p:ext>
-    </p:extLst>
-  </p:cSld>
-  <p:clrMapOvr>
-    <a:masterClrMapping/>
-  </p:clrMapOvr>
-</p:sldLayout>
-</file>
-
-<file path=ppt/slideLayouts/slideLayout16.xml><?xml version="1.0" encoding="utf-8"?>
 <p:sldLayout xmlns:a="http://schemas.openxmlformats.org/drawingml/2006/main" xmlns:r="http://schemas.openxmlformats.org/officeDocument/2006/relationships" xmlns:p="http://schemas.openxmlformats.org/presentationml/2006/main" type="vertTx" preserve="1">
   <p:cSld name="Title and Vertical Text">
     <p:spTree>
@@ -2514,7 +354,13 @@
       </p:grpSpPr>
       <p:sp>
         <p:nvSpPr>
-          <p:cNvPr id="7" name="Title 1"/>
+          <p:cNvPr id="2" name="Title 1">
+            <a:extLst>
+              <a:ext uri="{FF2B5EF4-FFF2-40B4-BE49-F238E27FC236}">
+                <a16:creationId xmlns:a16="http://schemas.microsoft.com/office/drawing/2014/main" id="{EBA6768D-321E-451D-BD8F-34AF079BBB79}"/>
+              </a:ext>
+            </a:extLst>
+          </p:cNvPr>
           <p:cNvSpPr>
             <a:spLocks noGrp="1"/>
           </p:cNvSpPr>
@@ -2522,12 +368,7 @@
             <p:ph type="title"/>
           </p:nvPr>
         </p:nvSpPr>
-        <p:spPr>
-          <a:xfrm>
-            <a:off x="1141413" y="609600"/>
-            <a:ext cx="9905998" cy="1905000"/>
-          </a:xfrm>
-        </p:spPr>
+        <p:spPr/>
         <p:txBody>
           <a:bodyPr/>
           <a:lstStyle/>
@@ -2536,13 +377,18 @@
               <a:rPr lang="en-US"/>
               <a:t>Click to edit Master title style</a:t>
             </a:r>
-            <a:endParaRPr lang="en-US" dirty="0"/>
-          </a:p>
-        </p:txBody>
-      </p:sp>
-      <p:sp>
-        <p:nvSpPr>
-          <p:cNvPr id="3" name="Vertical Text Placeholder 2"/>
+          </a:p>
+        </p:txBody>
+      </p:sp>
+      <p:sp>
+        <p:nvSpPr>
+          <p:cNvPr id="3" name="Vertical Text Placeholder 2">
+            <a:extLst>
+              <a:ext uri="{FF2B5EF4-FFF2-40B4-BE49-F238E27FC236}">
+                <a16:creationId xmlns:a16="http://schemas.microsoft.com/office/drawing/2014/main" id="{151BF909-845F-4822-9C22-8D5166A62310}"/>
+              </a:ext>
+            </a:extLst>
+          </p:cNvPr>
           <p:cNvSpPr>
             <a:spLocks noGrp="1"/>
           </p:cNvSpPr>
@@ -2552,7 +398,7 @@
         </p:nvSpPr>
         <p:spPr/>
         <p:txBody>
-          <a:bodyPr vert="eaVert" anchor="t"/>
+          <a:bodyPr vert="eaVert"/>
           <a:lstStyle/>
           <a:p>
             <a:pPr lvl="0"/>
@@ -2588,13 +434,18 @@
               <a:rPr lang="en-US"/>
               <a:t>Fifth level</a:t>
             </a:r>
-            <a:endParaRPr lang="en-US" dirty="0"/>
-          </a:p>
-        </p:txBody>
-      </p:sp>
-      <p:sp>
-        <p:nvSpPr>
-          <p:cNvPr id="4" name="Date Placeholder 3"/>
+          </a:p>
+        </p:txBody>
+      </p:sp>
+      <p:sp>
+        <p:nvSpPr>
+          <p:cNvPr id="4" name="Date Placeholder 3">
+            <a:extLst>
+              <a:ext uri="{FF2B5EF4-FFF2-40B4-BE49-F238E27FC236}">
+                <a16:creationId xmlns:a16="http://schemas.microsoft.com/office/drawing/2014/main" id="{42BDDFFD-7028-41CB-93E9-6A6D03D98A03}"/>
+              </a:ext>
+            </a:extLst>
+          </p:cNvPr>
           <p:cNvSpPr>
             <a:spLocks noGrp="1"/>
           </p:cNvSpPr>
@@ -2609,7 +460,7 @@
           <a:p>
             <a:fld id="{A41D76B7-B90D-465A-81BB-26E3A1C0CEFD}" type="datetimeFigureOut">
               <a:rPr lang="en-US" smtClean="0"/>
-              <a:t>7/19/2020</a:t>
+              <a:t>7/20/2020</a:t>
             </a:fld>
             <a:endParaRPr lang="en-US"/>
           </a:p>
@@ -2617,7 +468,13 @@
       </p:sp>
       <p:sp>
         <p:nvSpPr>
-          <p:cNvPr id="5" name="Footer Placeholder 4"/>
+          <p:cNvPr id="5" name="Footer Placeholder 4">
+            <a:extLst>
+              <a:ext uri="{FF2B5EF4-FFF2-40B4-BE49-F238E27FC236}">
+                <a16:creationId xmlns:a16="http://schemas.microsoft.com/office/drawing/2014/main" id="{D888179C-FADC-4E5A-B4BE-BB1BFC580761}"/>
+              </a:ext>
+            </a:extLst>
+          </p:cNvPr>
           <p:cNvSpPr>
             <a:spLocks noGrp="1"/>
           </p:cNvSpPr>
@@ -2636,7 +493,13 @@
       </p:sp>
       <p:sp>
         <p:nvSpPr>
-          <p:cNvPr id="6" name="Slide Number Placeholder 5"/>
+          <p:cNvPr id="6" name="Slide Number Placeholder 5">
+            <a:extLst>
+              <a:ext uri="{FF2B5EF4-FFF2-40B4-BE49-F238E27FC236}">
+                <a16:creationId xmlns:a16="http://schemas.microsoft.com/office/drawing/2014/main" id="{486B536A-5BE7-44D7-85B7-0EEEB8FCC893}"/>
+              </a:ext>
+            </a:extLst>
+          </p:cNvPr>
           <p:cNvSpPr>
             <a:spLocks noGrp="1"/>
           </p:cNvSpPr>
@@ -2660,7 +523,7 @@
     </p:spTree>
     <p:extLst>
       <p:ext uri="{BB962C8B-B14F-4D97-AF65-F5344CB8AC3E}">
-        <p14:creationId xmlns:p14="http://schemas.microsoft.com/office/powerpoint/2010/main" val="2524776018"/>
+        <p14:creationId xmlns:p14="http://schemas.microsoft.com/office/powerpoint/2010/main" val="4256179117"/>
       </p:ext>
     </p:extLst>
   </p:cSld>
@@ -2670,7 +533,7 @@
 </p:sldLayout>
 </file>
 
-<file path=ppt/slideLayouts/slideLayout17.xml><?xml version="1.0" encoding="utf-8"?>
+<file path=ppt/slideLayouts/slideLayout11.xml><?xml version="1.0" encoding="utf-8"?>
 <p:sldLayout xmlns:a="http://schemas.openxmlformats.org/drawingml/2006/main" xmlns:r="http://schemas.openxmlformats.org/officeDocument/2006/relationships" xmlns:p="http://schemas.openxmlformats.org/presentationml/2006/main" type="vertTitleAndTx" preserve="1">
   <p:cSld name="Vertical Title and Text">
     <p:spTree>
@@ -2689,7 +552,13 @@
       </p:grpSpPr>
       <p:sp>
         <p:nvSpPr>
-          <p:cNvPr id="2" name="Vertical Title 1"/>
+          <p:cNvPr id="2" name="Vertical Title 1">
+            <a:extLst>
+              <a:ext uri="{FF2B5EF4-FFF2-40B4-BE49-F238E27FC236}">
+                <a16:creationId xmlns:a16="http://schemas.microsoft.com/office/drawing/2014/main" id="{D453F641-C98E-4C03-9513-CEBEE36B04A9}"/>
+              </a:ext>
+            </a:extLst>
+          </p:cNvPr>
           <p:cNvSpPr>
             <a:spLocks noGrp="1"/>
           </p:cNvSpPr>
@@ -2699,8 +568,8 @@
         </p:nvSpPr>
         <p:spPr>
           <a:xfrm>
-            <a:off x="8836898" y="609599"/>
-            <a:ext cx="2210514" cy="5181601"/>
+            <a:off x="8724900" y="365125"/>
+            <a:ext cx="2628900" cy="5811838"/>
           </a:xfrm>
         </p:spPr>
         <p:txBody>
@@ -2711,13 +580,18 @@
               <a:rPr lang="en-US"/>
               <a:t>Click to edit Master title style</a:t>
             </a:r>
-            <a:endParaRPr lang="en-US" dirty="0"/>
-          </a:p>
-        </p:txBody>
-      </p:sp>
-      <p:sp>
-        <p:nvSpPr>
-          <p:cNvPr id="3" name="Vertical Text Placeholder 2"/>
+          </a:p>
+        </p:txBody>
+      </p:sp>
+      <p:sp>
+        <p:nvSpPr>
+          <p:cNvPr id="3" name="Vertical Text Placeholder 2">
+            <a:extLst>
+              <a:ext uri="{FF2B5EF4-FFF2-40B4-BE49-F238E27FC236}">
+                <a16:creationId xmlns:a16="http://schemas.microsoft.com/office/drawing/2014/main" id="{D3075ACE-ACA0-4F33-AB3F-F73D25600391}"/>
+              </a:ext>
+            </a:extLst>
+          </p:cNvPr>
           <p:cNvSpPr>
             <a:spLocks noGrp="1"/>
           </p:cNvSpPr>
@@ -2727,12 +601,12 @@
         </p:nvSpPr>
         <p:spPr>
           <a:xfrm>
-            <a:off x="1141412" y="609600"/>
-            <a:ext cx="7543800" cy="5181600"/>
-          </a:xfrm>
-        </p:spPr>
-        <p:txBody>
-          <a:bodyPr vert="eaVert" anchor="t"/>
+            <a:off x="838200" y="365125"/>
+            <a:ext cx="7734300" cy="5811838"/>
+          </a:xfrm>
+        </p:spPr>
+        <p:txBody>
+          <a:bodyPr vert="eaVert"/>
           <a:lstStyle/>
           <a:p>
             <a:pPr lvl="0"/>
@@ -2768,13 +642,18 @@
               <a:rPr lang="en-US"/>
               <a:t>Fifth level</a:t>
             </a:r>
-            <a:endParaRPr lang="en-US" dirty="0"/>
-          </a:p>
-        </p:txBody>
-      </p:sp>
-      <p:sp>
-        <p:nvSpPr>
-          <p:cNvPr id="4" name="Date Placeholder 3"/>
+          </a:p>
+        </p:txBody>
+      </p:sp>
+      <p:sp>
+        <p:nvSpPr>
+          <p:cNvPr id="4" name="Date Placeholder 3">
+            <a:extLst>
+              <a:ext uri="{FF2B5EF4-FFF2-40B4-BE49-F238E27FC236}">
+                <a16:creationId xmlns:a16="http://schemas.microsoft.com/office/drawing/2014/main" id="{B98BC180-AF85-4413-A806-AA9325CA6232}"/>
+              </a:ext>
+            </a:extLst>
+          </p:cNvPr>
           <p:cNvSpPr>
             <a:spLocks noGrp="1"/>
           </p:cNvSpPr>
@@ -2789,7 +668,7 @@
           <a:p>
             <a:fld id="{A41D76B7-B90D-465A-81BB-26E3A1C0CEFD}" type="datetimeFigureOut">
               <a:rPr lang="en-US" smtClean="0"/>
-              <a:t>7/19/2020</a:t>
+              <a:t>7/20/2020</a:t>
             </a:fld>
             <a:endParaRPr lang="en-US"/>
           </a:p>
@@ -2797,7 +676,13 @@
       </p:sp>
       <p:sp>
         <p:nvSpPr>
-          <p:cNvPr id="5" name="Footer Placeholder 4"/>
+          <p:cNvPr id="5" name="Footer Placeholder 4">
+            <a:extLst>
+              <a:ext uri="{FF2B5EF4-FFF2-40B4-BE49-F238E27FC236}">
+                <a16:creationId xmlns:a16="http://schemas.microsoft.com/office/drawing/2014/main" id="{9C2B3207-626D-464B-9484-842304F85C7B}"/>
+              </a:ext>
+            </a:extLst>
+          </p:cNvPr>
           <p:cNvSpPr>
             <a:spLocks noGrp="1"/>
           </p:cNvSpPr>
@@ -2816,7 +701,13 @@
       </p:sp>
       <p:sp>
         <p:nvSpPr>
-          <p:cNvPr id="6" name="Slide Number Placeholder 5"/>
+          <p:cNvPr id="6" name="Slide Number Placeholder 5">
+            <a:extLst>
+              <a:ext uri="{FF2B5EF4-FFF2-40B4-BE49-F238E27FC236}">
+                <a16:creationId xmlns:a16="http://schemas.microsoft.com/office/drawing/2014/main" id="{971D3E4E-A5A5-4342-91B6-66A50144D3F9}"/>
+              </a:ext>
+            </a:extLst>
+          </p:cNvPr>
           <p:cNvSpPr>
             <a:spLocks noGrp="1"/>
           </p:cNvSpPr>
@@ -2840,7 +731,7 @@
     </p:spTree>
     <p:extLst>
       <p:ext uri="{BB962C8B-B14F-4D97-AF65-F5344CB8AC3E}">
-        <p14:creationId xmlns:p14="http://schemas.microsoft.com/office/powerpoint/2010/main" val="289559622"/>
+        <p14:creationId xmlns:p14="http://schemas.microsoft.com/office/powerpoint/2010/main" val="978885028"/>
       </p:ext>
     </p:extLst>
   </p:cSld>
@@ -2869,7 +760,13 @@
       </p:grpSpPr>
       <p:sp>
         <p:nvSpPr>
-          <p:cNvPr id="2" name="Title 1"/>
+          <p:cNvPr id="2" name="Title 1">
+            <a:extLst>
+              <a:ext uri="{FF2B5EF4-FFF2-40B4-BE49-F238E27FC236}">
+                <a16:creationId xmlns:a16="http://schemas.microsoft.com/office/drawing/2014/main" id="{99ACD759-575C-42AA-9653-0F8DF00E8834}"/>
+              </a:ext>
+            </a:extLst>
+          </p:cNvPr>
           <p:cNvSpPr>
             <a:spLocks noGrp="1"/>
           </p:cNvSpPr>
@@ -2886,13 +783,18 @@
               <a:rPr lang="en-US"/>
               <a:t>Click to edit Master title style</a:t>
             </a:r>
-            <a:endParaRPr lang="en-US" dirty="0"/>
-          </a:p>
-        </p:txBody>
-      </p:sp>
-      <p:sp>
-        <p:nvSpPr>
-          <p:cNvPr id="3" name="Content Placeholder 2"/>
+          </a:p>
+        </p:txBody>
+      </p:sp>
+      <p:sp>
+        <p:nvSpPr>
+          <p:cNvPr id="3" name="Content Placeholder 2">
+            <a:extLst>
+              <a:ext uri="{FF2B5EF4-FFF2-40B4-BE49-F238E27FC236}">
+                <a16:creationId xmlns:a16="http://schemas.microsoft.com/office/drawing/2014/main" id="{381F9C58-CE0F-44DC-81D8-D944C06637C8}"/>
+              </a:ext>
+            </a:extLst>
+          </p:cNvPr>
           <p:cNvSpPr>
             <a:spLocks noGrp="1"/>
           </p:cNvSpPr>
@@ -2902,7 +804,7 @@
         </p:nvSpPr>
         <p:spPr/>
         <p:txBody>
-          <a:bodyPr anchor="ctr"/>
+          <a:bodyPr/>
           <a:lstStyle/>
           <a:p>
             <a:pPr lvl="0"/>
@@ -2938,13 +840,18 @@
               <a:rPr lang="en-US"/>
               <a:t>Fifth level</a:t>
             </a:r>
-            <a:endParaRPr lang="en-US" dirty="0"/>
-          </a:p>
-        </p:txBody>
-      </p:sp>
-      <p:sp>
-        <p:nvSpPr>
-          <p:cNvPr id="4" name="Date Placeholder 3"/>
+          </a:p>
+        </p:txBody>
+      </p:sp>
+      <p:sp>
+        <p:nvSpPr>
+          <p:cNvPr id="4" name="Date Placeholder 3">
+            <a:extLst>
+              <a:ext uri="{FF2B5EF4-FFF2-40B4-BE49-F238E27FC236}">
+                <a16:creationId xmlns:a16="http://schemas.microsoft.com/office/drawing/2014/main" id="{27D6AB65-CAD9-4B38-830F-D4BF684D7337}"/>
+              </a:ext>
+            </a:extLst>
+          </p:cNvPr>
           <p:cNvSpPr>
             <a:spLocks noGrp="1"/>
           </p:cNvSpPr>
@@ -2959,7 +866,7 @@
           <a:p>
             <a:fld id="{A41D76B7-B90D-465A-81BB-26E3A1C0CEFD}" type="datetimeFigureOut">
               <a:rPr lang="en-US" smtClean="0"/>
-              <a:t>7/19/2020</a:t>
+              <a:t>7/20/2020</a:t>
             </a:fld>
             <a:endParaRPr lang="en-US"/>
           </a:p>
@@ -2967,7 +874,13 @@
       </p:sp>
       <p:sp>
         <p:nvSpPr>
-          <p:cNvPr id="5" name="Footer Placeholder 4"/>
+          <p:cNvPr id="5" name="Footer Placeholder 4">
+            <a:extLst>
+              <a:ext uri="{FF2B5EF4-FFF2-40B4-BE49-F238E27FC236}">
+                <a16:creationId xmlns:a16="http://schemas.microsoft.com/office/drawing/2014/main" id="{731506EF-B89E-40F1-8CFD-3AAE212F4978}"/>
+              </a:ext>
+            </a:extLst>
+          </p:cNvPr>
           <p:cNvSpPr>
             <a:spLocks noGrp="1"/>
           </p:cNvSpPr>
@@ -2986,7 +899,13 @@
       </p:sp>
       <p:sp>
         <p:nvSpPr>
-          <p:cNvPr id="6" name="Slide Number Placeholder 5"/>
+          <p:cNvPr id="6" name="Slide Number Placeholder 5">
+            <a:extLst>
+              <a:ext uri="{FF2B5EF4-FFF2-40B4-BE49-F238E27FC236}">
+                <a16:creationId xmlns:a16="http://schemas.microsoft.com/office/drawing/2014/main" id="{BBE14A06-A981-4849-8F65-AA84E1D71FC0}"/>
+              </a:ext>
+            </a:extLst>
+          </p:cNvPr>
           <p:cNvSpPr>
             <a:spLocks noGrp="1"/>
           </p:cNvSpPr>
@@ -3010,7 +929,7 @@
     </p:spTree>
     <p:extLst>
       <p:ext uri="{BB962C8B-B14F-4D97-AF65-F5344CB8AC3E}">
-        <p14:creationId xmlns:p14="http://schemas.microsoft.com/office/powerpoint/2010/main" val="740132077"/>
+        <p14:creationId xmlns:p14="http://schemas.microsoft.com/office/powerpoint/2010/main" val="2381154430"/>
       </p:ext>
     </p:extLst>
   </p:cSld>
@@ -3039,7 +958,13 @@
       </p:grpSpPr>
       <p:sp>
         <p:nvSpPr>
-          <p:cNvPr id="2" name="Title 1"/>
+          <p:cNvPr id="2" name="Title 1">
+            <a:extLst>
+              <a:ext uri="{FF2B5EF4-FFF2-40B4-BE49-F238E27FC236}">
+                <a16:creationId xmlns:a16="http://schemas.microsoft.com/office/drawing/2014/main" id="{F8D04EC7-2B57-4722-B1CE-88831ADABED5}"/>
+              </a:ext>
+            </a:extLst>
+          </p:cNvPr>
           <p:cNvSpPr>
             <a:spLocks noGrp="1"/>
           </p:cNvSpPr>
@@ -3049,15 +974,15 @@
         </p:nvSpPr>
         <p:spPr>
           <a:xfrm>
-            <a:off x="1751013" y="3308581"/>
-            <a:ext cx="8686800" cy="1468800"/>
+            <a:off x="831850" y="1709738"/>
+            <a:ext cx="10515600" cy="2852737"/>
           </a:xfrm>
         </p:spPr>
         <p:txBody>
           <a:bodyPr anchor="b"/>
           <a:lstStyle>
-            <a:lvl1pPr algn="r">
-              <a:defRPr sz="4000" b="0" cap="all"/>
+            <a:lvl1pPr>
+              <a:defRPr sz="6000"/>
             </a:lvl1pPr>
           </a:lstStyle>
           <a:p>
@@ -3065,13 +990,18 @@
               <a:rPr lang="en-US"/>
               <a:t>Click to edit Master title style</a:t>
             </a:r>
-            <a:endParaRPr lang="en-US" dirty="0"/>
-          </a:p>
-        </p:txBody>
-      </p:sp>
-      <p:sp>
-        <p:nvSpPr>
-          <p:cNvPr id="3" name="Text Placeholder 2"/>
+          </a:p>
+        </p:txBody>
+      </p:sp>
+      <p:sp>
+        <p:nvSpPr>
+          <p:cNvPr id="3" name="Text Placeholder 2">
+            <a:extLst>
+              <a:ext uri="{FF2B5EF4-FFF2-40B4-BE49-F238E27FC236}">
+                <a16:creationId xmlns:a16="http://schemas.microsoft.com/office/drawing/2014/main" id="{7B6B45C0-C713-46EE-A4DA-F1ADCA0A0A4E}"/>
+              </a:ext>
+            </a:extLst>
+          </p:cNvPr>
           <p:cNvSpPr>
             <a:spLocks noGrp="1"/>
           </p:cNvSpPr>
@@ -3081,37 +1011,26 @@
         </p:nvSpPr>
         <p:spPr>
           <a:xfrm>
-            <a:off x="1751011" y="4777381"/>
-            <a:ext cx="8686801" cy="860400"/>
-          </a:xfrm>
-        </p:spPr>
-        <p:txBody>
-          <a:bodyPr anchor="t">
-            <a:normAutofit/>
-          </a:bodyPr>
+            <a:off x="831850" y="4589463"/>
+            <a:ext cx="10515600" cy="1500187"/>
+          </a:xfrm>
+        </p:spPr>
+        <p:txBody>
+          <a:bodyPr/>
           <a:lstStyle>
-            <a:lvl1pPr marL="0" indent="0" algn="r">
+            <a:lvl1pPr marL="0" indent="0">
               <a:buNone/>
-              <a:defRPr sz="2000">
-                <a:gradFill flip="none" rotWithShape="1">
-                  <a:gsLst>
-                    <a:gs pos="0">
-                      <a:schemeClr val="tx1"/>
-                    </a:gs>
-                    <a:gs pos="100000">
-                      <a:schemeClr val="tx1">
-                        <a:lumMod val="75000"/>
-                      </a:schemeClr>
-                    </a:gs>
-                  </a:gsLst>
-                  <a:lin ang="5400000" scaled="0"/>
-                  <a:tileRect/>
-                </a:gradFill>
+              <a:defRPr sz="2400">
+                <a:solidFill>
+                  <a:schemeClr val="tx1">
+                    <a:tint val="75000"/>
+                  </a:schemeClr>
+                </a:solidFill>
               </a:defRPr>
             </a:lvl1pPr>
             <a:lvl2pPr marL="457200" indent="0">
               <a:buNone/>
-              <a:defRPr sz="1800">
+              <a:defRPr sz="2000">
                 <a:solidFill>
                   <a:schemeClr val="tx1">
                     <a:tint val="75000"/>
@@ -3121,7 +1040,7 @@
             </a:lvl2pPr>
             <a:lvl3pPr marL="914400" indent="0">
               <a:buNone/>
-              <a:defRPr sz="1600">
+              <a:defRPr sz="1800">
                 <a:solidFill>
                   <a:schemeClr val="tx1">
                     <a:tint val="75000"/>
@@ -3131,7 +1050,7 @@
             </a:lvl3pPr>
             <a:lvl4pPr marL="1371600" indent="0">
               <a:buNone/>
-              <a:defRPr sz="1400">
+              <a:defRPr sz="1600">
                 <a:solidFill>
                   <a:schemeClr val="tx1">
                     <a:tint val="75000"/>
@@ -3141,7 +1060,7 @@
             </a:lvl4pPr>
             <a:lvl5pPr marL="1828800" indent="0">
               <a:buNone/>
-              <a:defRPr sz="1400">
+              <a:defRPr sz="1600">
                 <a:solidFill>
                   <a:schemeClr val="tx1">
                     <a:tint val="75000"/>
@@ -3151,7 +1070,7 @@
             </a:lvl5pPr>
             <a:lvl6pPr marL="2286000" indent="0">
               <a:buNone/>
-              <a:defRPr sz="1400">
+              <a:defRPr sz="1600">
                 <a:solidFill>
                   <a:schemeClr val="tx1">
                     <a:tint val="75000"/>
@@ -3161,7 +1080,7 @@
             </a:lvl6pPr>
             <a:lvl7pPr marL="2743200" indent="0">
               <a:buNone/>
-              <a:defRPr sz="1400">
+              <a:defRPr sz="1600">
                 <a:solidFill>
                   <a:schemeClr val="tx1">
                     <a:tint val="75000"/>
@@ -3171,7 +1090,7 @@
             </a:lvl7pPr>
             <a:lvl8pPr marL="3200400" indent="0">
               <a:buNone/>
-              <a:defRPr sz="1400">
+              <a:defRPr sz="1600">
                 <a:solidFill>
                   <a:schemeClr val="tx1">
                     <a:tint val="75000"/>
@@ -3181,7 +1100,7 @@
             </a:lvl8pPr>
             <a:lvl9pPr marL="3657600" indent="0">
               <a:buNone/>
-              <a:defRPr sz="1400">
+              <a:defRPr sz="1600">
                 <a:solidFill>
                   <a:schemeClr val="tx1">
                     <a:tint val="75000"/>
@@ -3201,7 +1120,13 @@
       </p:sp>
       <p:sp>
         <p:nvSpPr>
-          <p:cNvPr id="4" name="Date Placeholder 3"/>
+          <p:cNvPr id="4" name="Date Placeholder 3">
+            <a:extLst>
+              <a:ext uri="{FF2B5EF4-FFF2-40B4-BE49-F238E27FC236}">
+                <a16:creationId xmlns:a16="http://schemas.microsoft.com/office/drawing/2014/main" id="{A59CF760-4B77-4236-9D6C-CBA2815C64BA}"/>
+              </a:ext>
+            </a:extLst>
+          </p:cNvPr>
           <p:cNvSpPr>
             <a:spLocks noGrp="1"/>
           </p:cNvSpPr>
@@ -3216,7 +1141,7 @@
           <a:p>
             <a:fld id="{A41D76B7-B90D-465A-81BB-26E3A1C0CEFD}" type="datetimeFigureOut">
               <a:rPr lang="en-US" smtClean="0"/>
-              <a:t>7/19/2020</a:t>
+              <a:t>7/20/2020</a:t>
             </a:fld>
             <a:endParaRPr lang="en-US"/>
           </a:p>
@@ -3224,7 +1149,13 @@
       </p:sp>
       <p:sp>
         <p:nvSpPr>
-          <p:cNvPr id="5" name="Footer Placeholder 4"/>
+          <p:cNvPr id="5" name="Footer Placeholder 4">
+            <a:extLst>
+              <a:ext uri="{FF2B5EF4-FFF2-40B4-BE49-F238E27FC236}">
+                <a16:creationId xmlns:a16="http://schemas.microsoft.com/office/drawing/2014/main" id="{7CA8BAC2-C8DD-4F4E-BC31-C5983DF2B2F1}"/>
+              </a:ext>
+            </a:extLst>
+          </p:cNvPr>
           <p:cNvSpPr>
             <a:spLocks noGrp="1"/>
           </p:cNvSpPr>
@@ -3243,7 +1174,13 @@
       </p:sp>
       <p:sp>
         <p:nvSpPr>
-          <p:cNvPr id="6" name="Slide Number Placeholder 5"/>
+          <p:cNvPr id="6" name="Slide Number Placeholder 5">
+            <a:extLst>
+              <a:ext uri="{FF2B5EF4-FFF2-40B4-BE49-F238E27FC236}">
+                <a16:creationId xmlns:a16="http://schemas.microsoft.com/office/drawing/2014/main" id="{1BFDE67A-7E4C-4EE0-971B-EACE80CDD062}"/>
+              </a:ext>
+            </a:extLst>
+          </p:cNvPr>
           <p:cNvSpPr>
             <a:spLocks noGrp="1"/>
           </p:cNvSpPr>
@@ -3267,7 +1204,7 @@
     </p:spTree>
     <p:extLst>
       <p:ext uri="{BB962C8B-B14F-4D97-AF65-F5344CB8AC3E}">
-        <p14:creationId xmlns:p14="http://schemas.microsoft.com/office/powerpoint/2010/main" val="2969417246"/>
+        <p14:creationId xmlns:p14="http://schemas.microsoft.com/office/powerpoint/2010/main" val="4044530452"/>
       </p:ext>
     </p:extLst>
   </p:cSld>
@@ -3296,7 +1233,13 @@
       </p:grpSpPr>
       <p:sp>
         <p:nvSpPr>
-          <p:cNvPr id="2" name="Title 1"/>
+          <p:cNvPr id="2" name="Title 1">
+            <a:extLst>
+              <a:ext uri="{FF2B5EF4-FFF2-40B4-BE49-F238E27FC236}">
+                <a16:creationId xmlns:a16="http://schemas.microsoft.com/office/drawing/2014/main" id="{2B4B663E-515D-40E6-BC0A-807FEAFC2A04}"/>
+              </a:ext>
+            </a:extLst>
+          </p:cNvPr>
           <p:cNvSpPr>
             <a:spLocks noGrp="1"/>
           </p:cNvSpPr>
@@ -3313,13 +1256,18 @@
               <a:rPr lang="en-US"/>
               <a:t>Click to edit Master title style</a:t>
             </a:r>
-            <a:endParaRPr lang="en-US" dirty="0"/>
-          </a:p>
-        </p:txBody>
-      </p:sp>
-      <p:sp>
-        <p:nvSpPr>
-          <p:cNvPr id="3" name="Content Placeholder 2"/>
+          </a:p>
+        </p:txBody>
+      </p:sp>
+      <p:sp>
+        <p:nvSpPr>
+          <p:cNvPr id="3" name="Content Placeholder 2">
+            <a:extLst>
+              <a:ext uri="{FF2B5EF4-FFF2-40B4-BE49-F238E27FC236}">
+                <a16:creationId xmlns:a16="http://schemas.microsoft.com/office/drawing/2014/main" id="{2BF641C2-5C5F-443A-9604-9DF115836CEF}"/>
+              </a:ext>
+            </a:extLst>
+          </p:cNvPr>
           <p:cNvSpPr>
             <a:spLocks noGrp="1"/>
           </p:cNvSpPr>
@@ -3329,43 +1277,13 @@
         </p:nvSpPr>
         <p:spPr>
           <a:xfrm>
-            <a:off x="1141412" y="2666999"/>
-            <a:ext cx="4876800" cy="3124201"/>
-          </a:xfrm>
-        </p:spPr>
-        <p:txBody>
-          <a:bodyPr>
-            <a:normAutofit/>
-          </a:bodyPr>
-          <a:lstStyle>
-            <a:lvl1pPr>
-              <a:defRPr sz="1800"/>
-            </a:lvl1pPr>
-            <a:lvl2pPr>
-              <a:defRPr sz="1600"/>
-            </a:lvl2pPr>
-            <a:lvl3pPr>
-              <a:defRPr sz="1400"/>
-            </a:lvl3pPr>
-            <a:lvl4pPr>
-              <a:defRPr sz="1200"/>
-            </a:lvl4pPr>
-            <a:lvl5pPr>
-              <a:defRPr sz="1200"/>
-            </a:lvl5pPr>
-            <a:lvl6pPr>
-              <a:defRPr sz="1200"/>
-            </a:lvl6pPr>
-            <a:lvl7pPr>
-              <a:defRPr sz="1200"/>
-            </a:lvl7pPr>
-            <a:lvl8pPr>
-              <a:defRPr sz="1200"/>
-            </a:lvl8pPr>
-            <a:lvl9pPr>
-              <a:defRPr sz="1200"/>
-            </a:lvl9pPr>
-          </a:lstStyle>
+            <a:off x="838200" y="1825625"/>
+            <a:ext cx="5181600" cy="4351338"/>
+          </a:xfrm>
+        </p:spPr>
+        <p:txBody>
+          <a:bodyPr/>
+          <a:lstStyle/>
           <a:p>
             <a:pPr lvl="0"/>
             <a:r>
@@ -3400,13 +1318,18 @@
               <a:rPr lang="en-US"/>
               <a:t>Fifth level</a:t>
             </a:r>
-            <a:endParaRPr lang="en-US" dirty="0"/>
-          </a:p>
-        </p:txBody>
-      </p:sp>
-      <p:sp>
-        <p:nvSpPr>
-          <p:cNvPr id="4" name="Content Placeholder 3"/>
+          </a:p>
+        </p:txBody>
+      </p:sp>
+      <p:sp>
+        <p:nvSpPr>
+          <p:cNvPr id="4" name="Content Placeholder 3">
+            <a:extLst>
+              <a:ext uri="{FF2B5EF4-FFF2-40B4-BE49-F238E27FC236}">
+                <a16:creationId xmlns:a16="http://schemas.microsoft.com/office/drawing/2014/main" id="{DD35983E-F483-4981-94ED-0FCC6BB9BCFA}"/>
+              </a:ext>
+            </a:extLst>
+          </p:cNvPr>
           <p:cNvSpPr>
             <a:spLocks noGrp="1"/>
           </p:cNvSpPr>
@@ -3416,43 +1339,13 @@
         </p:nvSpPr>
         <p:spPr>
           <a:xfrm>
-            <a:off x="6170612" y="2667000"/>
-            <a:ext cx="4876800" cy="3124200"/>
-          </a:xfrm>
-        </p:spPr>
-        <p:txBody>
-          <a:bodyPr>
-            <a:normAutofit/>
-          </a:bodyPr>
-          <a:lstStyle>
-            <a:lvl1pPr>
-              <a:defRPr sz="1800"/>
-            </a:lvl1pPr>
-            <a:lvl2pPr>
-              <a:defRPr sz="1600"/>
-            </a:lvl2pPr>
-            <a:lvl3pPr>
-              <a:defRPr sz="1400"/>
-            </a:lvl3pPr>
-            <a:lvl4pPr>
-              <a:defRPr sz="1200"/>
-            </a:lvl4pPr>
-            <a:lvl5pPr>
-              <a:defRPr sz="1200"/>
-            </a:lvl5pPr>
-            <a:lvl6pPr>
-              <a:defRPr sz="1200"/>
-            </a:lvl6pPr>
-            <a:lvl7pPr>
-              <a:defRPr sz="1200"/>
-            </a:lvl7pPr>
-            <a:lvl8pPr>
-              <a:defRPr sz="1200"/>
-            </a:lvl8pPr>
-            <a:lvl9pPr>
-              <a:defRPr sz="1200"/>
-            </a:lvl9pPr>
-          </a:lstStyle>
+            <a:off x="6172200" y="1825625"/>
+            <a:ext cx="5181600" cy="4351338"/>
+          </a:xfrm>
+        </p:spPr>
+        <p:txBody>
+          <a:bodyPr/>
+          <a:lstStyle/>
           <a:p>
             <a:pPr lvl="0"/>
             <a:r>
@@ -3487,13 +1380,18 @@
               <a:rPr lang="en-US"/>
               <a:t>Fifth level</a:t>
             </a:r>
-            <a:endParaRPr lang="en-US" dirty="0"/>
-          </a:p>
-        </p:txBody>
-      </p:sp>
-      <p:sp>
-        <p:nvSpPr>
-          <p:cNvPr id="5" name="Date Placeholder 4"/>
+          </a:p>
+        </p:txBody>
+      </p:sp>
+      <p:sp>
+        <p:nvSpPr>
+          <p:cNvPr id="5" name="Date Placeholder 4">
+            <a:extLst>
+              <a:ext uri="{FF2B5EF4-FFF2-40B4-BE49-F238E27FC236}">
+                <a16:creationId xmlns:a16="http://schemas.microsoft.com/office/drawing/2014/main" id="{496FB255-A44F-4A99-AF79-8B6EBEBF305E}"/>
+              </a:ext>
+            </a:extLst>
+          </p:cNvPr>
           <p:cNvSpPr>
             <a:spLocks noGrp="1"/>
           </p:cNvSpPr>
@@ -3508,7 +1406,7 @@
           <a:p>
             <a:fld id="{A41D76B7-B90D-465A-81BB-26E3A1C0CEFD}" type="datetimeFigureOut">
               <a:rPr lang="en-US" smtClean="0"/>
-              <a:t>7/19/2020</a:t>
+              <a:t>7/20/2020</a:t>
             </a:fld>
             <a:endParaRPr lang="en-US"/>
           </a:p>
@@ -3516,7 +1414,13 @@
       </p:sp>
       <p:sp>
         <p:nvSpPr>
-          <p:cNvPr id="6" name="Footer Placeholder 5"/>
+          <p:cNvPr id="6" name="Footer Placeholder 5">
+            <a:extLst>
+              <a:ext uri="{FF2B5EF4-FFF2-40B4-BE49-F238E27FC236}">
+                <a16:creationId xmlns:a16="http://schemas.microsoft.com/office/drawing/2014/main" id="{3493B962-BC87-4518-8D35-4D57B24CD147}"/>
+              </a:ext>
+            </a:extLst>
+          </p:cNvPr>
           <p:cNvSpPr>
             <a:spLocks noGrp="1"/>
           </p:cNvSpPr>
@@ -3535,7 +1439,13 @@
       </p:sp>
       <p:sp>
         <p:nvSpPr>
-          <p:cNvPr id="7" name="Slide Number Placeholder 6"/>
+          <p:cNvPr id="7" name="Slide Number Placeholder 6">
+            <a:extLst>
+              <a:ext uri="{FF2B5EF4-FFF2-40B4-BE49-F238E27FC236}">
+                <a16:creationId xmlns:a16="http://schemas.microsoft.com/office/drawing/2014/main" id="{88485B77-C2F0-46DB-AAB0-FAEDBC1EDE64}"/>
+              </a:ext>
+            </a:extLst>
+          </p:cNvPr>
           <p:cNvSpPr>
             <a:spLocks noGrp="1"/>
           </p:cNvSpPr>
@@ -3559,7 +1469,7 @@
     </p:spTree>
     <p:extLst>
       <p:ext uri="{BB962C8B-B14F-4D97-AF65-F5344CB8AC3E}">
-        <p14:creationId xmlns:p14="http://schemas.microsoft.com/office/powerpoint/2010/main" val="84894625"/>
+        <p14:creationId xmlns:p14="http://schemas.microsoft.com/office/powerpoint/2010/main" val="4066254165"/>
       </p:ext>
     </p:extLst>
   </p:cSld>
@@ -3588,7 +1498,13 @@
       </p:grpSpPr>
       <p:sp>
         <p:nvSpPr>
-          <p:cNvPr id="2" name="Title 1"/>
+          <p:cNvPr id="2" name="Title 1">
+            <a:extLst>
+              <a:ext uri="{FF2B5EF4-FFF2-40B4-BE49-F238E27FC236}">
+                <a16:creationId xmlns:a16="http://schemas.microsoft.com/office/drawing/2014/main" id="{C3F40F94-665C-4248-BC0E-7FAA7763AF45}"/>
+              </a:ext>
+            </a:extLst>
+          </p:cNvPr>
           <p:cNvSpPr>
             <a:spLocks noGrp="1"/>
           </p:cNvSpPr>
@@ -3596,26 +1512,32 @@
             <p:ph type="title"/>
           </p:nvPr>
         </p:nvSpPr>
-        <p:spPr/>
+        <p:spPr>
+          <a:xfrm>
+            <a:off x="839788" y="365125"/>
+            <a:ext cx="10515600" cy="1325563"/>
+          </a:xfrm>
+        </p:spPr>
         <p:txBody>
           <a:bodyPr/>
-          <a:lstStyle>
-            <a:lvl1pPr>
-              <a:defRPr/>
-            </a:lvl1pPr>
-          </a:lstStyle>
+          <a:lstStyle/>
           <a:p>
             <a:r>
               <a:rPr lang="en-US"/>
               <a:t>Click to edit Master title style</a:t>
             </a:r>
-            <a:endParaRPr lang="en-US" dirty="0"/>
-          </a:p>
-        </p:txBody>
-      </p:sp>
-      <p:sp>
-        <p:nvSpPr>
-          <p:cNvPr id="3" name="Text Placeholder 2"/>
+          </a:p>
+        </p:txBody>
+      </p:sp>
+      <p:sp>
+        <p:nvSpPr>
+          <p:cNvPr id="3" name="Text Placeholder 2">
+            <a:extLst>
+              <a:ext uri="{FF2B5EF4-FFF2-40B4-BE49-F238E27FC236}">
+                <a16:creationId xmlns:a16="http://schemas.microsoft.com/office/drawing/2014/main" id="{AD001A58-2AAA-4422-B1F7-180FFFFAD8C5}"/>
+              </a:ext>
+            </a:extLst>
+          </p:cNvPr>
           <p:cNvSpPr>
             <a:spLocks noGrp="1"/>
           </p:cNvSpPr>
@@ -3625,18 +1547,16 @@
         </p:nvSpPr>
         <p:spPr>
           <a:xfrm>
-            <a:off x="1429280" y="2658533"/>
-            <a:ext cx="4588931" cy="576262"/>
-          </a:xfrm>
-        </p:spPr>
-        <p:txBody>
-          <a:bodyPr anchor="b">
-            <a:noAutofit/>
-          </a:bodyPr>
+            <a:off x="839788" y="1681163"/>
+            <a:ext cx="5157787" cy="823912"/>
+          </a:xfrm>
+        </p:spPr>
+        <p:txBody>
+          <a:bodyPr anchor="b"/>
           <a:lstStyle>
             <a:lvl1pPr marL="0" indent="0">
               <a:buNone/>
-              <a:defRPr sz="2800" b="0"/>
+              <a:defRPr sz="2400" b="1"/>
             </a:lvl1pPr>
             <a:lvl2pPr marL="457200" indent="0">
               <a:buNone/>
@@ -3682,7 +1602,13 @@
       </p:sp>
       <p:sp>
         <p:nvSpPr>
-          <p:cNvPr id="4" name="Content Placeholder 3"/>
+          <p:cNvPr id="4" name="Content Placeholder 3">
+            <a:extLst>
+              <a:ext uri="{FF2B5EF4-FFF2-40B4-BE49-F238E27FC236}">
+                <a16:creationId xmlns:a16="http://schemas.microsoft.com/office/drawing/2014/main" id="{75076562-A7DE-4D93-A5F7-1D6F7AD46D21}"/>
+              </a:ext>
+            </a:extLst>
+          </p:cNvPr>
           <p:cNvSpPr>
             <a:spLocks noGrp="1"/>
           </p:cNvSpPr>
@@ -3692,43 +1618,13 @@
         </p:nvSpPr>
         <p:spPr>
           <a:xfrm>
-            <a:off x="1141412" y="3243262"/>
-            <a:ext cx="4876800" cy="2547937"/>
-          </a:xfrm>
-        </p:spPr>
-        <p:txBody>
-          <a:bodyPr anchor="t">
-            <a:normAutofit/>
-          </a:bodyPr>
-          <a:lstStyle>
-            <a:lvl1pPr>
-              <a:defRPr sz="1800"/>
-            </a:lvl1pPr>
-            <a:lvl2pPr>
-              <a:defRPr sz="1600"/>
-            </a:lvl2pPr>
-            <a:lvl3pPr>
-              <a:defRPr sz="1400"/>
-            </a:lvl3pPr>
-            <a:lvl4pPr>
-              <a:defRPr sz="1200"/>
-            </a:lvl4pPr>
-            <a:lvl5pPr>
-              <a:defRPr sz="1200"/>
-            </a:lvl5pPr>
-            <a:lvl6pPr>
-              <a:defRPr sz="1200"/>
-            </a:lvl6pPr>
-            <a:lvl7pPr>
-              <a:defRPr sz="1200"/>
-            </a:lvl7pPr>
-            <a:lvl8pPr>
-              <a:defRPr sz="1200"/>
-            </a:lvl8pPr>
-            <a:lvl9pPr>
-              <a:defRPr sz="1200"/>
-            </a:lvl9pPr>
-          </a:lstStyle>
+            <a:off x="839788" y="2505075"/>
+            <a:ext cx="5157787" cy="3684588"/>
+          </a:xfrm>
+        </p:spPr>
+        <p:txBody>
+          <a:bodyPr/>
+          <a:lstStyle/>
           <a:p>
             <a:pPr lvl="0"/>
             <a:r>
@@ -3763,13 +1659,18 @@
               <a:rPr lang="en-US"/>
               <a:t>Fifth level</a:t>
             </a:r>
-            <a:endParaRPr lang="en-US" dirty="0"/>
-          </a:p>
-        </p:txBody>
-      </p:sp>
-      <p:sp>
-        <p:nvSpPr>
-          <p:cNvPr id="5" name="Text Placeholder 4"/>
+          </a:p>
+        </p:txBody>
+      </p:sp>
+      <p:sp>
+        <p:nvSpPr>
+          <p:cNvPr id="5" name="Text Placeholder 4">
+            <a:extLst>
+              <a:ext uri="{FF2B5EF4-FFF2-40B4-BE49-F238E27FC236}">
+                <a16:creationId xmlns:a16="http://schemas.microsoft.com/office/drawing/2014/main" id="{19CFAD46-5E5B-4B68-9672-E7C72E2A8C5E}"/>
+              </a:ext>
+            </a:extLst>
+          </p:cNvPr>
           <p:cNvSpPr>
             <a:spLocks noGrp="1"/>
           </p:cNvSpPr>
@@ -3779,18 +1680,16 @@
         </p:nvSpPr>
         <p:spPr>
           <a:xfrm>
-            <a:off x="6443133" y="2667000"/>
-            <a:ext cx="4604280" cy="576262"/>
-          </a:xfrm>
-        </p:spPr>
-        <p:txBody>
-          <a:bodyPr anchor="b">
-            <a:noAutofit/>
-          </a:bodyPr>
+            <a:off x="6172200" y="1681163"/>
+            <a:ext cx="5183188" cy="823912"/>
+          </a:xfrm>
+        </p:spPr>
+        <p:txBody>
+          <a:bodyPr anchor="b"/>
           <a:lstStyle>
             <a:lvl1pPr marL="0" indent="0">
               <a:buNone/>
-              <a:defRPr sz="2800" b="0"/>
+              <a:defRPr sz="2400" b="1"/>
             </a:lvl1pPr>
             <a:lvl2pPr marL="457200" indent="0">
               <a:buNone/>
@@ -3836,7 +1735,13 @@
       </p:sp>
       <p:sp>
         <p:nvSpPr>
-          <p:cNvPr id="6" name="Content Placeholder 5"/>
+          <p:cNvPr id="6" name="Content Placeholder 5">
+            <a:extLst>
+              <a:ext uri="{FF2B5EF4-FFF2-40B4-BE49-F238E27FC236}">
+                <a16:creationId xmlns:a16="http://schemas.microsoft.com/office/drawing/2014/main" id="{F335FC6D-3466-4FDB-89E7-324B59222A47}"/>
+              </a:ext>
+            </a:extLst>
+          </p:cNvPr>
           <p:cNvSpPr>
             <a:spLocks noGrp="1"/>
           </p:cNvSpPr>
@@ -3846,43 +1751,13 @@
         </p:nvSpPr>
         <p:spPr>
           <a:xfrm>
-            <a:off x="6170612" y="3243262"/>
-            <a:ext cx="4876801" cy="2547937"/>
-          </a:xfrm>
-        </p:spPr>
-        <p:txBody>
-          <a:bodyPr anchor="t">
-            <a:normAutofit/>
-          </a:bodyPr>
-          <a:lstStyle>
-            <a:lvl1pPr>
-              <a:defRPr sz="1800"/>
-            </a:lvl1pPr>
-            <a:lvl2pPr>
-              <a:defRPr sz="1600"/>
-            </a:lvl2pPr>
-            <a:lvl3pPr>
-              <a:defRPr sz="1400"/>
-            </a:lvl3pPr>
-            <a:lvl4pPr>
-              <a:defRPr sz="1200"/>
-            </a:lvl4pPr>
-            <a:lvl5pPr>
-              <a:defRPr sz="1200"/>
-            </a:lvl5pPr>
-            <a:lvl6pPr>
-              <a:defRPr sz="1200"/>
-            </a:lvl6pPr>
-            <a:lvl7pPr>
-              <a:defRPr sz="1200"/>
-            </a:lvl7pPr>
-            <a:lvl8pPr>
-              <a:defRPr sz="1200"/>
-            </a:lvl8pPr>
-            <a:lvl9pPr>
-              <a:defRPr sz="1200"/>
-            </a:lvl9pPr>
-          </a:lstStyle>
+            <a:off x="6172200" y="2505075"/>
+            <a:ext cx="5183188" cy="3684588"/>
+          </a:xfrm>
+        </p:spPr>
+        <p:txBody>
+          <a:bodyPr/>
+          <a:lstStyle/>
           <a:p>
             <a:pPr lvl="0"/>
             <a:r>
@@ -3917,13 +1792,18 @@
               <a:rPr lang="en-US"/>
               <a:t>Fifth level</a:t>
             </a:r>
-            <a:endParaRPr lang="en-US" dirty="0"/>
-          </a:p>
-        </p:txBody>
-      </p:sp>
-      <p:sp>
-        <p:nvSpPr>
-          <p:cNvPr id="7" name="Date Placeholder 6"/>
+          </a:p>
+        </p:txBody>
+      </p:sp>
+      <p:sp>
+        <p:nvSpPr>
+          <p:cNvPr id="7" name="Date Placeholder 6">
+            <a:extLst>
+              <a:ext uri="{FF2B5EF4-FFF2-40B4-BE49-F238E27FC236}">
+                <a16:creationId xmlns:a16="http://schemas.microsoft.com/office/drawing/2014/main" id="{CB6431A0-4D95-4E17-ACD3-F58582E9D0C8}"/>
+              </a:ext>
+            </a:extLst>
+          </p:cNvPr>
           <p:cNvSpPr>
             <a:spLocks noGrp="1"/>
           </p:cNvSpPr>
@@ -3938,7 +1818,7 @@
           <a:p>
             <a:fld id="{A41D76B7-B90D-465A-81BB-26E3A1C0CEFD}" type="datetimeFigureOut">
               <a:rPr lang="en-US" smtClean="0"/>
-              <a:t>7/19/2020</a:t>
+              <a:t>7/20/2020</a:t>
             </a:fld>
             <a:endParaRPr lang="en-US"/>
           </a:p>
@@ -3946,7 +1826,13 @@
       </p:sp>
       <p:sp>
         <p:nvSpPr>
-          <p:cNvPr id="8" name="Footer Placeholder 7"/>
+          <p:cNvPr id="8" name="Footer Placeholder 7">
+            <a:extLst>
+              <a:ext uri="{FF2B5EF4-FFF2-40B4-BE49-F238E27FC236}">
+                <a16:creationId xmlns:a16="http://schemas.microsoft.com/office/drawing/2014/main" id="{7BD68D62-042F-4B3B-8FCE-A61BB6428905}"/>
+              </a:ext>
+            </a:extLst>
+          </p:cNvPr>
           <p:cNvSpPr>
             <a:spLocks noGrp="1"/>
           </p:cNvSpPr>
@@ -3965,7 +1851,13 @@
       </p:sp>
       <p:sp>
         <p:nvSpPr>
-          <p:cNvPr id="9" name="Slide Number Placeholder 8"/>
+          <p:cNvPr id="9" name="Slide Number Placeholder 8">
+            <a:extLst>
+              <a:ext uri="{FF2B5EF4-FFF2-40B4-BE49-F238E27FC236}">
+                <a16:creationId xmlns:a16="http://schemas.microsoft.com/office/drawing/2014/main" id="{8286ADCE-291F-4A1E-A37E-CFE36426768D}"/>
+              </a:ext>
+            </a:extLst>
+          </p:cNvPr>
           <p:cNvSpPr>
             <a:spLocks noGrp="1"/>
           </p:cNvSpPr>
@@ -3989,7 +1881,7 @@
     </p:spTree>
     <p:extLst>
       <p:ext uri="{BB962C8B-B14F-4D97-AF65-F5344CB8AC3E}">
-        <p14:creationId xmlns:p14="http://schemas.microsoft.com/office/powerpoint/2010/main" val="2807408553"/>
+        <p14:creationId xmlns:p14="http://schemas.microsoft.com/office/powerpoint/2010/main" val="3774349966"/>
       </p:ext>
     </p:extLst>
   </p:cSld>
@@ -4018,7 +1910,13 @@
       </p:grpSpPr>
       <p:sp>
         <p:nvSpPr>
-          <p:cNvPr id="2" name="Title 1"/>
+          <p:cNvPr id="2" name="Title 1">
+            <a:extLst>
+              <a:ext uri="{FF2B5EF4-FFF2-40B4-BE49-F238E27FC236}">
+                <a16:creationId xmlns:a16="http://schemas.microsoft.com/office/drawing/2014/main" id="{DC79554B-3A26-4994-ABA2-478AFE7F6B3A}"/>
+              </a:ext>
+            </a:extLst>
+          </p:cNvPr>
           <p:cNvSpPr>
             <a:spLocks noGrp="1"/>
           </p:cNvSpPr>
@@ -4035,13 +1933,18 @@
               <a:rPr lang="en-US"/>
               <a:t>Click to edit Master title style</a:t>
             </a:r>
-            <a:endParaRPr lang="en-US" dirty="0"/>
-          </a:p>
-        </p:txBody>
-      </p:sp>
-      <p:sp>
-        <p:nvSpPr>
-          <p:cNvPr id="3" name="Date Placeholder 2"/>
+          </a:p>
+        </p:txBody>
+      </p:sp>
+      <p:sp>
+        <p:nvSpPr>
+          <p:cNvPr id="3" name="Date Placeholder 2">
+            <a:extLst>
+              <a:ext uri="{FF2B5EF4-FFF2-40B4-BE49-F238E27FC236}">
+                <a16:creationId xmlns:a16="http://schemas.microsoft.com/office/drawing/2014/main" id="{6C97BED6-3CED-4DAB-8E98-3680402D0E15}"/>
+              </a:ext>
+            </a:extLst>
+          </p:cNvPr>
           <p:cNvSpPr>
             <a:spLocks noGrp="1"/>
           </p:cNvSpPr>
@@ -4056,7 +1959,7 @@
           <a:p>
             <a:fld id="{A41D76B7-B90D-465A-81BB-26E3A1C0CEFD}" type="datetimeFigureOut">
               <a:rPr lang="en-US" smtClean="0"/>
-              <a:t>7/19/2020</a:t>
+              <a:t>7/20/2020</a:t>
             </a:fld>
             <a:endParaRPr lang="en-US"/>
           </a:p>
@@ -4064,7 +1967,13 @@
       </p:sp>
       <p:sp>
         <p:nvSpPr>
-          <p:cNvPr id="4" name="Footer Placeholder 3"/>
+          <p:cNvPr id="4" name="Footer Placeholder 3">
+            <a:extLst>
+              <a:ext uri="{FF2B5EF4-FFF2-40B4-BE49-F238E27FC236}">
+                <a16:creationId xmlns:a16="http://schemas.microsoft.com/office/drawing/2014/main" id="{6CB7EC4E-A857-4C69-8849-9B9486300A7C}"/>
+              </a:ext>
+            </a:extLst>
+          </p:cNvPr>
           <p:cNvSpPr>
             <a:spLocks noGrp="1"/>
           </p:cNvSpPr>
@@ -4083,7 +1992,13 @@
       </p:sp>
       <p:sp>
         <p:nvSpPr>
-          <p:cNvPr id="5" name="Slide Number Placeholder 4"/>
+          <p:cNvPr id="5" name="Slide Number Placeholder 4">
+            <a:extLst>
+              <a:ext uri="{FF2B5EF4-FFF2-40B4-BE49-F238E27FC236}">
+                <a16:creationId xmlns:a16="http://schemas.microsoft.com/office/drawing/2014/main" id="{EC703F45-6B16-4E72-96A2-8887495DDE0A}"/>
+              </a:ext>
+            </a:extLst>
+          </p:cNvPr>
           <p:cNvSpPr>
             <a:spLocks noGrp="1"/>
           </p:cNvSpPr>
@@ -4107,7 +2022,7 @@
     </p:spTree>
     <p:extLst>
       <p:ext uri="{BB962C8B-B14F-4D97-AF65-F5344CB8AC3E}">
-        <p14:creationId xmlns:p14="http://schemas.microsoft.com/office/powerpoint/2010/main" val="2435759056"/>
+        <p14:creationId xmlns:p14="http://schemas.microsoft.com/office/powerpoint/2010/main" val="932610344"/>
       </p:ext>
     </p:extLst>
   </p:cSld>
@@ -4136,7 +2051,13 @@
       </p:grpSpPr>
       <p:sp>
         <p:nvSpPr>
-          <p:cNvPr id="2" name="Date Placeholder 1"/>
+          <p:cNvPr id="2" name="Date Placeholder 1">
+            <a:extLst>
+              <a:ext uri="{FF2B5EF4-FFF2-40B4-BE49-F238E27FC236}">
+                <a16:creationId xmlns:a16="http://schemas.microsoft.com/office/drawing/2014/main" id="{2075F85D-77CB-4AC5-A787-8A73D0ABB904}"/>
+              </a:ext>
+            </a:extLst>
+          </p:cNvPr>
           <p:cNvSpPr>
             <a:spLocks noGrp="1"/>
           </p:cNvSpPr>
@@ -4151,7 +2072,7 @@
           <a:p>
             <a:fld id="{A41D76B7-B90D-465A-81BB-26E3A1C0CEFD}" type="datetimeFigureOut">
               <a:rPr lang="en-US" smtClean="0"/>
-              <a:t>7/19/2020</a:t>
+              <a:t>7/20/2020</a:t>
             </a:fld>
             <a:endParaRPr lang="en-US"/>
           </a:p>
@@ -4159,7 +2080,13 @@
       </p:sp>
       <p:sp>
         <p:nvSpPr>
-          <p:cNvPr id="3" name="Footer Placeholder 2"/>
+          <p:cNvPr id="3" name="Footer Placeholder 2">
+            <a:extLst>
+              <a:ext uri="{FF2B5EF4-FFF2-40B4-BE49-F238E27FC236}">
+                <a16:creationId xmlns:a16="http://schemas.microsoft.com/office/drawing/2014/main" id="{0EA0ACAF-7063-4092-B84D-263D4E15C48A}"/>
+              </a:ext>
+            </a:extLst>
+          </p:cNvPr>
           <p:cNvSpPr>
             <a:spLocks noGrp="1"/>
           </p:cNvSpPr>
@@ -4178,7 +2105,13 @@
       </p:sp>
       <p:sp>
         <p:nvSpPr>
-          <p:cNvPr id="4" name="Slide Number Placeholder 3"/>
+          <p:cNvPr id="4" name="Slide Number Placeholder 3">
+            <a:extLst>
+              <a:ext uri="{FF2B5EF4-FFF2-40B4-BE49-F238E27FC236}">
+                <a16:creationId xmlns:a16="http://schemas.microsoft.com/office/drawing/2014/main" id="{95875DE4-8514-40EE-BAF6-F892ECCDAAF8}"/>
+              </a:ext>
+            </a:extLst>
+          </p:cNvPr>
           <p:cNvSpPr>
             <a:spLocks noGrp="1"/>
           </p:cNvSpPr>
@@ -4202,7 +2135,7 @@
     </p:spTree>
     <p:extLst>
       <p:ext uri="{BB962C8B-B14F-4D97-AF65-F5344CB8AC3E}">
-        <p14:creationId xmlns:p14="http://schemas.microsoft.com/office/powerpoint/2010/main" val="851646861"/>
+        <p14:creationId xmlns:p14="http://schemas.microsoft.com/office/powerpoint/2010/main" val="1646433880"/>
       </p:ext>
     </p:extLst>
   </p:cSld>
@@ -4231,7 +2164,13 @@
       </p:grpSpPr>
       <p:sp>
         <p:nvSpPr>
-          <p:cNvPr id="2" name="Title 1"/>
+          <p:cNvPr id="2" name="Title 1">
+            <a:extLst>
+              <a:ext uri="{FF2B5EF4-FFF2-40B4-BE49-F238E27FC236}">
+                <a16:creationId xmlns:a16="http://schemas.microsoft.com/office/drawing/2014/main" id="{33FBF675-44E8-4B20-AAC4-1FBDEAE0DDB2}"/>
+              </a:ext>
+            </a:extLst>
+          </p:cNvPr>
           <p:cNvSpPr>
             <a:spLocks noGrp="1"/>
           </p:cNvSpPr>
@@ -4241,17 +2180,15 @@
         </p:nvSpPr>
         <p:spPr>
           <a:xfrm>
-            <a:off x="1141411" y="1600200"/>
-            <a:ext cx="3549121" cy="1371600"/>
-          </a:xfrm>
-        </p:spPr>
-        <p:txBody>
-          <a:bodyPr anchor="b">
-            <a:normAutofit/>
-          </a:bodyPr>
+            <a:off x="839788" y="457200"/>
+            <a:ext cx="3932237" cy="1600200"/>
+          </a:xfrm>
+        </p:spPr>
+        <p:txBody>
+          <a:bodyPr anchor="b"/>
           <a:lstStyle>
-            <a:lvl1pPr algn="l">
-              <a:defRPr sz="2400" b="0"/>
+            <a:lvl1pPr>
+              <a:defRPr sz="3200"/>
             </a:lvl1pPr>
           </a:lstStyle>
           <a:p>
@@ -4259,13 +2196,18 @@
               <a:rPr lang="en-US"/>
               <a:t>Click to edit Master title style</a:t>
             </a:r>
-            <a:endParaRPr lang="en-US" dirty="0"/>
-          </a:p>
-        </p:txBody>
-      </p:sp>
-      <p:sp>
-        <p:nvSpPr>
-          <p:cNvPr id="3" name="Content Placeholder 2"/>
+          </a:p>
+        </p:txBody>
+      </p:sp>
+      <p:sp>
+        <p:nvSpPr>
+          <p:cNvPr id="3" name="Content Placeholder 2">
+            <a:extLst>
+              <a:ext uri="{FF2B5EF4-FFF2-40B4-BE49-F238E27FC236}">
+                <a16:creationId xmlns:a16="http://schemas.microsoft.com/office/drawing/2014/main" id="{848346D9-1226-44A1-96E0-E458FBA3AFF2}"/>
+              </a:ext>
+            </a:extLst>
+          </p:cNvPr>
           <p:cNvSpPr>
             <a:spLocks noGrp="1"/>
           </p:cNvSpPr>
@@ -4275,41 +2217,39 @@
         </p:nvSpPr>
         <p:spPr>
           <a:xfrm>
-            <a:off x="5103812" y="609601"/>
-            <a:ext cx="5943601" cy="5181600"/>
-          </a:xfrm>
-        </p:spPr>
-        <p:txBody>
-          <a:bodyPr anchor="ctr">
-            <a:normAutofit/>
-          </a:bodyPr>
+            <a:off x="5183188" y="987425"/>
+            <a:ext cx="6172200" cy="4873625"/>
+          </a:xfrm>
+        </p:spPr>
+        <p:txBody>
+          <a:bodyPr/>
           <a:lstStyle>
             <a:lvl1pPr>
-              <a:defRPr sz="2000"/>
+              <a:defRPr sz="3200"/>
             </a:lvl1pPr>
             <a:lvl2pPr>
-              <a:defRPr sz="1800"/>
+              <a:defRPr sz="2800"/>
             </a:lvl2pPr>
             <a:lvl3pPr>
-              <a:defRPr sz="1600"/>
+              <a:defRPr sz="2400"/>
             </a:lvl3pPr>
             <a:lvl4pPr>
-              <a:defRPr sz="1400"/>
+              <a:defRPr sz="2000"/>
             </a:lvl4pPr>
             <a:lvl5pPr>
-              <a:defRPr sz="1400"/>
+              <a:defRPr sz="2000"/>
             </a:lvl5pPr>
             <a:lvl6pPr>
-              <a:defRPr sz="1400"/>
+              <a:defRPr sz="2000"/>
             </a:lvl6pPr>
             <a:lvl7pPr>
-              <a:defRPr sz="1400"/>
+              <a:defRPr sz="2000"/>
             </a:lvl7pPr>
             <a:lvl8pPr>
-              <a:defRPr sz="1400"/>
+              <a:defRPr sz="2000"/>
             </a:lvl8pPr>
             <a:lvl9pPr>
-              <a:defRPr sz="1400"/>
+              <a:defRPr sz="2000"/>
             </a:lvl9pPr>
           </a:lstStyle>
           <a:p>
@@ -4346,13 +2286,18 @@
               <a:rPr lang="en-US"/>
               <a:t>Fifth level</a:t>
             </a:r>
-            <a:endParaRPr lang="en-US" dirty="0"/>
-          </a:p>
-        </p:txBody>
-      </p:sp>
-      <p:sp>
-        <p:nvSpPr>
-          <p:cNvPr id="4" name="Text Placeholder 3"/>
+          </a:p>
+        </p:txBody>
+      </p:sp>
+      <p:sp>
+        <p:nvSpPr>
+          <p:cNvPr id="4" name="Text Placeholder 3">
+            <a:extLst>
+              <a:ext uri="{FF2B5EF4-FFF2-40B4-BE49-F238E27FC236}">
+                <a16:creationId xmlns:a16="http://schemas.microsoft.com/office/drawing/2014/main" id="{EF4746F7-A74E-471E-B811-3BE15F40739A}"/>
+              </a:ext>
+            </a:extLst>
+          </p:cNvPr>
           <p:cNvSpPr>
             <a:spLocks noGrp="1"/>
           </p:cNvSpPr>
@@ -4362,14 +2307,12 @@
         </p:nvSpPr>
         <p:spPr>
           <a:xfrm>
-            <a:off x="1141411" y="2971800"/>
-            <a:ext cx="3549121" cy="1828800"/>
-          </a:xfrm>
-        </p:spPr>
-        <p:txBody>
-          <a:bodyPr>
-            <a:normAutofit/>
-          </a:bodyPr>
+            <a:off x="839788" y="2057400"/>
+            <a:ext cx="3932237" cy="3811588"/>
+          </a:xfrm>
+        </p:spPr>
+        <p:txBody>
+          <a:bodyPr/>
           <a:lstStyle>
             <a:lvl1pPr marL="0" indent="0">
               <a:buNone/>
@@ -4377,35 +2320,35 @@
             </a:lvl1pPr>
             <a:lvl2pPr marL="457200" indent="0">
               <a:buNone/>
-              <a:defRPr sz="1200"/>
+              <a:defRPr sz="1400"/>
             </a:lvl2pPr>
             <a:lvl3pPr marL="914400" indent="0">
               <a:buNone/>
-              <a:defRPr sz="1000"/>
+              <a:defRPr sz="1200"/>
             </a:lvl3pPr>
             <a:lvl4pPr marL="1371600" indent="0">
               <a:buNone/>
-              <a:defRPr sz="900"/>
+              <a:defRPr sz="1000"/>
             </a:lvl4pPr>
             <a:lvl5pPr marL="1828800" indent="0">
               <a:buNone/>
-              <a:defRPr sz="900"/>
+              <a:defRPr sz="1000"/>
             </a:lvl5pPr>
             <a:lvl6pPr marL="2286000" indent="0">
               <a:buNone/>
-              <a:defRPr sz="900"/>
+              <a:defRPr sz="1000"/>
             </a:lvl6pPr>
             <a:lvl7pPr marL="2743200" indent="0">
               <a:buNone/>
-              <a:defRPr sz="900"/>
+              <a:defRPr sz="1000"/>
             </a:lvl7pPr>
             <a:lvl8pPr marL="3200400" indent="0">
               <a:buNone/>
-              <a:defRPr sz="900"/>
+              <a:defRPr sz="1000"/>
             </a:lvl8pPr>
             <a:lvl9pPr marL="3657600" indent="0">
               <a:buNone/>
-              <a:defRPr sz="900"/>
+              <a:defRPr sz="1000"/>
             </a:lvl9pPr>
           </a:lstStyle>
           <a:p>
@@ -4419,7 +2362,13 @@
       </p:sp>
       <p:sp>
         <p:nvSpPr>
-          <p:cNvPr id="5" name="Date Placeholder 4"/>
+          <p:cNvPr id="5" name="Date Placeholder 4">
+            <a:extLst>
+              <a:ext uri="{FF2B5EF4-FFF2-40B4-BE49-F238E27FC236}">
+                <a16:creationId xmlns:a16="http://schemas.microsoft.com/office/drawing/2014/main" id="{6859A70B-A334-4C7B-830C-3E1D0547EAF1}"/>
+              </a:ext>
+            </a:extLst>
+          </p:cNvPr>
           <p:cNvSpPr>
             <a:spLocks noGrp="1"/>
           </p:cNvSpPr>
@@ -4434,7 +2383,7 @@
           <a:p>
             <a:fld id="{A41D76B7-B90D-465A-81BB-26E3A1C0CEFD}" type="datetimeFigureOut">
               <a:rPr lang="en-US" smtClean="0"/>
-              <a:t>7/19/2020</a:t>
+              <a:t>7/20/2020</a:t>
             </a:fld>
             <a:endParaRPr lang="en-US"/>
           </a:p>
@@ -4442,7 +2391,13 @@
       </p:sp>
       <p:sp>
         <p:nvSpPr>
-          <p:cNvPr id="6" name="Footer Placeholder 5"/>
+          <p:cNvPr id="6" name="Footer Placeholder 5">
+            <a:extLst>
+              <a:ext uri="{FF2B5EF4-FFF2-40B4-BE49-F238E27FC236}">
+                <a16:creationId xmlns:a16="http://schemas.microsoft.com/office/drawing/2014/main" id="{6FAB9577-DDB8-4264-B0CF-6FDDD76AAC06}"/>
+              </a:ext>
+            </a:extLst>
+          </p:cNvPr>
           <p:cNvSpPr>
             <a:spLocks noGrp="1"/>
           </p:cNvSpPr>
@@ -4461,7 +2416,13 @@
       </p:sp>
       <p:sp>
         <p:nvSpPr>
-          <p:cNvPr id="7" name="Slide Number Placeholder 6"/>
+          <p:cNvPr id="7" name="Slide Number Placeholder 6">
+            <a:extLst>
+              <a:ext uri="{FF2B5EF4-FFF2-40B4-BE49-F238E27FC236}">
+                <a16:creationId xmlns:a16="http://schemas.microsoft.com/office/drawing/2014/main" id="{31E68E06-A475-4F2E-B90C-5DCC8038990E}"/>
+              </a:ext>
+            </a:extLst>
+          </p:cNvPr>
           <p:cNvSpPr>
             <a:spLocks noGrp="1"/>
           </p:cNvSpPr>
@@ -4485,7 +2446,7 @@
     </p:spTree>
     <p:extLst>
       <p:ext uri="{BB962C8B-B14F-4D97-AF65-F5344CB8AC3E}">
-        <p14:creationId xmlns:p14="http://schemas.microsoft.com/office/powerpoint/2010/main" val="2419103191"/>
+        <p14:creationId xmlns:p14="http://schemas.microsoft.com/office/powerpoint/2010/main" val="2252644187"/>
       </p:ext>
     </p:extLst>
   </p:cSld>
@@ -4514,7 +2475,13 @@
       </p:grpSpPr>
       <p:sp>
         <p:nvSpPr>
-          <p:cNvPr id="2" name="Title 1"/>
+          <p:cNvPr id="2" name="Title 1">
+            <a:extLst>
+              <a:ext uri="{FF2B5EF4-FFF2-40B4-BE49-F238E27FC236}">
+                <a16:creationId xmlns:a16="http://schemas.microsoft.com/office/drawing/2014/main" id="{F0F18E23-A58C-4668-B7CE-5B3EA801D683}"/>
+              </a:ext>
+            </a:extLst>
+          </p:cNvPr>
           <p:cNvSpPr>
             <a:spLocks noGrp="1"/>
           </p:cNvSpPr>
@@ -4524,17 +2491,15 @@
         </p:nvSpPr>
         <p:spPr>
           <a:xfrm>
-            <a:off x="1141411" y="1600200"/>
-            <a:ext cx="5334001" cy="1371600"/>
-          </a:xfrm>
-        </p:spPr>
-        <p:txBody>
-          <a:bodyPr anchor="b">
-            <a:normAutofit/>
-          </a:bodyPr>
+            <a:off x="839788" y="457200"/>
+            <a:ext cx="3932237" cy="1600200"/>
+          </a:xfrm>
+        </p:spPr>
+        <p:txBody>
+          <a:bodyPr anchor="b"/>
           <a:lstStyle>
-            <a:lvl1pPr algn="l">
-              <a:defRPr sz="2800" b="0"/>
+            <a:lvl1pPr>
+              <a:defRPr sz="3200"/>
             </a:lvl1pPr>
           </a:lstStyle>
           <a:p>
@@ -4542,15 +2507,20 @@
               <a:rPr lang="en-US"/>
               <a:t>Click to edit Master title style</a:t>
             </a:r>
-            <a:endParaRPr lang="en-US" dirty="0"/>
-          </a:p>
-        </p:txBody>
-      </p:sp>
-      <p:sp>
-        <p:nvSpPr>
-          <p:cNvPr id="14" name="Picture Placeholder 2"/>
+          </a:p>
+        </p:txBody>
+      </p:sp>
+      <p:sp>
+        <p:nvSpPr>
+          <p:cNvPr id="3" name="Picture Placeholder 2">
+            <a:extLst>
+              <a:ext uri="{FF2B5EF4-FFF2-40B4-BE49-F238E27FC236}">
+                <a16:creationId xmlns:a16="http://schemas.microsoft.com/office/drawing/2014/main" id="{DAA2CB6F-26C2-4C74-88BD-970EBA455165}"/>
+              </a:ext>
+            </a:extLst>
+          </p:cNvPr>
           <p:cNvSpPr>
-            <a:spLocks noGrp="1" noChangeAspect="1"/>
+            <a:spLocks noGrp="1"/>
           </p:cNvSpPr>
           <p:nvPr>
             <p:ph type="pic" idx="1"/>
@@ -4558,87 +2528,64 @@
         </p:nvSpPr>
         <p:spPr>
           <a:xfrm>
-            <a:off x="7433733" y="-18288"/>
-            <a:ext cx="3276599" cy="6903720"/>
-          </a:xfrm>
-          <a:ln w="38100">
-            <a:gradFill flip="none" rotWithShape="1">
-              <a:gsLst>
-                <a:gs pos="0">
-                  <a:schemeClr val="bg2"/>
-                </a:gs>
-                <a:gs pos="100000">
-                  <a:schemeClr val="bg2">
-                    <a:lumMod val="75000"/>
-                  </a:schemeClr>
-                </a:gs>
-              </a:gsLst>
-              <a:lin ang="5400000" scaled="0"/>
-              <a:tileRect/>
-            </a:gradFill>
-          </a:ln>
-          <a:effectLst>
-            <a:innerShdw blurRad="57150" dist="38100" dir="10800000">
-              <a:srgbClr val="000000">
-                <a:alpha val="70000"/>
-              </a:srgbClr>
-            </a:innerShdw>
-          </a:effectLst>
-        </p:spPr>
-        <p:txBody>
-          <a:bodyPr anchor="t">
-            <a:normAutofit/>
-          </a:bodyPr>
+            <a:off x="5183188" y="987425"/>
+            <a:ext cx="6172200" cy="4873625"/>
+          </a:xfrm>
+        </p:spPr>
+        <p:txBody>
+          <a:bodyPr/>
           <a:lstStyle>
-            <a:lvl1pPr marL="0" indent="0" algn="ctr">
+            <a:lvl1pPr marL="0" indent="0">
               <a:buNone/>
-              <a:defRPr sz="1600"/>
+              <a:defRPr sz="3200"/>
             </a:lvl1pPr>
             <a:lvl2pPr marL="457200" indent="0">
               <a:buNone/>
-              <a:defRPr sz="1600"/>
+              <a:defRPr sz="2800"/>
             </a:lvl2pPr>
             <a:lvl3pPr marL="914400" indent="0">
               <a:buNone/>
-              <a:defRPr sz="1600"/>
+              <a:defRPr sz="2400"/>
             </a:lvl3pPr>
             <a:lvl4pPr marL="1371600" indent="0">
               <a:buNone/>
-              <a:defRPr sz="1600"/>
+              <a:defRPr sz="2000"/>
             </a:lvl4pPr>
             <a:lvl5pPr marL="1828800" indent="0">
               <a:buNone/>
-              <a:defRPr sz="1600"/>
+              <a:defRPr sz="2000"/>
             </a:lvl5pPr>
             <a:lvl6pPr marL="2286000" indent="0">
               <a:buNone/>
-              <a:defRPr sz="1600"/>
+              <a:defRPr sz="2000"/>
             </a:lvl6pPr>
             <a:lvl7pPr marL="2743200" indent="0">
               <a:buNone/>
-              <a:defRPr sz="1600"/>
+              <a:defRPr sz="2000"/>
             </a:lvl7pPr>
             <a:lvl8pPr marL="3200400" indent="0">
               <a:buNone/>
-              <a:defRPr sz="1600"/>
+              <a:defRPr sz="2000"/>
             </a:lvl8pPr>
             <a:lvl9pPr marL="3657600" indent="0">
               <a:buNone/>
-              <a:defRPr sz="1600"/>
+              <a:defRPr sz="2000"/>
             </a:lvl9pPr>
           </a:lstStyle>
           <a:p>
-            <a:r>
-              <a:rPr lang="en-US"/>
-              <a:t>Click icon to add picture</a:t>
-            </a:r>
-            <a:endParaRPr lang="en-US" dirty="0"/>
-          </a:p>
-        </p:txBody>
-      </p:sp>
-      <p:sp>
-        <p:nvSpPr>
-          <p:cNvPr id="4" name="Text Placeholder 3"/>
+            <a:endParaRPr lang="en-US"/>
+          </a:p>
+        </p:txBody>
+      </p:sp>
+      <p:sp>
+        <p:nvSpPr>
+          <p:cNvPr id="4" name="Text Placeholder 3">
+            <a:extLst>
+              <a:ext uri="{FF2B5EF4-FFF2-40B4-BE49-F238E27FC236}">
+                <a16:creationId xmlns:a16="http://schemas.microsoft.com/office/drawing/2014/main" id="{CB37BE67-0A95-4EB1-8D83-840FBD8AF361}"/>
+              </a:ext>
+            </a:extLst>
+          </p:cNvPr>
           <p:cNvSpPr>
             <a:spLocks noGrp="1"/>
           </p:cNvSpPr>
@@ -4648,50 +2595,48 @@
         </p:nvSpPr>
         <p:spPr>
           <a:xfrm>
-            <a:off x="1141411" y="2971800"/>
-            <a:ext cx="5334001" cy="1828800"/>
-          </a:xfrm>
-        </p:spPr>
-        <p:txBody>
-          <a:bodyPr>
-            <a:normAutofit/>
-          </a:bodyPr>
+            <a:off x="839788" y="2057400"/>
+            <a:ext cx="3932237" cy="3811588"/>
+          </a:xfrm>
+        </p:spPr>
+        <p:txBody>
+          <a:bodyPr/>
           <a:lstStyle>
             <a:lvl1pPr marL="0" indent="0">
               <a:buNone/>
-              <a:defRPr sz="1800"/>
+              <a:defRPr sz="1600"/>
             </a:lvl1pPr>
             <a:lvl2pPr marL="457200" indent="0">
               <a:buNone/>
-              <a:defRPr sz="1200"/>
+              <a:defRPr sz="1400"/>
             </a:lvl2pPr>
             <a:lvl3pPr marL="914400" indent="0">
               <a:buNone/>
-              <a:defRPr sz="1000"/>
+              <a:defRPr sz="1200"/>
             </a:lvl3pPr>
             <a:lvl4pPr marL="1371600" indent="0">
               <a:buNone/>
-              <a:defRPr sz="900"/>
+              <a:defRPr sz="1000"/>
             </a:lvl4pPr>
             <a:lvl5pPr marL="1828800" indent="0">
               <a:buNone/>
-              <a:defRPr sz="900"/>
+              <a:defRPr sz="1000"/>
             </a:lvl5pPr>
             <a:lvl6pPr marL="2286000" indent="0">
               <a:buNone/>
-              <a:defRPr sz="900"/>
+              <a:defRPr sz="1000"/>
             </a:lvl6pPr>
             <a:lvl7pPr marL="2743200" indent="0">
               <a:buNone/>
-              <a:defRPr sz="900"/>
+              <a:defRPr sz="1000"/>
             </a:lvl7pPr>
             <a:lvl8pPr marL="3200400" indent="0">
               <a:buNone/>
-              <a:defRPr sz="900"/>
+              <a:defRPr sz="1000"/>
             </a:lvl8pPr>
             <a:lvl9pPr marL="3657600" indent="0">
               <a:buNone/>
-              <a:defRPr sz="900"/>
+              <a:defRPr sz="1000"/>
             </a:lvl9pPr>
           </a:lstStyle>
           <a:p>
@@ -4705,7 +2650,13 @@
       </p:sp>
       <p:sp>
         <p:nvSpPr>
-          <p:cNvPr id="5" name="Date Placeholder 4"/>
+          <p:cNvPr id="5" name="Date Placeholder 4">
+            <a:extLst>
+              <a:ext uri="{FF2B5EF4-FFF2-40B4-BE49-F238E27FC236}">
+                <a16:creationId xmlns:a16="http://schemas.microsoft.com/office/drawing/2014/main" id="{A594F254-6542-4A7E-88E7-90C3065C3483}"/>
+              </a:ext>
+            </a:extLst>
+          </p:cNvPr>
           <p:cNvSpPr>
             <a:spLocks noGrp="1"/>
           </p:cNvSpPr>
@@ -4713,19 +2664,14 @@
             <p:ph type="dt" sz="half" idx="10"/>
           </p:nvPr>
         </p:nvSpPr>
-        <p:spPr>
-          <a:xfrm>
-            <a:off x="6399212" y="5883275"/>
-            <a:ext cx="914400" cy="365125"/>
-          </a:xfrm>
-        </p:spPr>
+        <p:spPr/>
         <p:txBody>
           <a:bodyPr/>
           <a:lstStyle/>
           <a:p>
             <a:fld id="{A41D76B7-B90D-465A-81BB-26E3A1C0CEFD}" type="datetimeFigureOut">
               <a:rPr lang="en-US" smtClean="0"/>
-              <a:t>7/19/2020</a:t>
+              <a:t>7/20/2020</a:t>
             </a:fld>
             <a:endParaRPr lang="en-US"/>
           </a:p>
@@ -4733,7 +2679,13 @@
       </p:sp>
       <p:sp>
         <p:nvSpPr>
-          <p:cNvPr id="6" name="Footer Placeholder 5"/>
+          <p:cNvPr id="6" name="Footer Placeholder 5">
+            <a:extLst>
+              <a:ext uri="{FF2B5EF4-FFF2-40B4-BE49-F238E27FC236}">
+                <a16:creationId xmlns:a16="http://schemas.microsoft.com/office/drawing/2014/main" id="{26D0AA79-C0CC-42F4-9100-4EF6FF329B59}"/>
+              </a:ext>
+            </a:extLst>
+          </p:cNvPr>
           <p:cNvSpPr>
             <a:spLocks noGrp="1"/>
           </p:cNvSpPr>
@@ -4741,12 +2693,7 @@
             <p:ph type="ftr" sz="quarter" idx="11"/>
           </p:nvPr>
         </p:nvSpPr>
-        <p:spPr>
-          <a:xfrm>
-            <a:off x="1141412" y="5883275"/>
-            <a:ext cx="5105400" cy="365125"/>
-          </a:xfrm>
-        </p:spPr>
+        <p:spPr/>
         <p:txBody>
           <a:bodyPr/>
           <a:lstStyle/>
@@ -4757,7 +2704,13 @@
       </p:sp>
       <p:sp>
         <p:nvSpPr>
-          <p:cNvPr id="7" name="Slide Number Placeholder 6"/>
+          <p:cNvPr id="7" name="Slide Number Placeholder 6">
+            <a:extLst>
+              <a:ext uri="{FF2B5EF4-FFF2-40B4-BE49-F238E27FC236}">
+                <a16:creationId xmlns:a16="http://schemas.microsoft.com/office/drawing/2014/main" id="{6C4157F7-EA15-4FDD-8812-A717DD880A2E}"/>
+              </a:ext>
+            </a:extLst>
+          </p:cNvPr>
           <p:cNvSpPr>
             <a:spLocks noGrp="1"/>
           </p:cNvSpPr>
@@ -4765,12 +2718,7 @@
             <p:ph type="sldNum" sz="quarter" idx="12"/>
           </p:nvPr>
         </p:nvSpPr>
-        <p:spPr>
-          <a:xfrm>
-            <a:off x="10742612" y="5883275"/>
-            <a:ext cx="322567" cy="365125"/>
-          </a:xfrm>
-        </p:spPr>
+        <p:spPr/>
         <p:txBody>
           <a:bodyPr/>
           <a:lstStyle/>
@@ -4786,7 +2734,7 @@
     </p:spTree>
     <p:extLst>
       <p:ext uri="{BB962C8B-B14F-4D97-AF65-F5344CB8AC3E}">
-        <p14:creationId xmlns:p14="http://schemas.microsoft.com/office/powerpoint/2010/main" val="2917304324"/>
+        <p14:creationId xmlns:p14="http://schemas.microsoft.com/office/powerpoint/2010/main" val="2765409671"/>
       </p:ext>
     </p:extLst>
   </p:cSld>
@@ -4800,8 +2748,8 @@
 <p:sldMaster xmlns:a="http://schemas.openxmlformats.org/drawingml/2006/main" xmlns:r="http://schemas.openxmlformats.org/officeDocument/2006/relationships" xmlns:p="http://schemas.openxmlformats.org/presentationml/2006/main">
   <p:cSld>
     <p:bg>
-      <p:bgRef idx="1003">
-        <a:schemeClr val="bg2"/>
+      <p:bgRef idx="1001">
+        <a:schemeClr val="bg1"/>
       </p:bgRef>
     </p:bg>
     <p:spTree>
@@ -4820,7 +2768,13 @@
       </p:grpSpPr>
       <p:sp>
         <p:nvSpPr>
-          <p:cNvPr id="2" name="Title Placeholder 1"/>
+          <p:cNvPr id="2" name="Title Placeholder 1">
+            <a:extLst>
+              <a:ext uri="{FF2B5EF4-FFF2-40B4-BE49-F238E27FC236}">
+                <a16:creationId xmlns:a16="http://schemas.microsoft.com/office/drawing/2014/main" id="{77E434BC-EB42-4D2D-95D2-64004B6344E1}"/>
+              </a:ext>
+            </a:extLst>
+          </p:cNvPr>
           <p:cNvSpPr>
             <a:spLocks noGrp="1"/>
           </p:cNvSpPr>
@@ -4830,8 +2784,8 @@
         </p:nvSpPr>
         <p:spPr>
           <a:xfrm>
-            <a:off x="1141413" y="609600"/>
-            <a:ext cx="9905998" cy="1905000"/>
+            <a:off x="838200" y="365125"/>
+            <a:ext cx="10515600" cy="1325563"/>
           </a:xfrm>
           <a:prstGeom prst="rect">
             <a:avLst/>
@@ -4847,13 +2801,18 @@
               <a:rPr lang="en-US"/>
               <a:t>Click to edit Master title style</a:t>
             </a:r>
-            <a:endParaRPr lang="en-US" dirty="0"/>
-          </a:p>
-        </p:txBody>
-      </p:sp>
-      <p:sp>
-        <p:nvSpPr>
-          <p:cNvPr id="3" name="Text Placeholder 2"/>
+          </a:p>
+        </p:txBody>
+      </p:sp>
+      <p:sp>
+        <p:nvSpPr>
+          <p:cNvPr id="3" name="Text Placeholder 2">
+            <a:extLst>
+              <a:ext uri="{FF2B5EF4-FFF2-40B4-BE49-F238E27FC236}">
+                <a16:creationId xmlns:a16="http://schemas.microsoft.com/office/drawing/2014/main" id="{1535FE51-4D5E-4FF5-B071-20DE998F7ED9}"/>
+              </a:ext>
+            </a:extLst>
+          </p:cNvPr>
           <p:cNvSpPr>
             <a:spLocks noGrp="1"/>
           </p:cNvSpPr>
@@ -4863,15 +2822,15 @@
         </p:nvSpPr>
         <p:spPr>
           <a:xfrm>
-            <a:off x="1141413" y="2666999"/>
-            <a:ext cx="9905998" cy="3124201"/>
+            <a:off x="838200" y="1825625"/>
+            <a:ext cx="10515600" cy="4351338"/>
           </a:xfrm>
           <a:prstGeom prst="rect">
             <a:avLst/>
           </a:prstGeom>
         </p:spPr>
         <p:txBody>
-          <a:bodyPr vert="horz" lIns="91440" tIns="45720" rIns="91440" bIns="45720" rtlCol="0" anchor="ctr">
+          <a:bodyPr vert="horz" lIns="91440" tIns="45720" rIns="91440" bIns="45720" rtlCol="0">
             <a:normAutofit/>
           </a:bodyPr>
           <a:lstStyle/>
@@ -4909,13 +2868,18 @@
               <a:rPr lang="en-US"/>
               <a:t>Fifth level</a:t>
             </a:r>
-            <a:endParaRPr lang="en-US" dirty="0"/>
-          </a:p>
-        </p:txBody>
-      </p:sp>
-      <p:sp>
-        <p:nvSpPr>
-          <p:cNvPr id="4" name="Date Placeholder 3"/>
+          </a:p>
+        </p:txBody>
+      </p:sp>
+      <p:sp>
+        <p:nvSpPr>
+          <p:cNvPr id="4" name="Date Placeholder 3">
+            <a:extLst>
+              <a:ext uri="{FF2B5EF4-FFF2-40B4-BE49-F238E27FC236}">
+                <a16:creationId xmlns:a16="http://schemas.microsoft.com/office/drawing/2014/main" id="{D61C87A1-031E-48F6-9118-CF32C7841FB0}"/>
+              </a:ext>
+            </a:extLst>
+          </p:cNvPr>
           <p:cNvSpPr>
             <a:spLocks noGrp="1"/>
           </p:cNvSpPr>
@@ -4925,8 +2889,8 @@
         </p:nvSpPr>
         <p:spPr>
           <a:xfrm>
-            <a:off x="8837612" y="5883275"/>
-            <a:ext cx="1600200" cy="365125"/>
+            <a:off x="838200" y="6356350"/>
+            <a:ext cx="2743200" cy="365125"/>
           </a:xfrm>
           <a:prstGeom prst="rect">
             <a:avLst/>
@@ -4935,28 +2899,20 @@
         <p:txBody>
           <a:bodyPr vert="horz" lIns="91440" tIns="45720" rIns="91440" bIns="45720" rtlCol="0" anchor="ctr"/>
           <a:lstStyle>
-            <a:lvl1pPr algn="r">
-              <a:defRPr sz="900" b="1" i="0">
+            <a:lvl1pPr algn="l">
+              <a:defRPr sz="1200">
                 <a:solidFill>
                   <a:schemeClr val="tx1">
-                    <a:lumMod val="75000"/>
+                    <a:tint val="75000"/>
                   </a:schemeClr>
                 </a:solidFill>
-                <a:effectLst>
-                  <a:outerShdw blurRad="50800" dist="38100" dir="2700000" algn="tl" rotWithShape="0">
-                    <a:srgbClr val="000000">
-                      <a:alpha val="43000"/>
-                    </a:srgbClr>
-                  </a:outerShdw>
-                </a:effectLst>
-                <a:latin typeface="+mn-lt"/>
               </a:defRPr>
             </a:lvl1pPr>
           </a:lstStyle>
           <a:p>
             <a:fld id="{A41D76B7-B90D-465A-81BB-26E3A1C0CEFD}" type="datetimeFigureOut">
               <a:rPr lang="en-US" smtClean="0"/>
-              <a:t>7/19/2020</a:t>
+              <a:t>7/20/2020</a:t>
             </a:fld>
             <a:endParaRPr lang="en-US"/>
           </a:p>
@@ -4964,7 +2920,13 @@
       </p:sp>
       <p:sp>
         <p:nvSpPr>
-          <p:cNvPr id="5" name="Footer Placeholder 4"/>
+          <p:cNvPr id="5" name="Footer Placeholder 4">
+            <a:extLst>
+              <a:ext uri="{FF2B5EF4-FFF2-40B4-BE49-F238E27FC236}">
+                <a16:creationId xmlns:a16="http://schemas.microsoft.com/office/drawing/2014/main" id="{FC4A9A8C-3114-4EBA-89BC-C5F1B694D84F}"/>
+              </a:ext>
+            </a:extLst>
+          </p:cNvPr>
           <p:cNvSpPr>
             <a:spLocks noGrp="1"/>
           </p:cNvSpPr>
@@ -4974,8 +2936,8 @@
         </p:nvSpPr>
         <p:spPr>
           <a:xfrm>
-            <a:off x="1141412" y="5883275"/>
-            <a:ext cx="7543800" cy="365125"/>
+            <a:off x="4038600" y="6356350"/>
+            <a:ext cx="4114800" cy="365125"/>
           </a:xfrm>
           <a:prstGeom prst="rect">
             <a:avLst/>
@@ -4984,21 +2946,13 @@
         <p:txBody>
           <a:bodyPr vert="horz" lIns="91440" tIns="45720" rIns="91440" bIns="45720" rtlCol="0" anchor="ctr"/>
           <a:lstStyle>
-            <a:lvl1pPr algn="l">
-              <a:defRPr sz="900" b="1" i="0">
+            <a:lvl1pPr algn="ctr">
+              <a:defRPr sz="1200">
                 <a:solidFill>
                   <a:schemeClr val="tx1">
-                    <a:lumMod val="75000"/>
+                    <a:tint val="75000"/>
                   </a:schemeClr>
                 </a:solidFill>
-                <a:effectLst>
-                  <a:outerShdw blurRad="50800" dist="38100" dir="2700000" algn="tl" rotWithShape="0">
-                    <a:srgbClr val="000000">
-                      <a:alpha val="43000"/>
-                    </a:srgbClr>
-                  </a:outerShdw>
-                </a:effectLst>
-                <a:latin typeface="+mn-lt"/>
               </a:defRPr>
             </a:lvl1pPr>
           </a:lstStyle>
@@ -5009,7 +2963,13 @@
       </p:sp>
       <p:sp>
         <p:nvSpPr>
-          <p:cNvPr id="6" name="Slide Number Placeholder 5"/>
+          <p:cNvPr id="6" name="Slide Number Placeholder 5">
+            <a:extLst>
+              <a:ext uri="{FF2B5EF4-FFF2-40B4-BE49-F238E27FC236}">
+                <a16:creationId xmlns:a16="http://schemas.microsoft.com/office/drawing/2014/main" id="{CCB95FF1-3015-4BD0-B234-12086DB8FD78}"/>
+              </a:ext>
+            </a:extLst>
+          </p:cNvPr>
           <p:cNvSpPr>
             <a:spLocks noGrp="1"/>
           </p:cNvSpPr>
@@ -5019,8 +2979,8 @@
         </p:nvSpPr>
         <p:spPr>
           <a:xfrm>
-            <a:off x="10514012" y="5883275"/>
-            <a:ext cx="551167" cy="365125"/>
+            <a:off x="8610600" y="6356350"/>
+            <a:ext cx="2743200" cy="365125"/>
           </a:xfrm>
           <a:prstGeom prst="rect">
             <a:avLst/>
@@ -5030,20 +2990,12 @@
           <a:bodyPr vert="horz" lIns="91440" tIns="45720" rIns="91440" bIns="45720" rtlCol="0" anchor="ctr"/>
           <a:lstStyle>
             <a:lvl1pPr algn="r">
-              <a:defRPr sz="900" b="1" i="0">
+              <a:defRPr sz="1200">
                 <a:solidFill>
                   <a:schemeClr val="tx1">
-                    <a:lumMod val="75000"/>
+                    <a:tint val="75000"/>
                   </a:schemeClr>
                 </a:solidFill>
-                <a:effectLst>
-                  <a:outerShdw blurRad="50800" dist="38100" dir="2700000" algn="tl" rotWithShape="0">
-                    <a:srgbClr val="000000">
-                      <a:alpha val="43000"/>
-                    </a:srgbClr>
-                  </a:outerShdw>
-                </a:effectLst>
-                <a:latin typeface="+mn-lt"/>
               </a:defRPr>
             </a:lvl1pPr>
           </a:lstStyle>
@@ -5059,550 +3011,202 @@
     </p:spTree>
     <p:extLst>
       <p:ext uri="{BB962C8B-B14F-4D97-AF65-F5344CB8AC3E}">
-        <p14:creationId xmlns:p14="http://schemas.microsoft.com/office/powerpoint/2010/main" val="2106130749"/>
+        <p14:creationId xmlns:p14="http://schemas.microsoft.com/office/powerpoint/2010/main" val="2008942880"/>
       </p:ext>
     </p:extLst>
   </p:cSld>
-  <p:clrMap bg1="dk1" tx1="lt1" bg2="dk2" tx2="lt2" accent1="accent1" accent2="accent2" accent3="accent3" accent4="accent4" accent5="accent5" accent6="accent6" hlink="hlink" folHlink="folHlink"/>
+  <p:clrMap bg1="lt1" tx1="dk1" bg2="lt2" tx2="dk2" accent1="accent1" accent2="accent2" accent3="accent3" accent4="accent4" accent5="accent5" accent6="accent6" hlink="hlink" folHlink="folHlink"/>
   <p:sldLayoutIdLst>
-    <p:sldLayoutId id="2147483661" r:id="rId1"/>
-    <p:sldLayoutId id="2147483662" r:id="rId2"/>
-    <p:sldLayoutId id="2147483663" r:id="rId3"/>
-    <p:sldLayoutId id="2147483664" r:id="rId4"/>
-    <p:sldLayoutId id="2147483665" r:id="rId5"/>
-    <p:sldLayoutId id="2147483666" r:id="rId6"/>
-    <p:sldLayoutId id="2147483667" r:id="rId7"/>
-    <p:sldLayoutId id="2147483668" r:id="rId8"/>
-    <p:sldLayoutId id="2147483669" r:id="rId9"/>
-    <p:sldLayoutId id="2147483670" r:id="rId10"/>
-    <p:sldLayoutId id="2147483671" r:id="rId11"/>
-    <p:sldLayoutId id="2147483672" r:id="rId12"/>
-    <p:sldLayoutId id="2147483673" r:id="rId13"/>
-    <p:sldLayoutId id="2147483674" r:id="rId14"/>
-    <p:sldLayoutId id="2147483675" r:id="rId15"/>
-    <p:sldLayoutId id="2147483676" r:id="rId16"/>
-    <p:sldLayoutId id="2147483677" r:id="rId17"/>
+    <p:sldLayoutId id="2147483679" r:id="rId1"/>
+    <p:sldLayoutId id="2147483680" r:id="rId2"/>
+    <p:sldLayoutId id="2147483681" r:id="rId3"/>
+    <p:sldLayoutId id="2147483682" r:id="rId4"/>
+    <p:sldLayoutId id="2147483683" r:id="rId5"/>
+    <p:sldLayoutId id="2147483684" r:id="rId6"/>
+    <p:sldLayoutId id="2147483685" r:id="rId7"/>
+    <p:sldLayoutId id="2147483686" r:id="rId8"/>
+    <p:sldLayoutId id="2147483687" r:id="rId9"/>
+    <p:sldLayoutId id="2147483688" r:id="rId10"/>
+    <p:sldLayoutId id="2147483689" r:id="rId11"/>
   </p:sldLayoutIdLst>
   <p:txStyles>
     <p:titleStyle>
-      <a:lvl1pPr algn="l" defTabSz="457200" rtl="0" eaLnBrk="1" latinLnBrk="0" hangingPunct="1">
+      <a:lvl1pPr algn="l" defTabSz="914400" rtl="0" eaLnBrk="1" latinLnBrk="0" hangingPunct="1">
+        <a:lnSpc>
+          <a:spcPct val="90000"/>
+        </a:lnSpc>
         <a:spcBef>
           <a:spcPct val="0"/>
         </a:spcBef>
         <a:buNone/>
-        <a:defRPr sz="3200" kern="1200" cap="all">
-          <a:ln w="3175" cmpd="sng">
-            <a:noFill/>
-          </a:ln>
-          <a:gradFill flip="none" rotWithShape="1">
-            <a:gsLst>
-              <a:gs pos="0">
-                <a:schemeClr val="tx1"/>
-              </a:gs>
-              <a:gs pos="100000">
-                <a:schemeClr val="tx1">
-                  <a:lumMod val="65000"/>
-                </a:schemeClr>
-              </a:gs>
-            </a:gsLst>
-            <a:lin ang="5580000" scaled="0"/>
-            <a:tileRect/>
-          </a:gradFill>
-          <a:effectLst>
-            <a:glow rad="38100">
-              <a:schemeClr val="bg1">
-                <a:lumMod val="65000"/>
-                <a:lumOff val="35000"/>
-                <a:alpha val="40000"/>
-              </a:schemeClr>
-            </a:glow>
-            <a:outerShdw blurRad="28575" dist="38100" dir="14040000" algn="tl" rotWithShape="0">
-              <a:srgbClr val="000000">
-                <a:alpha val="25000"/>
-              </a:srgbClr>
-            </a:outerShdw>
-          </a:effectLst>
+        <a:defRPr sz="4400" kern="1200">
+          <a:solidFill>
+            <a:schemeClr val="tx1"/>
+          </a:solidFill>
           <a:latin typeface="+mj-lt"/>
           <a:ea typeface="+mj-ea"/>
           <a:cs typeface="+mj-cs"/>
         </a:defRPr>
       </a:lvl1pPr>
-      <a:lvl2pPr eaLnBrk="1" hangingPunct="1">
-        <a:defRPr>
-          <a:solidFill>
-            <a:schemeClr val="tx2"/>
-          </a:solidFill>
-        </a:defRPr>
-      </a:lvl2pPr>
-      <a:lvl3pPr eaLnBrk="1" hangingPunct="1">
-        <a:defRPr>
-          <a:solidFill>
-            <a:schemeClr val="tx2"/>
-          </a:solidFill>
-        </a:defRPr>
-      </a:lvl3pPr>
-      <a:lvl4pPr eaLnBrk="1" hangingPunct="1">
-        <a:defRPr>
-          <a:solidFill>
-            <a:schemeClr val="tx2"/>
-          </a:solidFill>
-        </a:defRPr>
-      </a:lvl4pPr>
-      <a:lvl5pPr eaLnBrk="1" hangingPunct="1">
-        <a:defRPr>
-          <a:solidFill>
-            <a:schemeClr val="tx2"/>
-          </a:solidFill>
-        </a:defRPr>
-      </a:lvl5pPr>
-      <a:lvl6pPr eaLnBrk="1" hangingPunct="1">
-        <a:defRPr>
-          <a:solidFill>
-            <a:schemeClr val="tx2"/>
-          </a:solidFill>
-        </a:defRPr>
-      </a:lvl6pPr>
-      <a:lvl7pPr eaLnBrk="1" hangingPunct="1">
-        <a:defRPr>
-          <a:solidFill>
-            <a:schemeClr val="tx2"/>
-          </a:solidFill>
-        </a:defRPr>
-      </a:lvl7pPr>
-      <a:lvl8pPr eaLnBrk="1" hangingPunct="1">
-        <a:defRPr>
-          <a:solidFill>
-            <a:schemeClr val="tx2"/>
-          </a:solidFill>
-        </a:defRPr>
-      </a:lvl8pPr>
-      <a:lvl9pPr eaLnBrk="1" hangingPunct="1">
-        <a:defRPr>
-          <a:solidFill>
-            <a:schemeClr val="tx2"/>
-          </a:solidFill>
-        </a:defRPr>
-      </a:lvl9pPr>
     </p:titleStyle>
     <p:bodyStyle>
-      <a:lvl1pPr marL="285750" indent="-285750" algn="l" defTabSz="457200" rtl="0" eaLnBrk="1" latinLnBrk="0" hangingPunct="1">
+      <a:lvl1pPr marL="228600" indent="-228600" algn="l" defTabSz="914400" rtl="0" eaLnBrk="1" latinLnBrk="0" hangingPunct="1">
+        <a:lnSpc>
+          <a:spcPct val="90000"/>
+        </a:lnSpc>
         <a:spcBef>
-          <a:spcPct val="20000"/>
+          <a:spcPts val="1000"/>
         </a:spcBef>
-        <a:spcAft>
-          <a:spcPts val="600"/>
-        </a:spcAft>
-        <a:buClr>
-          <a:schemeClr val="tx1"/>
-        </a:buClr>
-        <a:buSzPct val="100000"/>
-        <a:buFont typeface="Arial"/>
+        <a:buFont typeface="Arial" panose="020B0604020202020204" pitchFamily="34" charset="0"/>
         <a:buChar char="•"/>
-        <a:defRPr sz="2000" kern="1200" cap="small">
-          <a:gradFill flip="none" rotWithShape="1">
-            <a:gsLst>
-              <a:gs pos="0">
-                <a:schemeClr val="tx1"/>
-              </a:gs>
-              <a:gs pos="100000">
-                <a:schemeClr val="tx1">
-                  <a:lumMod val="75000"/>
-                </a:schemeClr>
-              </a:gs>
-            </a:gsLst>
-            <a:lin ang="5580000" scaled="0"/>
-            <a:tileRect/>
-          </a:gradFill>
-          <a:effectLst>
-            <a:glow rad="38100">
-              <a:schemeClr val="bg1">
-                <a:lumMod val="50000"/>
-                <a:lumOff val="50000"/>
-                <a:alpha val="20000"/>
-              </a:schemeClr>
-            </a:glow>
-            <a:outerShdw blurRad="44450" dist="12700" dir="13860000" algn="tl" rotWithShape="0">
-              <a:srgbClr val="000000">
-                <a:alpha val="20000"/>
-              </a:srgbClr>
-            </a:outerShdw>
-          </a:effectLst>
+        <a:defRPr sz="2800" kern="1200">
+          <a:solidFill>
+            <a:schemeClr val="tx1"/>
+          </a:solidFill>
           <a:latin typeface="+mn-lt"/>
           <a:ea typeface="+mn-ea"/>
           <a:cs typeface="+mn-cs"/>
         </a:defRPr>
       </a:lvl1pPr>
-      <a:lvl2pPr marL="742950" indent="-285750" algn="l" defTabSz="457200" rtl="0" eaLnBrk="1" latinLnBrk="0" hangingPunct="1">
+      <a:lvl2pPr marL="685800" indent="-228600" algn="l" defTabSz="914400" rtl="0" eaLnBrk="1" latinLnBrk="0" hangingPunct="1">
+        <a:lnSpc>
+          <a:spcPct val="90000"/>
+        </a:lnSpc>
         <a:spcBef>
-          <a:spcPct val="20000"/>
+          <a:spcPts val="500"/>
         </a:spcBef>
-        <a:spcAft>
-          <a:spcPts val="600"/>
-        </a:spcAft>
-        <a:buClr>
-          <a:schemeClr val="tx1"/>
-        </a:buClr>
-        <a:buSzPct val="100000"/>
-        <a:buFont typeface="Arial"/>
+        <a:buFont typeface="Arial" panose="020B0604020202020204" pitchFamily="34" charset="0"/>
         <a:buChar char="•"/>
-        <a:defRPr sz="1800" kern="1200" cap="small">
-          <a:gradFill flip="none" rotWithShape="1">
-            <a:gsLst>
-              <a:gs pos="0">
-                <a:schemeClr val="tx1"/>
-              </a:gs>
-              <a:gs pos="100000">
-                <a:schemeClr val="tx1">
-                  <a:lumMod val="75000"/>
-                </a:schemeClr>
-              </a:gs>
-            </a:gsLst>
-            <a:lin ang="5580000" scaled="0"/>
-            <a:tileRect/>
-          </a:gradFill>
-          <a:effectLst>
-            <a:glow rad="38100">
-              <a:schemeClr val="bg1">
-                <a:lumMod val="50000"/>
-                <a:lumOff val="50000"/>
-                <a:alpha val="20000"/>
-              </a:schemeClr>
-            </a:glow>
-            <a:outerShdw blurRad="44450" dist="12700" dir="13860000" algn="tl" rotWithShape="0">
-              <a:srgbClr val="000000">
-                <a:alpha val="20000"/>
-              </a:srgbClr>
-            </a:outerShdw>
-          </a:effectLst>
+        <a:defRPr sz="2400" kern="1200">
+          <a:solidFill>
+            <a:schemeClr val="tx1"/>
+          </a:solidFill>
           <a:latin typeface="+mn-lt"/>
           <a:ea typeface="+mn-ea"/>
           <a:cs typeface="+mn-cs"/>
         </a:defRPr>
       </a:lvl2pPr>
-      <a:lvl3pPr marL="1200150" indent="-285750" algn="l" defTabSz="457200" rtl="0" eaLnBrk="1" latinLnBrk="0" hangingPunct="1">
+      <a:lvl3pPr marL="1143000" indent="-228600" algn="l" defTabSz="914400" rtl="0" eaLnBrk="1" latinLnBrk="0" hangingPunct="1">
+        <a:lnSpc>
+          <a:spcPct val="90000"/>
+        </a:lnSpc>
         <a:spcBef>
-          <a:spcPct val="20000"/>
+          <a:spcPts val="500"/>
         </a:spcBef>
-        <a:spcAft>
-          <a:spcPts val="600"/>
-        </a:spcAft>
-        <a:buClr>
-          <a:schemeClr val="tx1"/>
-        </a:buClr>
-        <a:buSzPct val="100000"/>
-        <a:buFont typeface="Arial"/>
+        <a:buFont typeface="Arial" panose="020B0604020202020204" pitchFamily="34" charset="0"/>
         <a:buChar char="•"/>
-        <a:defRPr sz="1600" kern="1200" cap="small">
-          <a:gradFill flip="none" rotWithShape="1">
-            <a:gsLst>
-              <a:gs pos="0">
-                <a:schemeClr val="tx1"/>
-              </a:gs>
-              <a:gs pos="100000">
-                <a:schemeClr val="tx1">
-                  <a:lumMod val="75000"/>
-                </a:schemeClr>
-              </a:gs>
-            </a:gsLst>
-            <a:lin ang="5580000" scaled="0"/>
-            <a:tileRect/>
-          </a:gradFill>
-          <a:effectLst>
-            <a:glow rad="38100">
-              <a:schemeClr val="bg1">
-                <a:lumMod val="50000"/>
-                <a:lumOff val="50000"/>
-                <a:alpha val="20000"/>
-              </a:schemeClr>
-            </a:glow>
-            <a:outerShdw blurRad="44450" dist="12700" dir="13860000" algn="tl" rotWithShape="0">
-              <a:srgbClr val="000000">
-                <a:alpha val="20000"/>
-              </a:srgbClr>
-            </a:outerShdw>
-          </a:effectLst>
+        <a:defRPr sz="2000" kern="1200">
+          <a:solidFill>
+            <a:schemeClr val="tx1"/>
+          </a:solidFill>
           <a:latin typeface="+mn-lt"/>
           <a:ea typeface="+mn-ea"/>
           <a:cs typeface="+mn-cs"/>
         </a:defRPr>
       </a:lvl3pPr>
-      <a:lvl4pPr marL="1543050" indent="-171450" algn="l" defTabSz="457200" rtl="0" eaLnBrk="1" latinLnBrk="0" hangingPunct="1">
+      <a:lvl4pPr marL="1600200" indent="-228600" algn="l" defTabSz="914400" rtl="0" eaLnBrk="1" latinLnBrk="0" hangingPunct="1">
+        <a:lnSpc>
+          <a:spcPct val="90000"/>
+        </a:lnSpc>
         <a:spcBef>
-          <a:spcPct val="20000"/>
+          <a:spcPts val="500"/>
         </a:spcBef>
-        <a:spcAft>
-          <a:spcPts val="600"/>
-        </a:spcAft>
-        <a:buClr>
-          <a:schemeClr val="tx1"/>
-        </a:buClr>
-        <a:buSzPct val="100000"/>
-        <a:buFont typeface="Arial"/>
+        <a:buFont typeface="Arial" panose="020B0604020202020204" pitchFamily="34" charset="0"/>
         <a:buChar char="•"/>
-        <a:defRPr sz="1400" kern="1200" cap="small">
-          <a:gradFill flip="none" rotWithShape="1">
-            <a:gsLst>
-              <a:gs pos="0">
-                <a:schemeClr val="tx1"/>
-              </a:gs>
-              <a:gs pos="100000">
-                <a:schemeClr val="tx1">
-                  <a:lumMod val="75000"/>
-                </a:schemeClr>
-              </a:gs>
-            </a:gsLst>
-            <a:lin ang="5580000" scaled="0"/>
-            <a:tileRect/>
-          </a:gradFill>
-          <a:effectLst>
-            <a:glow rad="38100">
-              <a:schemeClr val="bg1">
-                <a:lumMod val="50000"/>
-                <a:lumOff val="50000"/>
-                <a:alpha val="20000"/>
-              </a:schemeClr>
-            </a:glow>
-            <a:outerShdw blurRad="44450" dist="12700" dir="13860000" algn="tl" rotWithShape="0">
-              <a:srgbClr val="000000">
-                <a:alpha val="20000"/>
-              </a:srgbClr>
-            </a:outerShdw>
-          </a:effectLst>
+        <a:defRPr sz="1800" kern="1200">
+          <a:solidFill>
+            <a:schemeClr val="tx1"/>
+          </a:solidFill>
           <a:latin typeface="+mn-lt"/>
           <a:ea typeface="+mn-ea"/>
           <a:cs typeface="+mn-cs"/>
         </a:defRPr>
       </a:lvl4pPr>
-      <a:lvl5pPr marL="2000250" indent="-171450" algn="l" defTabSz="457200" rtl="0" eaLnBrk="1" latinLnBrk="0" hangingPunct="1">
+      <a:lvl5pPr marL="2057400" indent="-228600" algn="l" defTabSz="914400" rtl="0" eaLnBrk="1" latinLnBrk="0" hangingPunct="1">
+        <a:lnSpc>
+          <a:spcPct val="90000"/>
+        </a:lnSpc>
         <a:spcBef>
-          <a:spcPct val="20000"/>
+          <a:spcPts val="500"/>
         </a:spcBef>
-        <a:spcAft>
-          <a:spcPts val="600"/>
-        </a:spcAft>
-        <a:buClr>
-          <a:schemeClr val="tx1"/>
-        </a:buClr>
-        <a:buSzPct val="100000"/>
-        <a:buFont typeface="Arial"/>
+        <a:buFont typeface="Arial" panose="020B0604020202020204" pitchFamily="34" charset="0"/>
         <a:buChar char="•"/>
-        <a:defRPr sz="1400" kern="1200" cap="small">
-          <a:gradFill flip="none" rotWithShape="1">
-            <a:gsLst>
-              <a:gs pos="0">
-                <a:schemeClr val="tx1"/>
-              </a:gs>
-              <a:gs pos="100000">
-                <a:schemeClr val="tx1">
-                  <a:lumMod val="75000"/>
-                </a:schemeClr>
-              </a:gs>
-            </a:gsLst>
-            <a:lin ang="5580000" scaled="0"/>
-            <a:tileRect/>
-          </a:gradFill>
-          <a:effectLst>
-            <a:glow rad="38100">
-              <a:schemeClr val="bg1">
-                <a:lumMod val="50000"/>
-                <a:lumOff val="50000"/>
-                <a:alpha val="20000"/>
-              </a:schemeClr>
-            </a:glow>
-            <a:outerShdw blurRad="44450" dist="12700" dir="13860000" algn="tl" rotWithShape="0">
-              <a:srgbClr val="000000">
-                <a:alpha val="20000"/>
-              </a:srgbClr>
-            </a:outerShdw>
-          </a:effectLst>
+        <a:defRPr sz="1800" kern="1200">
+          <a:solidFill>
+            <a:schemeClr val="tx1"/>
+          </a:solidFill>
           <a:latin typeface="+mn-lt"/>
           <a:ea typeface="+mn-ea"/>
           <a:cs typeface="+mn-cs"/>
         </a:defRPr>
       </a:lvl5pPr>
-      <a:lvl6pPr marL="2514600" indent="-228600" algn="l" defTabSz="457200" rtl="0" eaLnBrk="1" latinLnBrk="0" hangingPunct="1">
+      <a:lvl6pPr marL="2514600" indent="-228600" algn="l" defTabSz="914400" rtl="0" eaLnBrk="1" latinLnBrk="0" hangingPunct="1">
+        <a:lnSpc>
+          <a:spcPct val="90000"/>
+        </a:lnSpc>
         <a:spcBef>
-          <a:spcPct val="20000"/>
+          <a:spcPts val="500"/>
         </a:spcBef>
-        <a:spcAft>
-          <a:spcPts val="600"/>
-        </a:spcAft>
-        <a:buClr>
-          <a:schemeClr val="tx1"/>
-        </a:buClr>
-        <a:buSzPct val="100000"/>
-        <a:buFont typeface="Arial"/>
+        <a:buFont typeface="Arial" panose="020B0604020202020204" pitchFamily="34" charset="0"/>
         <a:buChar char="•"/>
-        <a:defRPr sz="1200" kern="1200" cap="small">
-          <a:gradFill flip="none" rotWithShape="1">
-            <a:gsLst>
-              <a:gs pos="0">
-                <a:schemeClr val="tx1"/>
-              </a:gs>
-              <a:gs pos="100000">
-                <a:schemeClr val="tx1">
-                  <a:lumMod val="75000"/>
-                </a:schemeClr>
-              </a:gs>
-            </a:gsLst>
-            <a:lin ang="5580000" scaled="0"/>
-            <a:tileRect/>
-          </a:gradFill>
-          <a:effectLst>
-            <a:glow rad="38100">
-              <a:schemeClr val="bg1">
-                <a:lumMod val="50000"/>
-                <a:lumOff val="50000"/>
-                <a:alpha val="20000"/>
-              </a:schemeClr>
-            </a:glow>
-            <a:outerShdw blurRad="44450" dist="12700" dir="13860000" algn="tl" rotWithShape="0">
-              <a:srgbClr val="000000">
-                <a:alpha val="20000"/>
-              </a:srgbClr>
-            </a:outerShdw>
-          </a:effectLst>
+        <a:defRPr sz="1800" kern="1200">
+          <a:solidFill>
+            <a:schemeClr val="tx1"/>
+          </a:solidFill>
           <a:latin typeface="+mn-lt"/>
           <a:ea typeface="+mn-ea"/>
           <a:cs typeface="+mn-cs"/>
         </a:defRPr>
       </a:lvl6pPr>
-      <a:lvl7pPr marL="2971800" indent="-228600" algn="l" defTabSz="457200" rtl="0" eaLnBrk="1" latinLnBrk="0" hangingPunct="1">
+      <a:lvl7pPr marL="2971800" indent="-228600" algn="l" defTabSz="914400" rtl="0" eaLnBrk="1" latinLnBrk="0" hangingPunct="1">
+        <a:lnSpc>
+          <a:spcPct val="90000"/>
+        </a:lnSpc>
         <a:spcBef>
-          <a:spcPct val="20000"/>
+          <a:spcPts val="500"/>
         </a:spcBef>
-        <a:spcAft>
-          <a:spcPts val="600"/>
-        </a:spcAft>
-        <a:buClr>
-          <a:schemeClr val="tx1"/>
-        </a:buClr>
-        <a:buSzPct val="100000"/>
-        <a:buFont typeface="Arial"/>
+        <a:buFont typeface="Arial" panose="020B0604020202020204" pitchFamily="34" charset="0"/>
         <a:buChar char="•"/>
-        <a:defRPr sz="1200" kern="1200" cap="small">
-          <a:gradFill flip="none" rotWithShape="1">
-            <a:gsLst>
-              <a:gs pos="0">
-                <a:schemeClr val="tx1"/>
-              </a:gs>
-              <a:gs pos="100000">
-                <a:schemeClr val="tx1">
-                  <a:lumMod val="75000"/>
-                </a:schemeClr>
-              </a:gs>
-            </a:gsLst>
-            <a:lin ang="5580000" scaled="0"/>
-            <a:tileRect/>
-          </a:gradFill>
-          <a:effectLst>
-            <a:glow rad="38100">
-              <a:schemeClr val="bg1">
-                <a:lumMod val="50000"/>
-                <a:lumOff val="50000"/>
-                <a:alpha val="20000"/>
-              </a:schemeClr>
-            </a:glow>
-            <a:outerShdw blurRad="44450" dist="12700" dir="13860000" algn="tl" rotWithShape="0">
-              <a:srgbClr val="000000">
-                <a:alpha val="20000"/>
-              </a:srgbClr>
-            </a:outerShdw>
-          </a:effectLst>
+        <a:defRPr sz="1800" kern="1200">
+          <a:solidFill>
+            <a:schemeClr val="tx1"/>
+          </a:solidFill>
           <a:latin typeface="+mn-lt"/>
           <a:ea typeface="+mn-ea"/>
           <a:cs typeface="+mn-cs"/>
         </a:defRPr>
       </a:lvl7pPr>
-      <a:lvl8pPr marL="3429000" indent="-228600" algn="l" defTabSz="457200" rtl="0" eaLnBrk="1" latinLnBrk="0" hangingPunct="1">
+      <a:lvl8pPr marL="3429000" indent="-228600" algn="l" defTabSz="914400" rtl="0" eaLnBrk="1" latinLnBrk="0" hangingPunct="1">
+        <a:lnSpc>
+          <a:spcPct val="90000"/>
+        </a:lnSpc>
         <a:spcBef>
-          <a:spcPct val="20000"/>
+          <a:spcPts val="500"/>
         </a:spcBef>
-        <a:spcAft>
-          <a:spcPts val="600"/>
-        </a:spcAft>
-        <a:buClr>
-          <a:schemeClr val="tx1"/>
-        </a:buClr>
-        <a:buSzPct val="100000"/>
-        <a:buFont typeface="Arial"/>
+        <a:buFont typeface="Arial" panose="020B0604020202020204" pitchFamily="34" charset="0"/>
         <a:buChar char="•"/>
-        <a:defRPr sz="1200" kern="1200" cap="small">
-          <a:gradFill flip="none" rotWithShape="1">
-            <a:gsLst>
-              <a:gs pos="0">
-                <a:schemeClr val="tx1"/>
-              </a:gs>
-              <a:gs pos="100000">
-                <a:schemeClr val="tx1">
-                  <a:lumMod val="75000"/>
-                </a:schemeClr>
-              </a:gs>
-            </a:gsLst>
-            <a:lin ang="5580000" scaled="0"/>
-            <a:tileRect/>
-          </a:gradFill>
-          <a:effectLst>
-            <a:glow rad="38100">
-              <a:schemeClr val="bg1">
-                <a:lumMod val="50000"/>
-                <a:lumOff val="50000"/>
-                <a:alpha val="20000"/>
-              </a:schemeClr>
-            </a:glow>
-            <a:outerShdw blurRad="44450" dist="12700" dir="13860000" algn="tl" rotWithShape="0">
-              <a:srgbClr val="000000">
-                <a:alpha val="20000"/>
-              </a:srgbClr>
-            </a:outerShdw>
-          </a:effectLst>
+        <a:defRPr sz="1800" kern="1200">
+          <a:solidFill>
+            <a:schemeClr val="tx1"/>
+          </a:solidFill>
           <a:latin typeface="+mn-lt"/>
           <a:ea typeface="+mn-ea"/>
           <a:cs typeface="+mn-cs"/>
         </a:defRPr>
       </a:lvl8pPr>
-      <a:lvl9pPr marL="3886200" indent="-228600" algn="l" defTabSz="457200" rtl="0" eaLnBrk="1" latinLnBrk="0" hangingPunct="1">
+      <a:lvl9pPr marL="3886200" indent="-228600" algn="l" defTabSz="914400" rtl="0" eaLnBrk="1" latinLnBrk="0" hangingPunct="1">
+        <a:lnSpc>
+          <a:spcPct val="90000"/>
+        </a:lnSpc>
         <a:spcBef>
-          <a:spcPct val="20000"/>
+          <a:spcPts val="500"/>
         </a:spcBef>
-        <a:spcAft>
-          <a:spcPts val="600"/>
-        </a:spcAft>
-        <a:buClr>
-          <a:schemeClr val="tx1"/>
-        </a:buClr>
-        <a:buSzPct val="100000"/>
-        <a:buFont typeface="Arial"/>
+        <a:buFont typeface="Arial" panose="020B0604020202020204" pitchFamily="34" charset="0"/>
         <a:buChar char="•"/>
-        <a:defRPr sz="1200" kern="1200" cap="small">
-          <a:gradFill flip="none" rotWithShape="1">
-            <a:gsLst>
-              <a:gs pos="0">
-                <a:schemeClr val="tx1"/>
-              </a:gs>
-              <a:gs pos="100000">
-                <a:schemeClr val="tx1">
-                  <a:lumMod val="75000"/>
-                </a:schemeClr>
-              </a:gs>
-            </a:gsLst>
-            <a:lin ang="5580000" scaled="0"/>
-            <a:tileRect/>
-          </a:gradFill>
-          <a:effectLst>
-            <a:glow rad="38100">
-              <a:schemeClr val="bg1">
-                <a:lumMod val="50000"/>
-                <a:lumOff val="50000"/>
-                <a:alpha val="20000"/>
-              </a:schemeClr>
-            </a:glow>
-            <a:outerShdw blurRad="44450" dist="12700" dir="13860000" algn="tl" rotWithShape="0">
-              <a:srgbClr val="000000">
-                <a:alpha val="20000"/>
-              </a:srgbClr>
-            </a:outerShdw>
-          </a:effectLst>
+        <a:defRPr sz="1800" kern="1200">
+          <a:solidFill>
+            <a:schemeClr val="tx1"/>
+          </a:solidFill>
           <a:latin typeface="+mn-lt"/>
           <a:ea typeface="+mn-ea"/>
           <a:cs typeface="+mn-cs"/>
@@ -5613,7 +3217,7 @@
       <a:defPPr>
         <a:defRPr lang="en-US"/>
       </a:defPPr>
-      <a:lvl1pPr marL="0" algn="l" defTabSz="457200" rtl="0" eaLnBrk="1" latinLnBrk="0" hangingPunct="1">
+      <a:lvl1pPr marL="0" algn="l" defTabSz="914400" rtl="0" eaLnBrk="1" latinLnBrk="0" hangingPunct="1">
         <a:defRPr sz="1800" kern="1200">
           <a:solidFill>
             <a:schemeClr val="tx1"/>
@@ -5623,7 +3227,7 @@
           <a:cs typeface="+mn-cs"/>
         </a:defRPr>
       </a:lvl1pPr>
-      <a:lvl2pPr marL="457200" algn="l" defTabSz="457200" rtl="0" eaLnBrk="1" latinLnBrk="0" hangingPunct="1">
+      <a:lvl2pPr marL="457200" algn="l" defTabSz="914400" rtl="0" eaLnBrk="1" latinLnBrk="0" hangingPunct="1">
         <a:defRPr sz="1800" kern="1200">
           <a:solidFill>
             <a:schemeClr val="tx1"/>
@@ -5633,7 +3237,7 @@
           <a:cs typeface="+mn-cs"/>
         </a:defRPr>
       </a:lvl2pPr>
-      <a:lvl3pPr marL="914400" algn="l" defTabSz="457200" rtl="0" eaLnBrk="1" latinLnBrk="0" hangingPunct="1">
+      <a:lvl3pPr marL="914400" algn="l" defTabSz="914400" rtl="0" eaLnBrk="1" latinLnBrk="0" hangingPunct="1">
         <a:defRPr sz="1800" kern="1200">
           <a:solidFill>
             <a:schemeClr val="tx1"/>
@@ -5643,7 +3247,7 @@
           <a:cs typeface="+mn-cs"/>
         </a:defRPr>
       </a:lvl3pPr>
-      <a:lvl4pPr marL="1371600" algn="l" defTabSz="457200" rtl="0" eaLnBrk="1" latinLnBrk="0" hangingPunct="1">
+      <a:lvl4pPr marL="1371600" algn="l" defTabSz="914400" rtl="0" eaLnBrk="1" latinLnBrk="0" hangingPunct="1">
         <a:defRPr sz="1800" kern="1200">
           <a:solidFill>
             <a:schemeClr val="tx1"/>
@@ -5653,7 +3257,7 @@
           <a:cs typeface="+mn-cs"/>
         </a:defRPr>
       </a:lvl4pPr>
-      <a:lvl5pPr marL="1828800" algn="l" defTabSz="457200" rtl="0" eaLnBrk="1" latinLnBrk="0" hangingPunct="1">
+      <a:lvl5pPr marL="1828800" algn="l" defTabSz="914400" rtl="0" eaLnBrk="1" latinLnBrk="0" hangingPunct="1">
         <a:defRPr sz="1800" kern="1200">
           <a:solidFill>
             <a:schemeClr val="tx1"/>
@@ -5663,7 +3267,7 @@
           <a:cs typeface="+mn-cs"/>
         </a:defRPr>
       </a:lvl5pPr>
-      <a:lvl6pPr marL="2286000" algn="l" defTabSz="457200" rtl="0" eaLnBrk="1" latinLnBrk="0" hangingPunct="1">
+      <a:lvl6pPr marL="2286000" algn="l" defTabSz="914400" rtl="0" eaLnBrk="1" latinLnBrk="0" hangingPunct="1">
         <a:defRPr sz="1800" kern="1200">
           <a:solidFill>
             <a:schemeClr val="tx1"/>
@@ -5673,7 +3277,7 @@
           <a:cs typeface="+mn-cs"/>
         </a:defRPr>
       </a:lvl6pPr>
-      <a:lvl7pPr marL="2743200" algn="l" defTabSz="457200" rtl="0" eaLnBrk="1" latinLnBrk="0" hangingPunct="1">
+      <a:lvl7pPr marL="2743200" algn="l" defTabSz="914400" rtl="0" eaLnBrk="1" latinLnBrk="0" hangingPunct="1">
         <a:defRPr sz="1800" kern="1200">
           <a:solidFill>
             <a:schemeClr val="tx1"/>
@@ -5683,7 +3287,7 @@
           <a:cs typeface="+mn-cs"/>
         </a:defRPr>
       </a:lvl7pPr>
-      <a:lvl8pPr marL="3200400" algn="l" defTabSz="457200" rtl="0" eaLnBrk="1" latinLnBrk="0" hangingPunct="1">
+      <a:lvl8pPr marL="3200400" algn="l" defTabSz="914400" rtl="0" eaLnBrk="1" latinLnBrk="0" hangingPunct="1">
         <a:defRPr sz="1800" kern="1200">
           <a:solidFill>
             <a:schemeClr val="tx1"/>
@@ -5693,7 +3297,7 @@
           <a:cs typeface="+mn-cs"/>
         </a:defRPr>
       </a:lvl8pPr>
-      <a:lvl9pPr marL="3657600" algn="l" defTabSz="457200" rtl="0" eaLnBrk="1" latinLnBrk="0" hangingPunct="1">
+      <a:lvl9pPr marL="3657600" algn="l" defTabSz="914400" rtl="0" eaLnBrk="1" latinLnBrk="0" hangingPunct="1">
         <a:defRPr sz="1800" kern="1200">
           <a:solidFill>
             <a:schemeClr val="tx1"/>
@@ -8656,10 +6260,537 @@
 </p:sld>
 </file>
 
+<file path=ppt/slides/slide4.xml><?xml version="1.0" encoding="utf-8"?>
+<p:sld xmlns:a="http://schemas.openxmlformats.org/drawingml/2006/main" xmlns:r="http://schemas.openxmlformats.org/officeDocument/2006/relationships" xmlns:p="http://schemas.openxmlformats.org/presentationml/2006/main">
+  <p:cSld>
+    <p:spTree>
+      <p:nvGrpSpPr>
+        <p:cNvPr id="1" name=""/>
+        <p:cNvGrpSpPr/>
+        <p:nvPr/>
+      </p:nvGrpSpPr>
+      <p:grpSpPr>
+        <a:xfrm>
+          <a:off x="0" y="0"/>
+          <a:ext cx="0" cy="0"/>
+          <a:chOff x="0" y="0"/>
+          <a:chExt cx="0" cy="0"/>
+        </a:xfrm>
+      </p:grpSpPr>
+      <p:sp>
+        <p:nvSpPr>
+          <p:cNvPr id="22" name="Rectangle 21">
+            <a:extLst>
+              <a:ext uri="{FF2B5EF4-FFF2-40B4-BE49-F238E27FC236}">
+                <a16:creationId xmlns:a16="http://schemas.microsoft.com/office/drawing/2014/main" id="{6A17E854-79CE-4A1B-931E-AA04764319D5}"/>
+              </a:ext>
+            </a:extLst>
+          </p:cNvPr>
+          <p:cNvSpPr/>
+          <p:nvPr/>
+        </p:nvSpPr>
+        <p:spPr>
+          <a:xfrm>
+            <a:off x="0" y="0"/>
+            <a:ext cx="12144519" cy="6858000"/>
+          </a:xfrm>
+          <a:prstGeom prst="rect">
+            <a:avLst/>
+          </a:prstGeom>
+        </p:spPr>
+        <p:style>
+          <a:lnRef idx="2">
+            <a:schemeClr val="accent1">
+              <a:shade val="50000"/>
+            </a:schemeClr>
+          </a:lnRef>
+          <a:fillRef idx="1">
+            <a:schemeClr val="accent1"/>
+          </a:fillRef>
+          <a:effectRef idx="0">
+            <a:schemeClr val="accent1"/>
+          </a:effectRef>
+          <a:fontRef idx="minor">
+            <a:schemeClr val="lt1"/>
+          </a:fontRef>
+        </p:style>
+        <p:txBody>
+          <a:bodyPr rtlCol="0" anchor="ctr"/>
+          <a:lstStyle/>
+          <a:p>
+            <a:pPr algn="ctr"/>
+            <a:endParaRPr lang="en-US" dirty="0"/>
+          </a:p>
+        </p:txBody>
+      </p:sp>
+      <p:grpSp>
+        <p:nvGrpSpPr>
+          <p:cNvPr id="20" name="Group 19">
+            <a:extLst>
+              <a:ext uri="{FF2B5EF4-FFF2-40B4-BE49-F238E27FC236}">
+                <a16:creationId xmlns:a16="http://schemas.microsoft.com/office/drawing/2014/main" id="{1DA421A2-1938-4E6B-80DA-57CB4FEF5207}"/>
+              </a:ext>
+            </a:extLst>
+          </p:cNvPr>
+          <p:cNvGrpSpPr/>
+          <p:nvPr/>
+        </p:nvGrpSpPr>
+        <p:grpSpPr>
+          <a:xfrm>
+            <a:off x="4480099" y="109131"/>
+            <a:ext cx="3299194" cy="6639738"/>
+            <a:chOff x="4034386" y="109131"/>
+            <a:chExt cx="3299194" cy="6639738"/>
+          </a:xfrm>
+        </p:grpSpPr>
+        <p:sp>
+          <p:nvSpPr>
+            <p:cNvPr id="4" name="Rectangle 3">
+              <a:extLst>
+                <a:ext uri="{FF2B5EF4-FFF2-40B4-BE49-F238E27FC236}">
+                  <a16:creationId xmlns:a16="http://schemas.microsoft.com/office/drawing/2014/main" id="{6D44A592-7D12-497E-ACF6-FF4F99DA0216}"/>
+                </a:ext>
+              </a:extLst>
+            </p:cNvPr>
+            <p:cNvSpPr/>
+            <p:nvPr/>
+          </p:nvSpPr>
+          <p:spPr>
+            <a:xfrm>
+              <a:off x="4034386" y="109131"/>
+              <a:ext cx="3299193" cy="6639738"/>
+            </a:xfrm>
+            <a:prstGeom prst="rect">
+              <a:avLst/>
+            </a:prstGeom>
+            <a:effectLst>
+              <a:outerShdw blurRad="50800" dist="38100" dir="5400000" algn="t" rotWithShape="0">
+                <a:prstClr val="black">
+                  <a:alpha val="40000"/>
+                </a:prstClr>
+              </a:outerShdw>
+            </a:effectLst>
+          </p:spPr>
+          <p:style>
+            <a:lnRef idx="2">
+              <a:schemeClr val="accent5"/>
+            </a:lnRef>
+            <a:fillRef idx="1">
+              <a:schemeClr val="lt1"/>
+            </a:fillRef>
+            <a:effectRef idx="0">
+              <a:schemeClr val="accent5"/>
+            </a:effectRef>
+            <a:fontRef idx="minor">
+              <a:schemeClr val="dk1"/>
+            </a:fontRef>
+          </p:style>
+          <p:txBody>
+            <a:bodyPr rtlCol="0" anchor="ctr"/>
+            <a:lstStyle/>
+            <a:p>
+              <a:pPr algn="ctr"/>
+              <a:endParaRPr lang="en-US" dirty="0"/>
+            </a:p>
+          </p:txBody>
+        </p:sp>
+        <p:sp>
+          <p:nvSpPr>
+            <p:cNvPr id="7" name="TextBox 6">
+              <a:extLst>
+                <a:ext uri="{FF2B5EF4-FFF2-40B4-BE49-F238E27FC236}">
+                  <a16:creationId xmlns:a16="http://schemas.microsoft.com/office/drawing/2014/main" id="{BFC18B4A-98C2-4B05-9FEF-67B6D994BBBD}"/>
+                </a:ext>
+              </a:extLst>
+            </p:cNvPr>
+            <p:cNvSpPr txBox="1"/>
+            <p:nvPr/>
+          </p:nvSpPr>
+          <p:spPr>
+            <a:xfrm>
+              <a:off x="4213592" y="2242348"/>
+              <a:ext cx="2839694" cy="369332"/>
+            </a:xfrm>
+            <a:prstGeom prst="rect">
+              <a:avLst/>
+            </a:prstGeom>
+          </p:spPr>
+          <p:style>
+            <a:lnRef idx="2">
+              <a:schemeClr val="accent5"/>
+            </a:lnRef>
+            <a:fillRef idx="1">
+              <a:schemeClr val="lt1"/>
+            </a:fillRef>
+            <a:effectRef idx="0">
+              <a:schemeClr val="accent5"/>
+            </a:effectRef>
+            <a:fontRef idx="minor">
+              <a:schemeClr val="dk1"/>
+            </a:fontRef>
+          </p:style>
+          <p:txBody>
+            <a:bodyPr wrap="square" rtlCol="0">
+              <a:spAutoFit/>
+            </a:bodyPr>
+            <a:lstStyle/>
+            <a:p>
+              <a:r>
+                <a:rPr lang="en-US" dirty="0"/>
+                <a:t>Enter Username / Email</a:t>
+              </a:r>
+            </a:p>
+          </p:txBody>
+        </p:sp>
+        <p:sp>
+          <p:nvSpPr>
+            <p:cNvPr id="9" name="TextBox 8">
+              <a:extLst>
+                <a:ext uri="{FF2B5EF4-FFF2-40B4-BE49-F238E27FC236}">
+                  <a16:creationId xmlns:a16="http://schemas.microsoft.com/office/drawing/2014/main" id="{60F4BAD8-C8A6-4F04-8764-97A64A4CB59D}"/>
+                </a:ext>
+              </a:extLst>
+            </p:cNvPr>
+            <p:cNvSpPr txBox="1"/>
+            <p:nvPr/>
+          </p:nvSpPr>
+          <p:spPr>
+            <a:xfrm>
+              <a:off x="4250352" y="3175496"/>
+              <a:ext cx="2839694" cy="369332"/>
+            </a:xfrm>
+            <a:prstGeom prst="rect">
+              <a:avLst/>
+            </a:prstGeom>
+          </p:spPr>
+          <p:style>
+            <a:lnRef idx="2">
+              <a:schemeClr val="accent5"/>
+            </a:lnRef>
+            <a:fillRef idx="1">
+              <a:schemeClr val="lt1"/>
+            </a:fillRef>
+            <a:effectRef idx="0">
+              <a:schemeClr val="accent5"/>
+            </a:effectRef>
+            <a:fontRef idx="minor">
+              <a:schemeClr val="dk1"/>
+            </a:fontRef>
+          </p:style>
+          <p:txBody>
+            <a:bodyPr wrap="square" rtlCol="0">
+              <a:spAutoFit/>
+            </a:bodyPr>
+            <a:lstStyle/>
+            <a:p>
+              <a:r>
+                <a:rPr lang="en-US" dirty="0"/>
+                <a:t>Password</a:t>
+              </a:r>
+            </a:p>
+          </p:txBody>
+        </p:sp>
+        <p:sp>
+          <p:nvSpPr>
+            <p:cNvPr id="10" name="Rectangle: Rounded Corners 9">
+              <a:extLst>
+                <a:ext uri="{FF2B5EF4-FFF2-40B4-BE49-F238E27FC236}">
+                  <a16:creationId xmlns:a16="http://schemas.microsoft.com/office/drawing/2014/main" id="{CAA57077-ABDB-4AAE-BF17-E41D72A11986}"/>
+                </a:ext>
+              </a:extLst>
+            </p:cNvPr>
+            <p:cNvSpPr/>
+            <p:nvPr/>
+          </p:nvSpPr>
+          <p:spPr>
+            <a:xfrm>
+              <a:off x="5127991" y="3657383"/>
+              <a:ext cx="1185504" cy="369332"/>
+            </a:xfrm>
+            <a:prstGeom prst="roundRect">
+              <a:avLst/>
+            </a:prstGeom>
+          </p:spPr>
+          <p:style>
+            <a:lnRef idx="2">
+              <a:schemeClr val="accent1">
+                <a:shade val="50000"/>
+              </a:schemeClr>
+            </a:lnRef>
+            <a:fillRef idx="1">
+              <a:schemeClr val="accent1"/>
+            </a:fillRef>
+            <a:effectRef idx="0">
+              <a:schemeClr val="accent1"/>
+            </a:effectRef>
+            <a:fontRef idx="minor">
+              <a:schemeClr val="lt1"/>
+            </a:fontRef>
+          </p:style>
+          <p:txBody>
+            <a:bodyPr rtlCol="0" anchor="ctr"/>
+            <a:lstStyle/>
+            <a:p>
+              <a:pPr algn="ctr"/>
+              <a:r>
+                <a:rPr lang="en-US" dirty="0"/>
+                <a:t>Sing In</a:t>
+              </a:r>
+            </a:p>
+          </p:txBody>
+        </p:sp>
+        <p:sp>
+          <p:nvSpPr>
+            <p:cNvPr id="13" name="TextBox 12">
+              <a:extLst>
+                <a:ext uri="{FF2B5EF4-FFF2-40B4-BE49-F238E27FC236}">
+                  <a16:creationId xmlns:a16="http://schemas.microsoft.com/office/drawing/2014/main" id="{9279CA54-D982-4F6E-A374-2F291D344A9D}"/>
+                </a:ext>
+              </a:extLst>
+            </p:cNvPr>
+            <p:cNvSpPr txBox="1"/>
+            <p:nvPr/>
+          </p:nvSpPr>
+          <p:spPr>
+            <a:xfrm>
+              <a:off x="4133179" y="6292970"/>
+              <a:ext cx="647892" cy="276999"/>
+            </a:xfrm>
+            <a:prstGeom prst="rect">
+              <a:avLst/>
+            </a:prstGeom>
+            <a:noFill/>
+          </p:spPr>
+          <p:txBody>
+            <a:bodyPr wrap="square" rtlCol="0">
+              <a:spAutoFit/>
+            </a:bodyPr>
+            <a:lstStyle/>
+            <a:p>
+              <a:pPr algn="ctr"/>
+              <a:r>
+                <a:rPr lang="en-US" sz="1200" b="1" u="sng" dirty="0">
+                  <a:solidFill>
+                    <a:schemeClr val="accent1">
+                      <a:lumMod val="50000"/>
+                    </a:schemeClr>
+                  </a:solidFill>
+                </a:rPr>
+                <a:t>Signup</a:t>
+              </a:r>
+            </a:p>
+          </p:txBody>
+        </p:sp>
+        <p:sp>
+          <p:nvSpPr>
+            <p:cNvPr id="15" name="TextBox 14">
+              <a:extLst>
+                <a:ext uri="{FF2B5EF4-FFF2-40B4-BE49-F238E27FC236}">
+                  <a16:creationId xmlns:a16="http://schemas.microsoft.com/office/drawing/2014/main" id="{83CE309B-318A-4F73-AD33-CB76E7E0B5AC}"/>
+                </a:ext>
+              </a:extLst>
+            </p:cNvPr>
+            <p:cNvSpPr txBox="1"/>
+            <p:nvPr/>
+          </p:nvSpPr>
+          <p:spPr>
+            <a:xfrm>
+              <a:off x="6088342" y="6292970"/>
+              <a:ext cx="1245238" cy="276999"/>
+            </a:xfrm>
+            <a:prstGeom prst="rect">
+              <a:avLst/>
+            </a:prstGeom>
+            <a:noFill/>
+          </p:spPr>
+          <p:txBody>
+            <a:bodyPr wrap="square" rtlCol="0">
+              <a:spAutoFit/>
+            </a:bodyPr>
+            <a:lstStyle/>
+            <a:p>
+              <a:r>
+                <a:rPr lang="en-US" sz="1200" b="1" u="sng" dirty="0">
+                  <a:solidFill>
+                    <a:schemeClr val="accent1">
+                      <a:lumMod val="50000"/>
+                    </a:schemeClr>
+                  </a:solidFill>
+                </a:rPr>
+                <a:t>Forget Password</a:t>
+              </a:r>
+            </a:p>
+          </p:txBody>
+        </p:sp>
+        <p:sp>
+          <p:nvSpPr>
+            <p:cNvPr id="16" name="TextBox 15">
+              <a:extLst>
+                <a:ext uri="{FF2B5EF4-FFF2-40B4-BE49-F238E27FC236}">
+                  <a16:creationId xmlns:a16="http://schemas.microsoft.com/office/drawing/2014/main" id="{E8A7C478-9908-4074-96C9-B8997FBC0C6D}"/>
+                </a:ext>
+              </a:extLst>
+            </p:cNvPr>
+            <p:cNvSpPr txBox="1"/>
+            <p:nvPr/>
+          </p:nvSpPr>
+          <p:spPr>
+            <a:xfrm>
+              <a:off x="4503075" y="288031"/>
+              <a:ext cx="2361817" cy="369332"/>
+            </a:xfrm>
+            <a:prstGeom prst="rect">
+              <a:avLst/>
+            </a:prstGeom>
+            <a:noFill/>
+          </p:spPr>
+          <p:txBody>
+            <a:bodyPr wrap="square" rtlCol="0">
+              <a:spAutoFit/>
+            </a:bodyPr>
+            <a:lstStyle/>
+            <a:p>
+              <a:pPr algn="ctr"/>
+              <a:r>
+                <a:rPr lang="en-US" b="1" dirty="0"/>
+                <a:t>Login Form</a:t>
+              </a:r>
+            </a:p>
+          </p:txBody>
+        </p:sp>
+        <p:sp>
+          <p:nvSpPr>
+            <p:cNvPr id="17" name="TextBox 16">
+              <a:extLst>
+                <a:ext uri="{FF2B5EF4-FFF2-40B4-BE49-F238E27FC236}">
+                  <a16:creationId xmlns:a16="http://schemas.microsoft.com/office/drawing/2014/main" id="{D4A5B1A5-F750-44BE-9632-43A882D1FDD5}"/>
+                </a:ext>
+              </a:extLst>
+            </p:cNvPr>
+            <p:cNvSpPr txBox="1"/>
+            <p:nvPr/>
+          </p:nvSpPr>
+          <p:spPr>
+            <a:xfrm>
+              <a:off x="4213591" y="1870155"/>
+              <a:ext cx="1452013" cy="369332"/>
+            </a:xfrm>
+            <a:prstGeom prst="rect">
+              <a:avLst/>
+            </a:prstGeom>
+            <a:noFill/>
+          </p:spPr>
+          <p:txBody>
+            <a:bodyPr wrap="square" rtlCol="0">
+              <a:spAutoFit/>
+            </a:bodyPr>
+            <a:lstStyle/>
+            <a:p>
+              <a:r>
+                <a:rPr lang="en-US" b="1" dirty="0"/>
+                <a:t>Username</a:t>
+              </a:r>
+            </a:p>
+          </p:txBody>
+        </p:sp>
+        <p:sp>
+          <p:nvSpPr>
+            <p:cNvPr id="19" name="TextBox 18">
+              <a:extLst>
+                <a:ext uri="{FF2B5EF4-FFF2-40B4-BE49-F238E27FC236}">
+                  <a16:creationId xmlns:a16="http://schemas.microsoft.com/office/drawing/2014/main" id="{7D7EE5F7-4664-45A8-B5BE-786F46C2731C}"/>
+                </a:ext>
+              </a:extLst>
+            </p:cNvPr>
+            <p:cNvSpPr txBox="1"/>
+            <p:nvPr/>
+          </p:nvSpPr>
+          <p:spPr>
+            <a:xfrm>
+              <a:off x="4213590" y="2818616"/>
+              <a:ext cx="1452013" cy="369332"/>
+            </a:xfrm>
+            <a:prstGeom prst="rect">
+              <a:avLst/>
+            </a:prstGeom>
+            <a:noFill/>
+          </p:spPr>
+          <p:txBody>
+            <a:bodyPr wrap="square" rtlCol="0">
+              <a:spAutoFit/>
+            </a:bodyPr>
+            <a:lstStyle/>
+            <a:p>
+              <a:r>
+                <a:rPr lang="en-US" b="1" dirty="0"/>
+                <a:t>Password</a:t>
+              </a:r>
+            </a:p>
+          </p:txBody>
+        </p:sp>
+        <p:pic>
+          <p:nvPicPr>
+            <p:cNvPr id="1026" name="Picture 2" descr="Secure WordPress Login">
+              <a:extLst>
+                <a:ext uri="{FF2B5EF4-FFF2-40B4-BE49-F238E27FC236}">
+                  <a16:creationId xmlns:a16="http://schemas.microsoft.com/office/drawing/2014/main" id="{AE7B0087-FA17-434F-BDAE-6BBA6C2BA5B3}"/>
+                </a:ext>
+              </a:extLst>
+            </p:cNvPr>
+            <p:cNvPicPr>
+              <a:picLocks noChangeAspect="1" noChangeArrowheads="1"/>
+            </p:cNvPicPr>
+            <p:nvPr/>
+          </p:nvPicPr>
+          <p:blipFill rotWithShape="1">
+            <a:blip r:embed="rId2">
+              <a:extLst>
+                <a:ext uri="{28A0092B-C50C-407E-A947-70E740481C1C}">
+                  <a14:useLocalDpi xmlns:a14="http://schemas.microsoft.com/office/drawing/2010/main" val="0"/>
+                </a:ext>
+              </a:extLst>
+            </a:blip>
+            <a:srcRect l="33531" t="7638" r="32861" b="13005"/>
+            <a:stretch/>
+          </p:blipFill>
+          <p:spPr bwMode="auto">
+            <a:xfrm>
+              <a:off x="5286211" y="672231"/>
+              <a:ext cx="869064" cy="684024"/>
+            </a:xfrm>
+            <a:prstGeom prst="rect">
+              <a:avLst/>
+            </a:prstGeom>
+            <a:noFill/>
+            <a:extLst>
+              <a:ext uri="{909E8E84-426E-40DD-AFC4-6F175D3DCCD1}">
+                <a14:hiddenFill xmlns:a14="http://schemas.microsoft.com/office/drawing/2010/main">
+                  <a:solidFill>
+                    <a:srgbClr val="FFFFFF"/>
+                  </a:solidFill>
+                </a14:hiddenFill>
+              </a:ext>
+            </a:extLst>
+          </p:spPr>
+        </p:pic>
+      </p:grpSp>
+    </p:spTree>
+    <p:extLst>
+      <p:ext uri="{BB962C8B-B14F-4D97-AF65-F5344CB8AC3E}">
+        <p14:creationId xmlns:p14="http://schemas.microsoft.com/office/powerpoint/2010/main" val="598041362"/>
+      </p:ext>
+    </p:extLst>
+  </p:cSld>
+  <p:clrMapOvr>
+    <a:masterClrMapping/>
+  </p:clrMapOvr>
+</p:sld>
+</file>
+
 <file path=ppt/theme/theme1.xml><?xml version="1.0" encoding="utf-8"?>
-<a:theme xmlns:a="http://schemas.openxmlformats.org/drawingml/2006/main" name="Mesh">
+<a:theme xmlns:a="http://schemas.openxmlformats.org/drawingml/2006/main" name="Office Theme">
   <a:themeElements>
-    <a:clrScheme name="Mesh">
+    <a:clrScheme name="Office">
       <a:dk1>
         <a:sysClr val="windowText" lastClr="000000"/>
       </a:dk1>
@@ -8667,48 +6798,100 @@
         <a:sysClr val="window" lastClr="FFFFFF"/>
       </a:lt1>
       <a:dk2>
-        <a:srgbClr val="363D46"/>
+        <a:srgbClr val="44546A"/>
       </a:dk2>
       <a:lt2>
-        <a:srgbClr val="EBEBEB"/>
+        <a:srgbClr val="E7E6E6"/>
       </a:lt2>
       <a:accent1>
-        <a:srgbClr val="6F6F6F"/>
+        <a:srgbClr val="4472C4"/>
       </a:accent1>
       <a:accent2>
-        <a:srgbClr val="BFBFA5"/>
+        <a:srgbClr val="ED7D31"/>
       </a:accent2>
       <a:accent3>
-        <a:srgbClr val="DCD084"/>
+        <a:srgbClr val="A5A5A5"/>
       </a:accent3>
       <a:accent4>
-        <a:srgbClr val="E7BF5F"/>
+        <a:srgbClr val="FFC000"/>
       </a:accent4>
       <a:accent5>
-        <a:srgbClr val="E9A039"/>
+        <a:srgbClr val="5B9BD5"/>
       </a:accent5>
       <a:accent6>
-        <a:srgbClr val="CF7133"/>
+        <a:srgbClr val="70AD47"/>
       </a:accent6>
       <a:hlink>
-        <a:srgbClr val="F28943"/>
+        <a:srgbClr val="0563C1"/>
       </a:hlink>
       <a:folHlink>
-        <a:srgbClr val="F1B76C"/>
+        <a:srgbClr val="954F72"/>
       </a:folHlink>
     </a:clrScheme>
-    <a:fontScheme name="Mesh">
+    <a:fontScheme name="Office">
       <a:majorFont>
-        <a:latin typeface="Century Gothic" panose="020B0502020202020204"/>
+        <a:latin typeface="Calibri Light" panose="020F0302020204030204"/>
         <a:ea typeface=""/>
         <a:cs typeface=""/>
-        <a:font script="Jpan" typeface="ＭＳ ゴシック"/>
+        <a:font script="Jpan" typeface="游ゴシック Light"/>
         <a:font script="Hang" typeface="맑은 고딕"/>
-        <a:font script="Hans" typeface="宋体"/>
+        <a:font script="Hans" typeface="等线 Light"/>
         <a:font script="Hant" typeface="新細明體"/>
-        <a:font script="Arab" typeface="Tahoma"/>
-        <a:font script="Hebr" typeface="Gisha"/>
-        <a:font script="Thai" typeface="DilleniaUPC"/>
+        <a:font script="Arab" typeface="Times New Roman"/>
+        <a:font script="Hebr" typeface="Times New Roman"/>
+        <a:font script="Thai" typeface="Angsana New"/>
+        <a:font script="Ethi" typeface="Nyala"/>
+        <a:font script="Beng" typeface="Vrinda"/>
+        <a:font script="Gujr" typeface="Shruti"/>
+        <a:font script="Khmr" typeface="MoolBoran"/>
+        <a:font script="Knda" typeface="Tunga"/>
+        <a:font script="Guru" typeface="Raavi"/>
+        <a:font script="Cans" typeface="Euphemia"/>
+        <a:font script="Cher" typeface="Plantagenet Cherokee"/>
+        <a:font script="Yiii" typeface="Microsoft Yi Baiti"/>
+        <a:font script="Tibt" typeface="Microsoft Himalaya"/>
+        <a:font script="Thaa" typeface="MV Boli"/>
+        <a:font script="Deva" typeface="Mangal"/>
+        <a:font script="Telu" typeface="Gautami"/>
+        <a:font script="Taml" typeface="Latha"/>
+        <a:font script="Syrc" typeface="Estrangelo Edessa"/>
+        <a:font script="Orya" typeface="Kalinga"/>
+        <a:font script="Mlym" typeface="Kartika"/>
+        <a:font script="Laoo" typeface="DokChampa"/>
+        <a:font script="Sinh" typeface="Iskoola Pota"/>
+        <a:font script="Mong" typeface="Mongolian Baiti"/>
+        <a:font script="Viet" typeface="Times New Roman"/>
+        <a:font script="Uigh" typeface="Microsoft Uighur"/>
+        <a:font script="Geor" typeface="Sylfaen"/>
+        <a:font script="Armn" typeface="Arial"/>
+        <a:font script="Bugi" typeface="Leelawadee UI"/>
+        <a:font script="Bopo" typeface="Microsoft JhengHei"/>
+        <a:font script="Java" typeface="Javanese Text"/>
+        <a:font script="Lisu" typeface="Segoe UI"/>
+        <a:font script="Mymr" typeface="Myanmar Text"/>
+        <a:font script="Nkoo" typeface="Ebrima"/>
+        <a:font script="Olck" typeface="Nirmala UI"/>
+        <a:font script="Osma" typeface="Ebrima"/>
+        <a:font script="Phag" typeface="Phagspa"/>
+        <a:font script="Syrn" typeface="Estrangelo Edessa"/>
+        <a:font script="Syrj" typeface="Estrangelo Edessa"/>
+        <a:font script="Syre" typeface="Estrangelo Edessa"/>
+        <a:font script="Sora" typeface="Nirmala UI"/>
+        <a:font script="Tale" typeface="Microsoft Tai Le"/>
+        <a:font script="Talu" typeface="Microsoft New Tai Lue"/>
+        <a:font script="Tfng" typeface="Ebrima"/>
+      </a:majorFont>
+      <a:minorFont>
+        <a:latin typeface="Calibri" panose="020F0502020204030204"/>
+        <a:ea typeface=""/>
+        <a:cs typeface=""/>
+        <a:font script="Jpan" typeface="游ゴシック"/>
+        <a:font script="Hang" typeface="맑은 고딕"/>
+        <a:font script="Hans" typeface="等线"/>
+        <a:font script="Hant" typeface="新細明體"/>
+        <a:font script="Arab" typeface="Arial"/>
+        <a:font script="Hebr" typeface="Arial"/>
+        <a:font script="Thai" typeface="Cordia New"/>
         <a:font script="Ethi" typeface="Nyala"/>
         <a:font script="Beng" typeface="Vrinda"/>
         <a:font script="Gujr" typeface="Shruti"/>
@@ -8729,47 +6912,29 @@
         <a:font script="Laoo" typeface="DokChampa"/>
         <a:font script="Sinh" typeface="Iskoola Pota"/>
         <a:font script="Mong" typeface="Mongolian Baiti"/>
-        <a:font script="Viet" typeface="Tahoma"/>
+        <a:font script="Viet" typeface="Arial"/>
         <a:font script="Uigh" typeface="Microsoft Uighur"/>
         <a:font script="Geor" typeface="Sylfaen"/>
-      </a:majorFont>
-      <a:minorFont>
-        <a:latin typeface="Century Gothic" panose="020B0502020202020204"/>
-        <a:ea typeface=""/>
-        <a:cs typeface=""/>
-        <a:font script="Jpan" typeface="ＭＳ ゴシック"/>
-        <a:font script="Hang" typeface="맑은 고딕"/>
-        <a:font script="Hans" typeface="宋体"/>
-        <a:font script="Hant" typeface="新細明體"/>
-        <a:font script="Arab" typeface="Tahoma"/>
-        <a:font script="Hebr" typeface="Gisha"/>
-        <a:font script="Thai" typeface="DilleniaUPC"/>
-        <a:font script="Ethi" typeface="Nyala"/>
-        <a:font script="Beng" typeface="Vrinda"/>
-        <a:font script="Gujr" typeface="Shruti"/>
-        <a:font script="Khmr" typeface="DaunPenh"/>
-        <a:font script="Knda" typeface="Tunga"/>
-        <a:font script="Guru" typeface="Raavi"/>
-        <a:font script="Cans" typeface="Euphemia"/>
-        <a:font script="Cher" typeface="Plantagenet Cherokee"/>
-        <a:font script="Yiii" typeface="Microsoft Yi Baiti"/>
-        <a:font script="Tibt" typeface="Microsoft Himalaya"/>
-        <a:font script="Thaa" typeface="MV Boli"/>
-        <a:font script="Deva" typeface="Mangal"/>
-        <a:font script="Telu" typeface="Gautami"/>
-        <a:font script="Taml" typeface="Latha"/>
-        <a:font script="Syrc" typeface="Estrangelo Edessa"/>
-        <a:font script="Orya" typeface="Kalinga"/>
-        <a:font script="Mlym" typeface="Kartika"/>
-        <a:font script="Laoo" typeface="DokChampa"/>
-        <a:font script="Sinh" typeface="Iskoola Pota"/>
-        <a:font script="Mong" typeface="Mongolian Baiti"/>
-        <a:font script="Viet" typeface="Verdana"/>
-        <a:font script="Uigh" typeface="Microsoft Uighur"/>
-        <a:font script="Geor" typeface="Sylfaen"/>
+        <a:font script="Armn" typeface="Arial"/>
+        <a:font script="Bugi" typeface="Leelawadee UI"/>
+        <a:font script="Bopo" typeface="Microsoft JhengHei"/>
+        <a:font script="Java" typeface="Javanese Text"/>
+        <a:font script="Lisu" typeface="Segoe UI"/>
+        <a:font script="Mymr" typeface="Myanmar Text"/>
+        <a:font script="Nkoo" typeface="Ebrima"/>
+        <a:font script="Olck" typeface="Nirmala UI"/>
+        <a:font script="Osma" typeface="Ebrima"/>
+        <a:font script="Phag" typeface="Phagspa"/>
+        <a:font script="Syrn" typeface="Estrangelo Edessa"/>
+        <a:font script="Syrj" typeface="Estrangelo Edessa"/>
+        <a:font script="Syre" typeface="Estrangelo Edessa"/>
+        <a:font script="Sora" typeface="Nirmala UI"/>
+        <a:font script="Tale" typeface="Microsoft Tai Le"/>
+        <a:font script="Talu" typeface="Microsoft New Tai Lue"/>
+        <a:font script="Tfng" typeface="Ebrima"/>
       </a:minorFont>
     </a:fontScheme>
-    <a:fmtScheme name="Mesh">
+    <a:fmtScheme name="Office">
       <a:fillStyleLst>
         <a:solidFill>
           <a:schemeClr val="phClr"/>
@@ -8778,13 +6943,23 @@
           <a:gsLst>
             <a:gs pos="0">
               <a:schemeClr val="phClr">
-                <a:tint val="60000"/>
                 <a:lumMod val="110000"/>
+                <a:satMod val="105000"/>
+                <a:tint val="67000"/>
+              </a:schemeClr>
+            </a:gs>
+            <a:gs pos="50000">
+              <a:schemeClr val="phClr">
+                <a:lumMod val="105000"/>
+                <a:satMod val="103000"/>
+                <a:tint val="73000"/>
               </a:schemeClr>
             </a:gs>
             <a:gs pos="100000">
               <a:schemeClr val="phClr">
-                <a:tint val="82000"/>
+                <a:lumMod val="105000"/>
+                <a:satMod val="109000"/>
+                <a:tint val="81000"/>
               </a:schemeClr>
             </a:gs>
           </a:gsLst>
@@ -8794,14 +6969,23 @@
           <a:gsLst>
             <a:gs pos="0">
               <a:schemeClr val="phClr">
-                <a:tint val="96000"/>
-                <a:lumMod val="104000"/>
+                <a:satMod val="103000"/>
+                <a:lumMod val="102000"/>
+                <a:tint val="94000"/>
+              </a:schemeClr>
+            </a:gs>
+            <a:gs pos="50000">
+              <a:schemeClr val="phClr">
+                <a:satMod val="110000"/>
+                <a:lumMod val="100000"/>
+                <a:shade val="100000"/>
               </a:schemeClr>
             </a:gs>
             <a:gs pos="100000">
               <a:schemeClr val="phClr">
-                <a:shade val="84000"/>
-                <a:lumMod val="84000"/>
+                <a:lumMod val="99000"/>
+                <a:satMod val="120000"/>
+                <a:shade val="78000"/>
               </a:schemeClr>
             </a:gs>
           </a:gsLst>
@@ -8809,23 +6993,26 @@
         </a:gradFill>
       </a:fillStyleLst>
       <a:lnStyleLst>
-        <a:ln w="9525" cap="rnd" cmpd="sng" algn="ctr">
+        <a:ln w="6350" cap="flat" cmpd="sng" algn="ctr">
           <a:solidFill>
             <a:schemeClr val="phClr"/>
           </a:solidFill>
           <a:prstDash val="solid"/>
+          <a:miter lim="800000"/>
         </a:ln>
-        <a:ln w="19050" cap="rnd" cmpd="sng" algn="ctr">
+        <a:ln w="12700" cap="flat" cmpd="sng" algn="ctr">
           <a:solidFill>
             <a:schemeClr val="phClr"/>
           </a:solidFill>
           <a:prstDash val="solid"/>
+          <a:miter lim="800000"/>
         </a:ln>
-        <a:ln w="25400" cap="rnd" cmpd="sng" algn="ctr">
+        <a:ln w="19050" cap="flat" cmpd="sng" algn="ctr">
           <a:solidFill>
             <a:schemeClr val="phClr"/>
           </a:solidFill>
           <a:prstDash val="solid"/>
+          <a:miter lim="800000"/>
         </a:ln>
       </a:lnStyleLst>
       <a:effectStyleLst>
@@ -8833,72 +7020,55 @@
           <a:effectLst/>
         </a:effectStyle>
         <a:effectStyle>
-          <a:effectLst>
-            <a:innerShdw blurRad="50800" dist="25400" dir="13500000">
-              <a:srgbClr val="000000">
-                <a:alpha val="55000"/>
-              </a:srgbClr>
-            </a:innerShdw>
-          </a:effectLst>
+          <a:effectLst/>
         </a:effectStyle>
         <a:effectStyle>
           <a:effectLst>
-            <a:outerShdw blurRad="50800" dist="38100" dir="5400000" rotWithShape="0">
+            <a:outerShdw blurRad="57150" dist="19050" dir="5400000" algn="ctr" rotWithShape="0">
               <a:srgbClr val="000000">
-                <a:alpha val="60000"/>
+                <a:alpha val="63000"/>
               </a:srgbClr>
             </a:outerShdw>
           </a:effectLst>
-          <a:scene3d>
-            <a:camera prst="orthographicFront">
-              <a:rot lat="0" lon="0" rev="0"/>
-            </a:camera>
-            <a:lightRig rig="threePt" dir="tl"/>
-          </a:scene3d>
-          <a:sp3d>
-            <a:bevelT w="25400" h="25400" prst="slope"/>
-          </a:sp3d>
         </a:effectStyle>
       </a:effectStyleLst>
       <a:bgFillStyleLst>
         <a:solidFill>
           <a:schemeClr val="phClr"/>
         </a:solidFill>
+        <a:solidFill>
+          <a:schemeClr val="phClr">
+            <a:tint val="95000"/>
+            <a:satMod val="170000"/>
+          </a:schemeClr>
+        </a:solidFill>
         <a:gradFill rotWithShape="1">
           <a:gsLst>
             <a:gs pos="0">
               <a:schemeClr val="phClr">
-                <a:tint val="90000"/>
-                <a:lumMod val="110000"/>
+                <a:tint val="93000"/>
+                <a:satMod val="150000"/>
+                <a:shade val="98000"/>
+                <a:lumMod val="102000"/>
+              </a:schemeClr>
+            </a:gs>
+            <a:gs pos="50000">
+              <a:schemeClr val="phClr">
+                <a:tint val="98000"/>
+                <a:satMod val="130000"/>
+                <a:shade val="90000"/>
+                <a:lumMod val="103000"/>
               </a:schemeClr>
             </a:gs>
             <a:gs pos="100000">
               <a:schemeClr val="phClr">
-                <a:shade val="64000"/>
-                <a:lumMod val="98000"/>
+                <a:shade val="63000"/>
+                <a:satMod val="120000"/>
               </a:schemeClr>
             </a:gs>
           </a:gsLst>
           <a:lin ang="5400000" scaled="0"/>
         </a:gradFill>
-        <a:blipFill rotWithShape="1">
-          <a:blip xmlns:r="http://schemas.openxmlformats.org/officeDocument/2006/relationships" r:embed="rId1">
-            <a:duotone>
-              <a:schemeClr val="phClr">
-                <a:shade val="28000"/>
-                <a:satMod val="94000"/>
-                <a:lumMod val="20000"/>
-              </a:schemeClr>
-              <a:schemeClr val="phClr">
-                <a:tint val="94000"/>
-                <a:shade val="84000"/>
-                <a:satMod val="148000"/>
-                <a:lumMod val="114000"/>
-              </a:schemeClr>
-            </a:duotone>
-          </a:blip>
-          <a:stretch/>
-        </a:blipFill>
       </a:bgFillStyleLst>
     </a:fmtScheme>
   </a:themeElements>
@@ -8906,7 +7076,7 @@
   <a:extraClrSchemeLst/>
   <a:extLst>
     <a:ext uri="{05A4C25C-085E-4340-85A3-A5531E510DB2}">
-      <thm15:themeFamily xmlns:thm15="http://schemas.microsoft.com/office/thememl/2012/main" name="Mesh" id="{789EC3FE-34FD-429C-9918-760025E6C145}" vid="{B8BE45C0-8141-4D58-8C71-A009BC26FBBB}"/>
+      <thm15:themeFamily xmlns:thm15="http://schemas.microsoft.com/office/thememl/2012/main" name="Office Theme" id="{62F939B6-93AF-4DB8-9C6B-D6C7DFDC589F}" vid="{4A3C46E8-61CC-4603-A589-7422A47A8E4A}"/>
     </a:ext>
   </a:extLst>
 </a:theme>
